--- a/presentation.pptx
+++ b/presentation.pptx
@@ -208,7 +208,7 @@
           <a:p>
             <a:fld id="{B1A8C3FE-7F18-4E17-97FB-64566AD97CDA}" type="datetimeFigureOut">
               <a:rPr lang="en-US" smtClean="0"/>
-              <a:t>27-Mar-23</a:t>
+              <a:t>15-Apr-23</a:t>
             </a:fld>
             <a:endParaRPr lang="en-US"/>
           </a:p>
@@ -1039,7 +1039,7 @@
                 <a:effectLst/>
                 <a:latin typeface="Söhne"/>
               </a:rPr>
-              <a:t>Shark Poker, has been designed to excel at calculating the odds of winning a hand. By performing over 207 million simulations for pre-flop status, the bot has achieved an incredibly high level of accuracy in predicting the outcome of a hand. This is reflected in the chart and statistics have provided, which show the winning probability for the 7 of spade and 10 of Hearts hand across multiple simulations.</a:t>
+              <a:t>Shark Poker, has been designed to excel at calculating the odds of winning a hand. By performing almost 2 billion simulations for pre-flop status, the bot has achieved an incredibly high level of accuracy in predicting the outcome of a hand. This is reflected in the chart and statistics have provided, which show the winning probability for the 7 of spade and 10 of Hearts hand across multiple simulations.</a:t>
             </a:r>
           </a:p>
           <a:p>
@@ -1476,7 +1476,7 @@
           <a:noFill/>
           <a:extLst>
             <a:ext uri="{909E8E84-426E-40dd-AFC4-6F175D3DCCD1}">
-              <a14:hiddenFill xmlns="" xmlns:a14="http://schemas.microsoft.com/office/drawing/2010/main">
+              <a14:hiddenFill xmlns:a14="http://schemas.microsoft.com/office/drawing/2010/main" xmlns="">
                 <a:solidFill>
                   <a:srgbClr val="FFFFFF"/>
                 </a:solidFill>
@@ -1536,7 +1536,7 @@
             </a:ln>
             <a:extLst>
               <a:ext uri="{91240B29-F687-4f45-9708-019B960494DF}">
-                <a14:hiddenLine xmlns="" xmlns:a14="http://schemas.microsoft.com/office/drawing/2010/main" w="9525">
+                <a14:hiddenLine xmlns:a14="http://schemas.microsoft.com/office/drawing/2010/main" xmlns="" w="9525">
                   <a:solidFill>
                     <a:srgbClr val="000000"/>
                   </a:solidFill>
@@ -1626,7 +1626,7 @@
             </a:ln>
             <a:extLst>
               <a:ext uri="{91240B29-F687-4f45-9708-019B960494DF}">
-                <a14:hiddenLine xmlns="" xmlns:a14="http://schemas.microsoft.com/office/drawing/2010/main" w="9525">
+                <a14:hiddenLine xmlns:a14="http://schemas.microsoft.com/office/drawing/2010/main" xmlns="" w="9525">
                   <a:solidFill>
                     <a:srgbClr val="000000"/>
                   </a:solidFill>
@@ -1716,7 +1716,7 @@
             </a:ln>
             <a:extLst>
               <a:ext uri="{91240B29-F687-4f45-9708-019B960494DF}">
-                <a14:hiddenLine xmlns="" xmlns:a14="http://schemas.microsoft.com/office/drawing/2010/main" w="9525">
+                <a14:hiddenLine xmlns:a14="http://schemas.microsoft.com/office/drawing/2010/main" xmlns="" w="9525">
                   <a:solidFill>
                     <a:srgbClr val="000000"/>
                   </a:solidFill>
@@ -1750,7 +1750,7 @@
             </a:ln>
             <a:extLst>
               <a:ext uri="{91240B29-F687-4f45-9708-019B960494DF}">
-                <a14:hiddenLine xmlns="" xmlns:a14="http://schemas.microsoft.com/office/drawing/2010/main" w="9525">
+                <a14:hiddenLine xmlns:a14="http://schemas.microsoft.com/office/drawing/2010/main" xmlns="" w="9525">
                   <a:solidFill>
                     <a:srgbClr val="000000"/>
                   </a:solidFill>
@@ -1840,7 +1840,7 @@
             </a:ln>
             <a:extLst>
               <a:ext uri="{91240B29-F687-4f45-9708-019B960494DF}">
-                <a14:hiddenLine xmlns="" xmlns:a14="http://schemas.microsoft.com/office/drawing/2010/main" w="9525">
+                <a14:hiddenLine xmlns:a14="http://schemas.microsoft.com/office/drawing/2010/main" xmlns="" w="9525">
                   <a:solidFill>
                     <a:srgbClr val="000000"/>
                   </a:solidFill>
@@ -1902,7 +1902,7 @@
             </a:ln>
             <a:extLst>
               <a:ext uri="{91240B29-F687-4f45-9708-019B960494DF}">
-                <a14:hiddenLine xmlns="" xmlns:a14="http://schemas.microsoft.com/office/drawing/2010/main" w="9525">
+                <a14:hiddenLine xmlns:a14="http://schemas.microsoft.com/office/drawing/2010/main" xmlns="" w="9525">
                   <a:solidFill>
                     <a:srgbClr val="000000"/>
                   </a:solidFill>
@@ -1964,7 +1964,7 @@
             </a:ln>
             <a:extLst>
               <a:ext uri="{91240B29-F687-4f45-9708-019B960494DF}">
-                <a14:hiddenLine xmlns="" xmlns:a14="http://schemas.microsoft.com/office/drawing/2010/main" w="9525">
+                <a14:hiddenLine xmlns:a14="http://schemas.microsoft.com/office/drawing/2010/main" xmlns="" w="9525">
                   <a:solidFill>
                     <a:srgbClr val="000000"/>
                   </a:solidFill>
@@ -2054,7 +2054,7 @@
             </a:ln>
             <a:extLst>
               <a:ext uri="{91240B29-F687-4f45-9708-019B960494DF}">
-                <a14:hiddenLine xmlns="" xmlns:a14="http://schemas.microsoft.com/office/drawing/2010/main" w="9525">
+                <a14:hiddenLine xmlns:a14="http://schemas.microsoft.com/office/drawing/2010/main" xmlns="" w="9525">
                   <a:solidFill>
                     <a:srgbClr val="000000"/>
                   </a:solidFill>
@@ -2116,7 +2116,7 @@
             </a:ln>
             <a:extLst>
               <a:ext uri="{91240B29-F687-4f45-9708-019B960494DF}">
-                <a14:hiddenLine xmlns="" xmlns:a14="http://schemas.microsoft.com/office/drawing/2010/main" w="9525">
+                <a14:hiddenLine xmlns:a14="http://schemas.microsoft.com/office/drawing/2010/main" xmlns="" w="9525">
                   <a:solidFill>
                     <a:srgbClr val="000000"/>
                   </a:solidFill>
@@ -2178,7 +2178,7 @@
             </a:ln>
             <a:extLst>
               <a:ext uri="{91240B29-F687-4f45-9708-019B960494DF}">
-                <a14:hiddenLine xmlns="" xmlns:a14="http://schemas.microsoft.com/office/drawing/2010/main" w="9525">
+                <a14:hiddenLine xmlns:a14="http://schemas.microsoft.com/office/drawing/2010/main" xmlns="" w="9525">
                   <a:solidFill>
                     <a:srgbClr val="000000"/>
                   </a:solidFill>
@@ -2268,7 +2268,7 @@
             </a:ln>
             <a:extLst>
               <a:ext uri="{91240B29-F687-4f45-9708-019B960494DF}">
-                <a14:hiddenLine xmlns="" xmlns:a14="http://schemas.microsoft.com/office/drawing/2010/main" w="9525">
+                <a14:hiddenLine xmlns:a14="http://schemas.microsoft.com/office/drawing/2010/main" xmlns="" w="9525">
                   <a:solidFill>
                     <a:srgbClr val="000000"/>
                   </a:solidFill>
@@ -2358,7 +2358,7 @@
             </a:ln>
             <a:extLst>
               <a:ext uri="{91240B29-F687-4f45-9708-019B960494DF}">
-                <a14:hiddenLine xmlns="" xmlns:a14="http://schemas.microsoft.com/office/drawing/2010/main" w="9525">
+                <a14:hiddenLine xmlns:a14="http://schemas.microsoft.com/office/drawing/2010/main" xmlns="" w="9525">
                   <a:solidFill>
                     <a:srgbClr val="000000"/>
                   </a:solidFill>
@@ -2420,7 +2420,7 @@
             </a:ln>
             <a:extLst>
               <a:ext uri="{91240B29-F687-4f45-9708-019B960494DF}">
-                <a14:hiddenLine xmlns="" xmlns:a14="http://schemas.microsoft.com/office/drawing/2010/main" w="9525">
+                <a14:hiddenLine xmlns:a14="http://schemas.microsoft.com/office/drawing/2010/main" xmlns="" w="9525">
                   <a:solidFill>
                     <a:srgbClr val="000000"/>
                   </a:solidFill>
@@ -2530,7 +2530,7 @@
             </a:ln>
             <a:extLst>
               <a:ext uri="{91240B29-F687-4f45-9708-019B960494DF}">
-                <a14:hiddenLine xmlns="" xmlns:a14="http://schemas.microsoft.com/office/drawing/2010/main" w="9525">
+                <a14:hiddenLine xmlns:a14="http://schemas.microsoft.com/office/drawing/2010/main" xmlns="" w="9525">
                   <a:solidFill>
                     <a:srgbClr val="000000"/>
                   </a:solidFill>
@@ -2592,7 +2592,7 @@
             </a:ln>
             <a:extLst>
               <a:ext uri="{91240B29-F687-4f45-9708-019B960494DF}">
-                <a14:hiddenLine xmlns="" xmlns:a14="http://schemas.microsoft.com/office/drawing/2010/main" w="9525">
+                <a14:hiddenLine xmlns:a14="http://schemas.microsoft.com/office/drawing/2010/main" xmlns="" w="9525">
                   <a:solidFill>
                     <a:srgbClr val="000000"/>
                   </a:solidFill>
@@ -2682,7 +2682,7 @@
             </a:ln>
             <a:extLst>
               <a:ext uri="{91240B29-F687-4f45-9708-019B960494DF}">
-                <a14:hiddenLine xmlns="" xmlns:a14="http://schemas.microsoft.com/office/drawing/2010/main" w="9525">
+                <a14:hiddenLine xmlns:a14="http://schemas.microsoft.com/office/drawing/2010/main" xmlns="" w="9525">
                   <a:solidFill>
                     <a:srgbClr val="000000"/>
                   </a:solidFill>
@@ -2772,7 +2772,7 @@
             </a:ln>
             <a:extLst>
               <a:ext uri="{91240B29-F687-4f45-9708-019B960494DF}">
-                <a14:hiddenLine xmlns="" xmlns:a14="http://schemas.microsoft.com/office/drawing/2010/main" w="9525">
+                <a14:hiddenLine xmlns:a14="http://schemas.microsoft.com/office/drawing/2010/main" xmlns="" w="9525">
                   <a:solidFill>
                     <a:srgbClr val="000000"/>
                   </a:solidFill>
@@ -2834,7 +2834,7 @@
             </a:ln>
             <a:extLst>
               <a:ext uri="{91240B29-F687-4f45-9708-019B960494DF}">
-                <a14:hiddenLine xmlns="" xmlns:a14="http://schemas.microsoft.com/office/drawing/2010/main" w="9525">
+                <a14:hiddenLine xmlns:a14="http://schemas.microsoft.com/office/drawing/2010/main" xmlns="" w="9525">
                   <a:solidFill>
                     <a:srgbClr val="000000"/>
                   </a:solidFill>
@@ -2924,7 +2924,7 @@
             </a:ln>
             <a:extLst>
               <a:ext uri="{91240B29-F687-4f45-9708-019B960494DF}">
-                <a14:hiddenLine xmlns="" xmlns:a14="http://schemas.microsoft.com/office/drawing/2010/main" w="9525">
+                <a14:hiddenLine xmlns:a14="http://schemas.microsoft.com/office/drawing/2010/main" xmlns="" w="9525">
                   <a:solidFill>
                     <a:srgbClr val="000000"/>
                   </a:solidFill>
@@ -3014,7 +3014,7 @@
             </a:ln>
             <a:extLst>
               <a:ext uri="{91240B29-F687-4f45-9708-019B960494DF}">
-                <a14:hiddenLine xmlns="" xmlns:a14="http://schemas.microsoft.com/office/drawing/2010/main" w="9525">
+                <a14:hiddenLine xmlns:a14="http://schemas.microsoft.com/office/drawing/2010/main" xmlns="" w="9525">
                   <a:solidFill>
                     <a:srgbClr val="000000"/>
                   </a:solidFill>
@@ -3070,7 +3070,7 @@
             </a:ln>
             <a:extLst>
               <a:ext uri="{91240B29-F687-4f45-9708-019B960494DF}">
-                <a14:hiddenLine xmlns="" xmlns:a14="http://schemas.microsoft.com/office/drawing/2010/main" w="9525">
+                <a14:hiddenLine xmlns:a14="http://schemas.microsoft.com/office/drawing/2010/main" xmlns="" w="9525">
                   <a:solidFill>
                     <a:srgbClr val="000000"/>
                   </a:solidFill>
@@ -3160,7 +3160,7 @@
             </a:ln>
             <a:extLst>
               <a:ext uri="{91240B29-F687-4f45-9708-019B960494DF}">
-                <a14:hiddenLine xmlns="" xmlns:a14="http://schemas.microsoft.com/office/drawing/2010/main" w="9525">
+                <a14:hiddenLine xmlns:a14="http://schemas.microsoft.com/office/drawing/2010/main" xmlns="" w="9525">
                   <a:solidFill>
                     <a:srgbClr val="000000"/>
                   </a:solidFill>
@@ -3216,7 +3216,7 @@
             </a:ln>
             <a:extLst>
               <a:ext uri="{91240B29-F687-4f45-9708-019B960494DF}">
-                <a14:hiddenLine xmlns="" xmlns:a14="http://schemas.microsoft.com/office/drawing/2010/main" w="9525">
+                <a14:hiddenLine xmlns:a14="http://schemas.microsoft.com/office/drawing/2010/main" xmlns="" w="9525">
                   <a:solidFill>
                     <a:srgbClr val="000000"/>
                   </a:solidFill>
@@ -3306,7 +3306,7 @@
             </a:ln>
             <a:extLst>
               <a:ext uri="{91240B29-F687-4f45-9708-019B960494DF}">
-                <a14:hiddenLine xmlns="" xmlns:a14="http://schemas.microsoft.com/office/drawing/2010/main" w="9525">
+                <a14:hiddenLine xmlns:a14="http://schemas.microsoft.com/office/drawing/2010/main" xmlns="" w="9525">
                   <a:solidFill>
                     <a:srgbClr val="000000"/>
                   </a:solidFill>
@@ -3374,7 +3374,7 @@
             </a:ln>
             <a:extLst>
               <a:ext uri="{91240B29-F687-4f45-9708-019B960494DF}">
-                <a14:hiddenLine xmlns="" xmlns:a14="http://schemas.microsoft.com/office/drawing/2010/main" w="9525">
+                <a14:hiddenLine xmlns:a14="http://schemas.microsoft.com/office/drawing/2010/main" xmlns="" w="9525">
                   <a:solidFill>
                     <a:srgbClr val="000000"/>
                   </a:solidFill>
@@ -3464,7 +3464,7 @@
             </a:ln>
             <a:extLst>
               <a:ext uri="{91240B29-F687-4f45-9708-019B960494DF}">
-                <a14:hiddenLine xmlns="" xmlns:a14="http://schemas.microsoft.com/office/drawing/2010/main" w="9525">
+                <a14:hiddenLine xmlns:a14="http://schemas.microsoft.com/office/drawing/2010/main" xmlns="" w="9525">
                   <a:solidFill>
                     <a:srgbClr val="000000"/>
                   </a:solidFill>
@@ -3532,7 +3532,7 @@
             </a:ln>
             <a:extLst>
               <a:ext uri="{91240B29-F687-4f45-9708-019B960494DF}">
-                <a14:hiddenLine xmlns="" xmlns:a14="http://schemas.microsoft.com/office/drawing/2010/main" w="9525">
+                <a14:hiddenLine xmlns:a14="http://schemas.microsoft.com/office/drawing/2010/main" xmlns="" w="9525">
                   <a:solidFill>
                     <a:srgbClr val="000000"/>
                   </a:solidFill>
@@ -3622,7 +3622,7 @@
             </a:ln>
             <a:extLst>
               <a:ext uri="{91240B29-F687-4f45-9708-019B960494DF}">
-                <a14:hiddenLine xmlns="" xmlns:a14="http://schemas.microsoft.com/office/drawing/2010/main" w="9525">
+                <a14:hiddenLine xmlns:a14="http://schemas.microsoft.com/office/drawing/2010/main" xmlns="" w="9525">
                   <a:solidFill>
                     <a:srgbClr val="000000"/>
                   </a:solidFill>
@@ -3656,7 +3656,7 @@
             </a:ln>
             <a:extLst>
               <a:ext uri="{91240B29-F687-4f45-9708-019B960494DF}">
-                <a14:hiddenLine xmlns="" xmlns:a14="http://schemas.microsoft.com/office/drawing/2010/main" w="9525">
+                <a14:hiddenLine xmlns:a14="http://schemas.microsoft.com/office/drawing/2010/main" xmlns="" w="9525">
                   <a:solidFill>
                     <a:srgbClr val="000000"/>
                   </a:solidFill>
@@ -3746,7 +3746,7 @@
             </a:ln>
             <a:extLst>
               <a:ext uri="{91240B29-F687-4f45-9708-019B960494DF}">
-                <a14:hiddenLine xmlns="" xmlns:a14="http://schemas.microsoft.com/office/drawing/2010/main" w="9525">
+                <a14:hiddenLine xmlns:a14="http://schemas.microsoft.com/office/drawing/2010/main" xmlns="" w="9525">
                   <a:solidFill>
                     <a:srgbClr val="000000"/>
                   </a:solidFill>
@@ -3808,7 +3808,7 @@
             </a:ln>
             <a:extLst>
               <a:ext uri="{91240B29-F687-4f45-9708-019B960494DF}">
-                <a14:hiddenLine xmlns="" xmlns:a14="http://schemas.microsoft.com/office/drawing/2010/main" w="9525">
+                <a14:hiddenLine xmlns:a14="http://schemas.microsoft.com/office/drawing/2010/main" xmlns="" w="9525">
                   <a:solidFill>
                     <a:srgbClr val="000000"/>
                   </a:solidFill>
@@ -3870,7 +3870,7 @@
             </a:ln>
             <a:extLst>
               <a:ext uri="{91240B29-F687-4f45-9708-019B960494DF}">
-                <a14:hiddenLine xmlns="" xmlns:a14="http://schemas.microsoft.com/office/drawing/2010/main" w="9525">
+                <a14:hiddenLine xmlns:a14="http://schemas.microsoft.com/office/drawing/2010/main" xmlns="" w="9525">
                   <a:solidFill>
                     <a:srgbClr val="000000"/>
                   </a:solidFill>
@@ -3960,7 +3960,7 @@
             </a:ln>
             <a:extLst>
               <a:ext uri="{91240B29-F687-4f45-9708-019B960494DF}">
-                <a14:hiddenLine xmlns="" xmlns:a14="http://schemas.microsoft.com/office/drawing/2010/main" w="9525">
+                <a14:hiddenLine xmlns:a14="http://schemas.microsoft.com/office/drawing/2010/main" xmlns="" w="9525">
                   <a:solidFill>
                     <a:srgbClr val="000000"/>
                   </a:solidFill>
@@ -4028,7 +4028,7 @@
             </a:ln>
             <a:extLst>
               <a:ext uri="{91240B29-F687-4f45-9708-019B960494DF}">
-                <a14:hiddenLine xmlns="" xmlns:a14="http://schemas.microsoft.com/office/drawing/2010/main" w="9525">
+                <a14:hiddenLine xmlns:a14="http://schemas.microsoft.com/office/drawing/2010/main" xmlns="" w="9525">
                   <a:solidFill>
                     <a:srgbClr val="000000"/>
                   </a:solidFill>
@@ -4090,7 +4090,7 @@
             </a:ln>
             <a:extLst>
               <a:ext uri="{91240B29-F687-4f45-9708-019B960494DF}">
-                <a14:hiddenLine xmlns="" xmlns:a14="http://schemas.microsoft.com/office/drawing/2010/main" w="9525">
+                <a14:hiddenLine xmlns:a14="http://schemas.microsoft.com/office/drawing/2010/main" xmlns="" w="9525">
                   <a:solidFill>
                     <a:srgbClr val="000000"/>
                   </a:solidFill>
@@ -4180,7 +4180,7 @@
             </a:ln>
             <a:extLst>
               <a:ext uri="{91240B29-F687-4f45-9708-019B960494DF}">
-                <a14:hiddenLine xmlns="" xmlns:a14="http://schemas.microsoft.com/office/drawing/2010/main" w="9525">
+                <a14:hiddenLine xmlns:a14="http://schemas.microsoft.com/office/drawing/2010/main" xmlns="" w="9525">
                   <a:solidFill>
                     <a:srgbClr val="000000"/>
                   </a:solidFill>
@@ -4242,7 +4242,7 @@
             </a:ln>
             <a:extLst>
               <a:ext uri="{91240B29-F687-4f45-9708-019B960494DF}">
-                <a14:hiddenLine xmlns="" xmlns:a14="http://schemas.microsoft.com/office/drawing/2010/main" w="9525">
+                <a14:hiddenLine xmlns:a14="http://schemas.microsoft.com/office/drawing/2010/main" xmlns="" w="9525">
                   <a:solidFill>
                     <a:srgbClr val="000000"/>
                   </a:solidFill>
@@ -4332,7 +4332,7 @@
             </a:ln>
             <a:extLst>
               <a:ext uri="{91240B29-F687-4f45-9708-019B960494DF}">
-                <a14:hiddenLine xmlns="" xmlns:a14="http://schemas.microsoft.com/office/drawing/2010/main" w="9525">
+                <a14:hiddenLine xmlns:a14="http://schemas.microsoft.com/office/drawing/2010/main" xmlns="" w="9525">
                   <a:solidFill>
                     <a:srgbClr val="000000"/>
                   </a:solidFill>
@@ -4394,7 +4394,7 @@
             </a:ln>
             <a:extLst>
               <a:ext uri="{91240B29-F687-4f45-9708-019B960494DF}">
-                <a14:hiddenLine xmlns="" xmlns:a14="http://schemas.microsoft.com/office/drawing/2010/main" w="9525">
+                <a14:hiddenLine xmlns:a14="http://schemas.microsoft.com/office/drawing/2010/main" xmlns="" w="9525">
                   <a:solidFill>
                     <a:srgbClr val="000000"/>
                   </a:solidFill>
@@ -4484,7 +4484,7 @@
             </a:ln>
             <a:extLst>
               <a:ext uri="{91240B29-F687-4f45-9708-019B960494DF}">
-                <a14:hiddenLine xmlns="" xmlns:a14="http://schemas.microsoft.com/office/drawing/2010/main" w="9525">
+                <a14:hiddenLine xmlns:a14="http://schemas.microsoft.com/office/drawing/2010/main" xmlns="" w="9525">
                   <a:solidFill>
                     <a:srgbClr val="000000"/>
                   </a:solidFill>
@@ -4518,7 +4518,7 @@
             </a:ln>
             <a:extLst>
               <a:ext uri="{91240B29-F687-4f45-9708-019B960494DF}">
-                <a14:hiddenLine xmlns="" xmlns:a14="http://schemas.microsoft.com/office/drawing/2010/main" w="9525">
+                <a14:hiddenLine xmlns:a14="http://schemas.microsoft.com/office/drawing/2010/main" xmlns="" w="9525">
                   <a:solidFill>
                     <a:srgbClr val="000000"/>
                   </a:solidFill>
@@ -4583,7 +4583,7 @@
             </a:ln>
             <a:extLst>
               <a:ext uri="{91240B29-F687-4f45-9708-019B960494DF}">
-                <a14:hiddenLine xmlns="" xmlns:a14="http://schemas.microsoft.com/office/drawing/2010/main" w="9525">
+                <a14:hiddenLine xmlns:a14="http://schemas.microsoft.com/office/drawing/2010/main" xmlns="" w="9525">
                   <a:solidFill>
                     <a:srgbClr val="000000"/>
                   </a:solidFill>
@@ -4673,7 +4673,7 @@
             </a:ln>
             <a:extLst>
               <a:ext uri="{91240B29-F687-4f45-9708-019B960494DF}">
-                <a14:hiddenLine xmlns="" xmlns:a14="http://schemas.microsoft.com/office/drawing/2010/main" w="9525">
+                <a14:hiddenLine xmlns:a14="http://schemas.microsoft.com/office/drawing/2010/main" xmlns="" w="9525">
                   <a:solidFill>
                     <a:srgbClr val="000000"/>
                   </a:solidFill>
@@ -4735,7 +4735,7 @@
             </a:ln>
             <a:extLst>
               <a:ext uri="{91240B29-F687-4f45-9708-019B960494DF}">
-                <a14:hiddenLine xmlns="" xmlns:a14="http://schemas.microsoft.com/office/drawing/2010/main" w="9525">
+                <a14:hiddenLine xmlns:a14="http://schemas.microsoft.com/office/drawing/2010/main" xmlns="" w="9525">
                   <a:solidFill>
                     <a:srgbClr val="000000"/>
                   </a:solidFill>
@@ -4825,7 +4825,7 @@
             </a:ln>
             <a:extLst>
               <a:ext uri="{91240B29-F687-4f45-9708-019B960494DF}">
-                <a14:hiddenLine xmlns="" xmlns:a14="http://schemas.microsoft.com/office/drawing/2010/main" w="9525">
+                <a14:hiddenLine xmlns:a14="http://schemas.microsoft.com/office/drawing/2010/main" xmlns="" w="9525">
                   <a:solidFill>
                     <a:srgbClr val="000000"/>
                   </a:solidFill>
@@ -4915,7 +4915,7 @@
             </a:ln>
             <a:extLst>
               <a:ext uri="{91240B29-F687-4f45-9708-019B960494DF}">
-                <a14:hiddenLine xmlns="" xmlns:a14="http://schemas.microsoft.com/office/drawing/2010/main" w="9525">
+                <a14:hiddenLine xmlns:a14="http://schemas.microsoft.com/office/drawing/2010/main" xmlns="" w="9525">
                   <a:solidFill>
                     <a:srgbClr val="000000"/>
                   </a:solidFill>
@@ -4980,7 +4980,7 @@
             </a:ln>
             <a:extLst>
               <a:ext uri="{91240B29-F687-4f45-9708-019B960494DF}">
-                <a14:hiddenLine xmlns="" xmlns:a14="http://schemas.microsoft.com/office/drawing/2010/main" w="9525">
+                <a14:hiddenLine xmlns:a14="http://schemas.microsoft.com/office/drawing/2010/main" xmlns="" w="9525">
                   <a:solidFill>
                     <a:srgbClr val="000000"/>
                   </a:solidFill>
@@ -5042,7 +5042,7 @@
             </a:ln>
             <a:extLst>
               <a:ext uri="{91240B29-F687-4f45-9708-019B960494DF}">
-                <a14:hiddenLine xmlns="" xmlns:a14="http://schemas.microsoft.com/office/drawing/2010/main" w="9525">
+                <a14:hiddenLine xmlns:a14="http://schemas.microsoft.com/office/drawing/2010/main" xmlns="" w="9525">
                   <a:solidFill>
                     <a:srgbClr val="000000"/>
                   </a:solidFill>
@@ -5132,7 +5132,7 @@
             </a:ln>
             <a:extLst>
               <a:ext uri="{91240B29-F687-4f45-9708-019B960494DF}">
-                <a14:hiddenLine xmlns="" xmlns:a14="http://schemas.microsoft.com/office/drawing/2010/main" w="9525">
+                <a14:hiddenLine xmlns:a14="http://schemas.microsoft.com/office/drawing/2010/main" xmlns="" w="9525">
                   <a:solidFill>
                     <a:srgbClr val="000000"/>
                   </a:solidFill>
@@ -5222,7 +5222,7 @@
             </a:ln>
             <a:extLst>
               <a:ext uri="{91240B29-F687-4f45-9708-019B960494DF}">
-                <a14:hiddenLine xmlns="" xmlns:a14="http://schemas.microsoft.com/office/drawing/2010/main" w="9525">
+                <a14:hiddenLine xmlns:a14="http://schemas.microsoft.com/office/drawing/2010/main" xmlns="" w="9525">
                   <a:solidFill>
                     <a:srgbClr val="000000"/>
                   </a:solidFill>
@@ -5284,7 +5284,7 @@
             </a:ln>
             <a:extLst>
               <a:ext uri="{91240B29-F687-4f45-9708-019B960494DF}">
-                <a14:hiddenLine xmlns="" xmlns:a14="http://schemas.microsoft.com/office/drawing/2010/main" w="9525">
+                <a14:hiddenLine xmlns:a14="http://schemas.microsoft.com/office/drawing/2010/main" xmlns="" w="9525">
                   <a:solidFill>
                     <a:srgbClr val="000000"/>
                   </a:solidFill>
@@ -5404,7 +5404,7 @@
             </a:ln>
             <a:extLst>
               <a:ext uri="{91240B29-F687-4f45-9708-019B960494DF}">
-                <a14:hiddenLine xmlns="" xmlns:a14="http://schemas.microsoft.com/office/drawing/2010/main" w="9525">
+                <a14:hiddenLine xmlns:a14="http://schemas.microsoft.com/office/drawing/2010/main" xmlns="" w="9525">
                   <a:solidFill>
                     <a:srgbClr val="000000"/>
                   </a:solidFill>
@@ -5472,7 +5472,7 @@
             </a:ln>
             <a:extLst>
               <a:ext uri="{91240B29-F687-4f45-9708-019B960494DF}">
-                <a14:hiddenLine xmlns="" xmlns:a14="http://schemas.microsoft.com/office/drawing/2010/main" w="9525">
+                <a14:hiddenLine xmlns:a14="http://schemas.microsoft.com/office/drawing/2010/main" xmlns="" w="9525">
                   <a:solidFill>
                     <a:srgbClr val="000000"/>
                   </a:solidFill>
@@ -5562,7 +5562,7 @@
             </a:ln>
             <a:extLst>
               <a:ext uri="{91240B29-F687-4f45-9708-019B960494DF}">
-                <a14:hiddenLine xmlns="" xmlns:a14="http://schemas.microsoft.com/office/drawing/2010/main" w="9525">
+                <a14:hiddenLine xmlns:a14="http://schemas.microsoft.com/office/drawing/2010/main" xmlns="" w="9525">
                   <a:solidFill>
                     <a:srgbClr val="000000"/>
                   </a:solidFill>
@@ -5703,7 +5703,7 @@
             <a:fld id="{4CDE23C7-78A4-413A-A84B-93D4CC0A9EB1}" type="datetimeFigureOut">
               <a:rPr lang="en-US" smtClean="0"/>
               <a:pPr/>
-              <a:t>27-Mar-23</a:t>
+              <a:t>15-Apr-23</a:t>
             </a:fld>
             <a:endParaRPr lang="en-US" dirty="0"/>
           </a:p>
@@ -5972,7 +5972,7 @@
             <a:fld id="{4CDE23C7-78A4-413A-A84B-93D4CC0A9EB1}" type="datetimeFigureOut">
               <a:rPr lang="en-US" smtClean="0"/>
               <a:pPr/>
-              <a:t>27-Mar-23</a:t>
+              <a:t>15-Apr-23</a:t>
             </a:fld>
             <a:endParaRPr lang="en-US" dirty="0"/>
           </a:p>
@@ -6170,7 +6170,7 @@
             <a:fld id="{4CDE23C7-78A4-413A-A84B-93D4CC0A9EB1}" type="datetimeFigureOut">
               <a:rPr lang="en-US" smtClean="0"/>
               <a:pPr/>
-              <a:t>27-Mar-23</a:t>
+              <a:t>15-Apr-23</a:t>
             </a:fld>
             <a:endParaRPr lang="en-US" dirty="0"/>
           </a:p>
@@ -6435,7 +6435,7 @@
             <a:fld id="{4CDE23C7-78A4-413A-A84B-93D4CC0A9EB1}" type="datetimeFigureOut">
               <a:rPr lang="en-US" smtClean="0"/>
               <a:pPr/>
-              <a:t>27-Mar-23</a:t>
+              <a:t>15-Apr-23</a:t>
             </a:fld>
             <a:endParaRPr lang="en-US" dirty="0"/>
           </a:p>
@@ -6871,7 +6871,7 @@
             <a:fld id="{4CDE23C7-78A4-413A-A84B-93D4CC0A9EB1}" type="datetimeFigureOut">
               <a:rPr lang="en-US" smtClean="0"/>
               <a:pPr/>
-              <a:t>27-Mar-23</a:t>
+              <a:t>15-Apr-23</a:t>
             </a:fld>
             <a:endParaRPr lang="en-US" dirty="0"/>
           </a:p>
@@ -7419,7 +7419,7 @@
             <a:fld id="{4CDE23C7-78A4-413A-A84B-93D4CC0A9EB1}" type="datetimeFigureOut">
               <a:rPr lang="en-US" smtClean="0"/>
               <a:pPr/>
-              <a:t>27-Mar-23</a:t>
+              <a:t>15-Apr-23</a:t>
             </a:fld>
             <a:endParaRPr lang="en-US" dirty="0"/>
           </a:p>
@@ -8141,7 +8141,7 @@
             <a:fld id="{4CDE23C7-78A4-413A-A84B-93D4CC0A9EB1}" type="datetimeFigureOut">
               <a:rPr lang="en-US" smtClean="0"/>
               <a:pPr/>
-              <a:t>27-Mar-23</a:t>
+              <a:t>15-Apr-23</a:t>
             </a:fld>
             <a:endParaRPr lang="en-US" dirty="0"/>
           </a:p>
@@ -8313,7 +8313,7 @@
             <a:fld id="{4CDE23C7-78A4-413A-A84B-93D4CC0A9EB1}" type="datetimeFigureOut">
               <a:rPr lang="en-US" smtClean="0"/>
               <a:pPr/>
-              <a:t>27-Mar-23</a:t>
+              <a:t>15-Apr-23</a:t>
             </a:fld>
             <a:endParaRPr lang="en-US" dirty="0"/>
           </a:p>
@@ -8495,7 +8495,7 @@
             <a:fld id="{4CDE23C7-78A4-413A-A84B-93D4CC0A9EB1}" type="datetimeFigureOut">
               <a:rPr lang="en-US" smtClean="0"/>
               <a:pPr/>
-              <a:t>27-Mar-23</a:t>
+              <a:t>15-Apr-23</a:t>
             </a:fld>
             <a:endParaRPr lang="en-US" dirty="0"/>
           </a:p>
@@ -8667,7 +8667,7 @@
             <a:fld id="{4CDE23C7-78A4-413A-A84B-93D4CC0A9EB1}" type="datetimeFigureOut">
               <a:rPr lang="en-US" smtClean="0"/>
               <a:pPr/>
-              <a:t>27-Mar-23</a:t>
+              <a:t>15-Apr-23</a:t>
             </a:fld>
             <a:endParaRPr lang="en-US" dirty="0"/>
           </a:p>
@@ -8919,7 +8919,7 @@
             <a:fld id="{4CDE23C7-78A4-413A-A84B-93D4CC0A9EB1}" type="datetimeFigureOut">
               <a:rPr lang="en-US" smtClean="0"/>
               <a:pPr/>
-              <a:t>27-Mar-23</a:t>
+              <a:t>15-Apr-23</a:t>
             </a:fld>
             <a:endParaRPr lang="en-US" dirty="0"/>
           </a:p>
@@ -9153,7 +9153,7 @@
             <a:fld id="{4CDE23C7-78A4-413A-A84B-93D4CC0A9EB1}" type="datetimeFigureOut">
               <a:rPr lang="en-US" smtClean="0"/>
               <a:pPr/>
-              <a:t>27-Mar-23</a:t>
+              <a:t>15-Apr-23</a:t>
             </a:fld>
             <a:endParaRPr lang="en-US" dirty="0"/>
           </a:p>
@@ -9536,7 +9536,7 @@
             <a:fld id="{4CDE23C7-78A4-413A-A84B-93D4CC0A9EB1}" type="datetimeFigureOut">
               <a:rPr lang="en-US" smtClean="0"/>
               <a:pPr/>
-              <a:t>27-Mar-23</a:t>
+              <a:t>15-Apr-23</a:t>
             </a:fld>
             <a:endParaRPr lang="en-US" dirty="0"/>
           </a:p>
@@ -9656,7 +9656,7 @@
             <a:fld id="{4CDE23C7-78A4-413A-A84B-93D4CC0A9EB1}" type="datetimeFigureOut">
               <a:rPr lang="en-US" smtClean="0"/>
               <a:pPr/>
-              <a:t>27-Mar-23</a:t>
+              <a:t>15-Apr-23</a:t>
             </a:fld>
             <a:endParaRPr lang="en-US" dirty="0"/>
           </a:p>
@@ -9753,7 +9753,7 @@
             <a:fld id="{4CDE23C7-78A4-413A-A84B-93D4CC0A9EB1}" type="datetimeFigureOut">
               <a:rPr lang="en-US" smtClean="0"/>
               <a:pPr/>
-              <a:t>27-Mar-23</a:t>
+              <a:t>15-Apr-23</a:t>
             </a:fld>
             <a:endParaRPr lang="en-US" dirty="0"/>
           </a:p>
@@ -10004,7 +10004,7 @@
             <a:fld id="{4CDE23C7-78A4-413A-A84B-93D4CC0A9EB1}" type="datetimeFigureOut">
               <a:rPr lang="en-US" smtClean="0"/>
               <a:pPr/>
-              <a:t>27-Mar-23</a:t>
+              <a:t>15-Apr-23</a:t>
             </a:fld>
             <a:endParaRPr lang="en-US" dirty="0"/>
           </a:p>
@@ -10286,7 +10286,7 @@
             <a:fld id="{4CDE23C7-78A4-413A-A84B-93D4CC0A9EB1}" type="datetimeFigureOut">
               <a:rPr lang="en-US" smtClean="0"/>
               <a:pPr/>
-              <a:t>27-Mar-23</a:t>
+              <a:t>15-Apr-23</a:t>
             </a:fld>
             <a:endParaRPr lang="en-US" dirty="0"/>
           </a:p>
@@ -10403,7 +10403,7 @@
           <a:noFill/>
           <a:extLst>
             <a:ext uri="{909E8E84-426E-40dd-AFC4-6F175D3DCCD1}">
-              <a14:hiddenFill xmlns="" xmlns:a14="http://schemas.microsoft.com/office/drawing/2010/main">
+              <a14:hiddenFill xmlns:a14="http://schemas.microsoft.com/office/drawing/2010/main" xmlns="">
                 <a:solidFill>
                   <a:srgbClr val="FFFFFF"/>
                 </a:solidFill>
@@ -10477,7 +10477,7 @@
               </a:ln>
               <a:extLst>
                 <a:ext uri="{91240B29-F687-4f45-9708-019B960494DF}">
-                  <a14:hiddenLine xmlns="" xmlns:a14="http://schemas.microsoft.com/office/drawing/2010/main" w="9525">
+                  <a14:hiddenLine xmlns:a14="http://schemas.microsoft.com/office/drawing/2010/main" xmlns="" w="9525">
                     <a:solidFill>
                       <a:srgbClr val="000000"/>
                     </a:solidFill>
@@ -10567,7 +10567,7 @@
               </a:ln>
               <a:extLst>
                 <a:ext uri="{91240B29-F687-4f45-9708-019B960494DF}">
-                  <a14:hiddenLine xmlns="" xmlns:a14="http://schemas.microsoft.com/office/drawing/2010/main" w="9525">
+                  <a14:hiddenLine xmlns:a14="http://schemas.microsoft.com/office/drawing/2010/main" xmlns="" w="9525">
                     <a:solidFill>
                       <a:srgbClr val="000000"/>
                     </a:solidFill>
@@ -10657,7 +10657,7 @@
               </a:ln>
               <a:extLst>
                 <a:ext uri="{91240B29-F687-4f45-9708-019B960494DF}">
-                  <a14:hiddenLine xmlns="" xmlns:a14="http://schemas.microsoft.com/office/drawing/2010/main" w="9525">
+                  <a14:hiddenLine xmlns:a14="http://schemas.microsoft.com/office/drawing/2010/main" xmlns="" w="9525">
                     <a:solidFill>
                       <a:srgbClr val="000000"/>
                     </a:solidFill>
@@ -10719,7 +10719,7 @@
               </a:ln>
               <a:extLst>
                 <a:ext uri="{91240B29-F687-4f45-9708-019B960494DF}">
-                  <a14:hiddenLine xmlns="" xmlns:a14="http://schemas.microsoft.com/office/drawing/2010/main" w="9525">
+                  <a14:hiddenLine xmlns:a14="http://schemas.microsoft.com/office/drawing/2010/main" xmlns="" w="9525">
                     <a:solidFill>
                       <a:srgbClr val="000000"/>
                     </a:solidFill>
@@ -10809,7 +10809,7 @@
               </a:ln>
               <a:extLst>
                 <a:ext uri="{91240B29-F687-4f45-9708-019B960494DF}">
-                  <a14:hiddenLine xmlns="" xmlns:a14="http://schemas.microsoft.com/office/drawing/2010/main" w="9525">
+                  <a14:hiddenLine xmlns:a14="http://schemas.microsoft.com/office/drawing/2010/main" xmlns="" w="9525">
                     <a:solidFill>
                       <a:srgbClr val="000000"/>
                     </a:solidFill>
@@ -10871,7 +10871,7 @@
               </a:ln>
               <a:extLst>
                 <a:ext uri="{91240B29-F687-4f45-9708-019B960494DF}">
-                  <a14:hiddenLine xmlns="" xmlns:a14="http://schemas.microsoft.com/office/drawing/2010/main" w="9525">
+                  <a14:hiddenLine xmlns:a14="http://schemas.microsoft.com/office/drawing/2010/main" xmlns="" w="9525">
                     <a:solidFill>
                       <a:srgbClr val="000000"/>
                     </a:solidFill>
@@ -10933,7 +10933,7 @@
               </a:ln>
               <a:extLst>
                 <a:ext uri="{91240B29-F687-4f45-9708-019B960494DF}">
-                  <a14:hiddenLine xmlns="" xmlns:a14="http://schemas.microsoft.com/office/drawing/2010/main" w="9525">
+                  <a14:hiddenLine xmlns:a14="http://schemas.microsoft.com/office/drawing/2010/main" xmlns="" w="9525">
                     <a:solidFill>
                       <a:srgbClr val="000000"/>
                     </a:solidFill>
@@ -11023,7 +11023,7 @@
               </a:ln>
               <a:extLst>
                 <a:ext uri="{91240B29-F687-4f45-9708-019B960494DF}">
-                  <a14:hiddenLine xmlns="" xmlns:a14="http://schemas.microsoft.com/office/drawing/2010/main" w="9525">
+                  <a14:hiddenLine xmlns:a14="http://schemas.microsoft.com/office/drawing/2010/main" xmlns="" w="9525">
                     <a:solidFill>
                       <a:srgbClr val="000000"/>
                     </a:solidFill>
@@ -11113,7 +11113,7 @@
               </a:ln>
               <a:extLst>
                 <a:ext uri="{91240B29-F687-4f45-9708-019B960494DF}">
-                  <a14:hiddenLine xmlns="" xmlns:a14="http://schemas.microsoft.com/office/drawing/2010/main" w="9525">
+                  <a14:hiddenLine xmlns:a14="http://schemas.microsoft.com/office/drawing/2010/main" xmlns="" w="9525">
                     <a:solidFill>
                       <a:srgbClr val="000000"/>
                     </a:solidFill>
@@ -11175,7 +11175,7 @@
               </a:ln>
               <a:extLst>
                 <a:ext uri="{91240B29-F687-4f45-9708-019B960494DF}">
-                  <a14:hiddenLine xmlns="" xmlns:a14="http://schemas.microsoft.com/office/drawing/2010/main" w="9525">
+                  <a14:hiddenLine xmlns:a14="http://schemas.microsoft.com/office/drawing/2010/main" xmlns="" w="9525">
                     <a:solidFill>
                       <a:srgbClr val="000000"/>
                     </a:solidFill>
@@ -11285,7 +11285,7 @@
               </a:ln>
               <a:extLst>
                 <a:ext uri="{91240B29-F687-4f45-9708-019B960494DF}">
-                  <a14:hiddenLine xmlns="" xmlns:a14="http://schemas.microsoft.com/office/drawing/2010/main" w="9525">
+                  <a14:hiddenLine xmlns:a14="http://schemas.microsoft.com/office/drawing/2010/main" xmlns="" w="9525">
                     <a:solidFill>
                       <a:srgbClr val="000000"/>
                     </a:solidFill>
@@ -11369,7 +11369,7 @@
               </a:ln>
               <a:extLst>
                 <a:ext uri="{91240B29-F687-4f45-9708-019B960494DF}">
-                  <a14:hiddenLine xmlns="" xmlns:a14="http://schemas.microsoft.com/office/drawing/2010/main" w="9525">
+                  <a14:hiddenLine xmlns:a14="http://schemas.microsoft.com/office/drawing/2010/main" xmlns="" w="9525">
                     <a:solidFill>
                       <a:srgbClr val="000000"/>
                     </a:solidFill>
@@ -11431,7 +11431,7 @@
               </a:ln>
               <a:extLst>
                 <a:ext uri="{91240B29-F687-4f45-9708-019B960494DF}">
-                  <a14:hiddenLine xmlns="" xmlns:a14="http://schemas.microsoft.com/office/drawing/2010/main" w="9525">
+                  <a14:hiddenLine xmlns:a14="http://schemas.microsoft.com/office/drawing/2010/main" xmlns="" w="9525">
                     <a:solidFill>
                       <a:srgbClr val="000000"/>
                     </a:solidFill>
@@ -11493,7 +11493,7 @@
               </a:ln>
               <a:extLst>
                 <a:ext uri="{91240B29-F687-4f45-9708-019B960494DF}">
-                  <a14:hiddenLine xmlns="" xmlns:a14="http://schemas.microsoft.com/office/drawing/2010/main" w="9525">
+                  <a14:hiddenLine xmlns:a14="http://schemas.microsoft.com/office/drawing/2010/main" xmlns="" w="9525">
                     <a:solidFill>
                       <a:srgbClr val="000000"/>
                     </a:solidFill>
@@ -11583,7 +11583,7 @@
               </a:ln>
               <a:extLst>
                 <a:ext uri="{91240B29-F687-4f45-9708-019B960494DF}">
-                  <a14:hiddenLine xmlns="" xmlns:a14="http://schemas.microsoft.com/office/drawing/2010/main" w="9525">
+                  <a14:hiddenLine xmlns:a14="http://schemas.microsoft.com/office/drawing/2010/main" xmlns="" w="9525">
                     <a:solidFill>
                       <a:srgbClr val="000000"/>
                     </a:solidFill>
@@ -11617,7 +11617,7 @@
               </a:ln>
               <a:extLst>
                 <a:ext uri="{91240B29-F687-4f45-9708-019B960494DF}">
-                  <a14:hiddenLine xmlns="" xmlns:a14="http://schemas.microsoft.com/office/drawing/2010/main" w="9525">
+                  <a14:hiddenLine xmlns:a14="http://schemas.microsoft.com/office/drawing/2010/main" xmlns="" w="9525">
                     <a:solidFill>
                       <a:srgbClr val="000000"/>
                     </a:solidFill>
@@ -11682,7 +11682,7 @@
               </a:ln>
               <a:extLst>
                 <a:ext uri="{91240B29-F687-4f45-9708-019B960494DF}">
-                  <a14:hiddenLine xmlns="" xmlns:a14="http://schemas.microsoft.com/office/drawing/2010/main" w="9525">
+                  <a14:hiddenLine xmlns:a14="http://schemas.microsoft.com/office/drawing/2010/main" xmlns="" w="9525">
                     <a:solidFill>
                       <a:srgbClr val="000000"/>
                     </a:solidFill>
@@ -11772,7 +11772,7 @@
               </a:ln>
               <a:extLst>
                 <a:ext uri="{91240B29-F687-4f45-9708-019B960494DF}">
-                  <a14:hiddenLine xmlns="" xmlns:a14="http://schemas.microsoft.com/office/drawing/2010/main" w="9525">
+                  <a14:hiddenLine xmlns:a14="http://schemas.microsoft.com/office/drawing/2010/main" xmlns="" w="9525">
                     <a:solidFill>
                       <a:srgbClr val="000000"/>
                     </a:solidFill>
@@ -11834,7 +11834,7 @@
               </a:ln>
               <a:extLst>
                 <a:ext uri="{91240B29-F687-4f45-9708-019B960494DF}">
-                  <a14:hiddenLine xmlns="" xmlns:a14="http://schemas.microsoft.com/office/drawing/2010/main" w="9525">
+                  <a14:hiddenLine xmlns:a14="http://schemas.microsoft.com/office/drawing/2010/main" xmlns="" w="9525">
                     <a:solidFill>
                       <a:srgbClr val="000000"/>
                     </a:solidFill>
@@ -11924,7 +11924,7 @@
               </a:ln>
               <a:extLst>
                 <a:ext uri="{91240B29-F687-4f45-9708-019B960494DF}">
-                  <a14:hiddenLine xmlns="" xmlns:a14="http://schemas.microsoft.com/office/drawing/2010/main" w="9525">
+                  <a14:hiddenLine xmlns:a14="http://schemas.microsoft.com/office/drawing/2010/main" xmlns="" w="9525">
                     <a:solidFill>
                       <a:srgbClr val="000000"/>
                     </a:solidFill>
@@ -11989,7 +11989,7 @@
               </a:ln>
               <a:extLst>
                 <a:ext uri="{91240B29-F687-4f45-9708-019B960494DF}">
-                  <a14:hiddenLine xmlns="" xmlns:a14="http://schemas.microsoft.com/office/drawing/2010/main" w="9525">
+                  <a14:hiddenLine xmlns:a14="http://schemas.microsoft.com/office/drawing/2010/main" xmlns="" w="9525">
                     <a:solidFill>
                       <a:srgbClr val="000000"/>
                     </a:solidFill>
@@ -12051,7 +12051,7 @@
               </a:ln>
               <a:extLst>
                 <a:ext uri="{91240B29-F687-4f45-9708-019B960494DF}">
-                  <a14:hiddenLine xmlns="" xmlns:a14="http://schemas.microsoft.com/office/drawing/2010/main" w="9525">
+                  <a14:hiddenLine xmlns:a14="http://schemas.microsoft.com/office/drawing/2010/main" xmlns="" w="9525">
                     <a:solidFill>
                       <a:srgbClr val="000000"/>
                     </a:solidFill>
@@ -12141,7 +12141,7 @@
               </a:ln>
               <a:extLst>
                 <a:ext uri="{91240B29-F687-4f45-9708-019B960494DF}">
-                  <a14:hiddenLine xmlns="" xmlns:a14="http://schemas.microsoft.com/office/drawing/2010/main" w="9525">
+                  <a14:hiddenLine xmlns:a14="http://schemas.microsoft.com/office/drawing/2010/main" xmlns="" w="9525">
                     <a:solidFill>
                       <a:srgbClr val="000000"/>
                     </a:solidFill>
@@ -12231,7 +12231,7 @@
               </a:ln>
               <a:extLst>
                 <a:ext uri="{91240B29-F687-4f45-9708-019B960494DF}">
-                  <a14:hiddenLine xmlns="" xmlns:a14="http://schemas.microsoft.com/office/drawing/2010/main" w="9525">
+                  <a14:hiddenLine xmlns:a14="http://schemas.microsoft.com/office/drawing/2010/main" xmlns="" w="9525">
                     <a:solidFill>
                       <a:srgbClr val="000000"/>
                     </a:solidFill>
@@ -12296,7 +12296,7 @@
               </a:ln>
               <a:extLst>
                 <a:ext uri="{91240B29-F687-4f45-9708-019B960494DF}">
-                  <a14:hiddenLine xmlns="" xmlns:a14="http://schemas.microsoft.com/office/drawing/2010/main" w="9525">
+                  <a14:hiddenLine xmlns:a14="http://schemas.microsoft.com/office/drawing/2010/main" xmlns="" w="9525">
                     <a:solidFill>
                       <a:srgbClr val="000000"/>
                     </a:solidFill>
@@ -12416,7 +12416,7 @@
               </a:ln>
               <a:extLst>
                 <a:ext uri="{91240B29-F687-4f45-9708-019B960494DF}">
-                  <a14:hiddenLine xmlns="" xmlns:a14="http://schemas.microsoft.com/office/drawing/2010/main" w="9525">
+                  <a14:hiddenLine xmlns:a14="http://schemas.microsoft.com/office/drawing/2010/main" xmlns="" w="9525">
                     <a:solidFill>
                       <a:srgbClr val="000000"/>
                     </a:solidFill>
@@ -12514,7 +12514,7 @@
               </a:ln>
               <a:extLst>
                 <a:ext uri="{91240B29-F687-4f45-9708-019B960494DF}">
-                  <a14:hiddenLine xmlns="" xmlns:a14="http://schemas.microsoft.com/office/drawing/2010/main" w="9525">
+                  <a14:hiddenLine xmlns:a14="http://schemas.microsoft.com/office/drawing/2010/main" xmlns="" w="9525">
                     <a:solidFill>
                       <a:srgbClr val="000000"/>
                     </a:solidFill>
@@ -12629,7 +12629,7 @@
               </a:ln>
               <a:extLst>
                 <a:ext uri="{91240B29-F687-4f45-9708-019B960494DF}">
-                  <a14:hiddenLine xmlns="" xmlns:a14="http://schemas.microsoft.com/office/drawing/2010/main" w="9525">
+                  <a14:hiddenLine xmlns:a14="http://schemas.microsoft.com/office/drawing/2010/main" xmlns="" w="9525">
                     <a:solidFill>
                       <a:srgbClr val="000000"/>
                     </a:solidFill>
@@ -12719,7 +12719,7 @@
               </a:ln>
               <a:extLst>
                 <a:ext uri="{91240B29-F687-4f45-9708-019B960494DF}">
-                  <a14:hiddenLine xmlns="" xmlns:a14="http://schemas.microsoft.com/office/drawing/2010/main" w="9525">
+                  <a14:hiddenLine xmlns:a14="http://schemas.microsoft.com/office/drawing/2010/main" xmlns="" w="9525">
                     <a:solidFill>
                       <a:srgbClr val="000000"/>
                     </a:solidFill>
@@ -12784,7 +12784,7 @@
               </a:ln>
               <a:extLst>
                 <a:ext uri="{91240B29-F687-4f45-9708-019B960494DF}">
-                  <a14:hiddenLine xmlns="" xmlns:a14="http://schemas.microsoft.com/office/drawing/2010/main" w="9525">
+                  <a14:hiddenLine xmlns:a14="http://schemas.microsoft.com/office/drawing/2010/main" xmlns="" w="9525">
                     <a:solidFill>
                       <a:srgbClr val="000000"/>
                     </a:solidFill>
@@ -12874,7 +12874,7 @@
               </a:ln>
               <a:extLst>
                 <a:ext uri="{91240B29-F687-4f45-9708-019B960494DF}">
-                  <a14:hiddenLine xmlns="" xmlns:a14="http://schemas.microsoft.com/office/drawing/2010/main" w="9525">
+                  <a14:hiddenLine xmlns:a14="http://schemas.microsoft.com/office/drawing/2010/main" xmlns="" w="9525">
                     <a:solidFill>
                       <a:srgbClr val="000000"/>
                     </a:solidFill>
@@ -12942,7 +12942,7 @@
               </a:ln>
               <a:extLst>
                 <a:ext uri="{91240B29-F687-4f45-9708-019B960494DF}">
-                  <a14:hiddenLine xmlns="" xmlns:a14="http://schemas.microsoft.com/office/drawing/2010/main" w="9525">
+                  <a14:hiddenLine xmlns:a14="http://schemas.microsoft.com/office/drawing/2010/main" xmlns="" w="9525">
                     <a:solidFill>
                       <a:srgbClr val="000000"/>
                     </a:solidFill>
@@ -13032,7 +13032,7 @@
               </a:ln>
               <a:extLst>
                 <a:ext uri="{91240B29-F687-4f45-9708-019B960494DF}">
-                  <a14:hiddenLine xmlns="" xmlns:a14="http://schemas.microsoft.com/office/drawing/2010/main" w="9525">
+                  <a14:hiddenLine xmlns:a14="http://schemas.microsoft.com/office/drawing/2010/main" xmlns="" w="9525">
                     <a:solidFill>
                       <a:srgbClr val="000000"/>
                     </a:solidFill>
@@ -13100,7 +13100,7 @@
               </a:ln>
               <a:extLst>
                 <a:ext uri="{91240B29-F687-4f45-9708-019B960494DF}">
-                  <a14:hiddenLine xmlns="" xmlns:a14="http://schemas.microsoft.com/office/drawing/2010/main" w="9525">
+                  <a14:hiddenLine xmlns:a14="http://schemas.microsoft.com/office/drawing/2010/main" xmlns="" w="9525">
                     <a:solidFill>
                       <a:srgbClr val="000000"/>
                     </a:solidFill>
@@ -13190,7 +13190,7 @@
               </a:ln>
               <a:extLst>
                 <a:ext uri="{91240B29-F687-4f45-9708-019B960494DF}">
-                  <a14:hiddenLine xmlns="" xmlns:a14="http://schemas.microsoft.com/office/drawing/2010/main" w="9525">
+                  <a14:hiddenLine xmlns:a14="http://schemas.microsoft.com/office/drawing/2010/main" xmlns="" w="9525">
                     <a:solidFill>
                       <a:srgbClr val="000000"/>
                     </a:solidFill>
@@ -13224,7 +13224,7 @@
               </a:ln>
               <a:extLst>
                 <a:ext uri="{91240B29-F687-4f45-9708-019B960494DF}">
-                  <a14:hiddenLine xmlns="" xmlns:a14="http://schemas.microsoft.com/office/drawing/2010/main" w="9525">
+                  <a14:hiddenLine xmlns:a14="http://schemas.microsoft.com/office/drawing/2010/main" xmlns="" w="9525">
                     <a:solidFill>
                       <a:srgbClr val="000000"/>
                     </a:solidFill>
@@ -13365,7 +13365,7 @@
             <a:fld id="{4CDE23C7-78A4-413A-A84B-93D4CC0A9EB1}" type="datetimeFigureOut">
               <a:rPr lang="en-US" smtClean="0"/>
               <a:pPr/>
-              <a:t>27-Mar-23</a:t>
+              <a:t>15-Apr-23</a:t>
             </a:fld>
             <a:endParaRPr lang="en-US" dirty="0"/>
           </a:p>
@@ -14258,7 +14258,7 @@
           <a:noFill/>
           <a:extLst>
             <a:ext uri="{909E8E84-426E-40dd-AFC4-6F175D3DCCD1}">
-              <a14:hiddenFill xmlns="" xmlns:a16="http://schemas.microsoft.com/office/drawing/2014/main" xmlns:p14="http://schemas.microsoft.com/office/powerpoint/2010/main" xmlns:a14="http://schemas.microsoft.com/office/drawing/2010/main">
+              <a14:hiddenFill xmlns:a14="http://schemas.microsoft.com/office/drawing/2010/main" xmlns:p14="http://schemas.microsoft.com/office/powerpoint/2010/main" xmlns:a16="http://schemas.microsoft.com/office/drawing/2014/main" xmlns="">
                 <a:solidFill>
                   <a:srgbClr val="FFFFFF"/>
                 </a:solidFill>
@@ -14350,7 +14350,7 @@
             </a:ln>
             <a:extLst>
               <a:ext uri="{91240B29-F687-4f45-9708-019B960494DF}">
-                <a14:hiddenLine xmlns="" xmlns:a16="http://schemas.microsoft.com/office/drawing/2014/main" xmlns:p14="http://schemas.microsoft.com/office/powerpoint/2010/main" xmlns:a14="http://schemas.microsoft.com/office/drawing/2010/main" w="9525">
+                <a14:hiddenLine xmlns:a14="http://schemas.microsoft.com/office/drawing/2010/main" xmlns:p14="http://schemas.microsoft.com/office/powerpoint/2010/main" xmlns:a16="http://schemas.microsoft.com/office/drawing/2014/main" xmlns="" w="9525">
                   <a:solidFill>
                     <a:srgbClr val="000000"/>
                   </a:solidFill>
@@ -14455,7 +14455,7 @@
             </a:ln>
             <a:extLst>
               <a:ext uri="{91240B29-F687-4f45-9708-019B960494DF}">
-                <a14:hiddenLine xmlns="" xmlns:a16="http://schemas.microsoft.com/office/drawing/2014/main" xmlns:p14="http://schemas.microsoft.com/office/powerpoint/2010/main" xmlns:a14="http://schemas.microsoft.com/office/drawing/2010/main" w="9525">
+                <a14:hiddenLine xmlns:a14="http://schemas.microsoft.com/office/drawing/2010/main" xmlns:p14="http://schemas.microsoft.com/office/powerpoint/2010/main" xmlns:a16="http://schemas.microsoft.com/office/drawing/2014/main" xmlns="" w="9525">
                   <a:solidFill>
                     <a:srgbClr val="000000"/>
                   </a:solidFill>
@@ -14560,7 +14560,7 @@
             </a:ln>
             <a:extLst>
               <a:ext uri="{91240B29-F687-4f45-9708-019B960494DF}">
-                <a14:hiddenLine xmlns="" xmlns:a16="http://schemas.microsoft.com/office/drawing/2014/main" xmlns:p14="http://schemas.microsoft.com/office/powerpoint/2010/main" xmlns:a14="http://schemas.microsoft.com/office/drawing/2010/main" w="9525">
+                <a14:hiddenLine xmlns:a14="http://schemas.microsoft.com/office/drawing/2010/main" xmlns:p14="http://schemas.microsoft.com/office/powerpoint/2010/main" xmlns:a16="http://schemas.microsoft.com/office/drawing/2014/main" xmlns="" w="9525">
                   <a:solidFill>
                     <a:srgbClr val="000000"/>
                   </a:solidFill>
@@ -14609,7 +14609,7 @@
             </a:ln>
             <a:extLst>
               <a:ext uri="{91240B29-F687-4f45-9708-019B960494DF}">
-                <a14:hiddenLine xmlns="" xmlns:a16="http://schemas.microsoft.com/office/drawing/2014/main" xmlns:p14="http://schemas.microsoft.com/office/powerpoint/2010/main" xmlns:a14="http://schemas.microsoft.com/office/drawing/2010/main" w="9525">
+                <a14:hiddenLine xmlns:a14="http://schemas.microsoft.com/office/drawing/2010/main" xmlns:p14="http://schemas.microsoft.com/office/powerpoint/2010/main" xmlns:a16="http://schemas.microsoft.com/office/drawing/2014/main" xmlns="" w="9525">
                   <a:solidFill>
                     <a:srgbClr val="000000"/>
                   </a:solidFill>
@@ -14714,7 +14714,7 @@
             </a:ln>
             <a:extLst>
               <a:ext uri="{91240B29-F687-4f45-9708-019B960494DF}">
-                <a14:hiddenLine xmlns="" xmlns:a16="http://schemas.microsoft.com/office/drawing/2014/main" xmlns:p14="http://schemas.microsoft.com/office/powerpoint/2010/main" xmlns:a14="http://schemas.microsoft.com/office/drawing/2010/main" w="9525">
+                <a14:hiddenLine xmlns:a14="http://schemas.microsoft.com/office/drawing/2010/main" xmlns:p14="http://schemas.microsoft.com/office/powerpoint/2010/main" xmlns:a16="http://schemas.microsoft.com/office/drawing/2014/main" xmlns="" w="9525">
                   <a:solidFill>
                     <a:srgbClr val="000000"/>
                   </a:solidFill>
@@ -14791,7 +14791,7 @@
             </a:ln>
             <a:extLst>
               <a:ext uri="{91240B29-F687-4f45-9708-019B960494DF}">
-                <a14:hiddenLine xmlns="" xmlns:a16="http://schemas.microsoft.com/office/drawing/2014/main" xmlns:p14="http://schemas.microsoft.com/office/powerpoint/2010/main" xmlns:a14="http://schemas.microsoft.com/office/drawing/2010/main" w="9525">
+                <a14:hiddenLine xmlns:a14="http://schemas.microsoft.com/office/drawing/2010/main" xmlns:p14="http://schemas.microsoft.com/office/powerpoint/2010/main" xmlns:a16="http://schemas.microsoft.com/office/drawing/2014/main" xmlns="" w="9525">
                   <a:solidFill>
                     <a:srgbClr val="000000"/>
                   </a:solidFill>
@@ -14868,7 +14868,7 @@
             </a:ln>
             <a:extLst>
               <a:ext uri="{91240B29-F687-4f45-9708-019B960494DF}">
-                <a14:hiddenLine xmlns="" xmlns:a16="http://schemas.microsoft.com/office/drawing/2014/main" xmlns:p14="http://schemas.microsoft.com/office/powerpoint/2010/main" xmlns:a14="http://schemas.microsoft.com/office/drawing/2010/main" w="9525">
+                <a14:hiddenLine xmlns:a14="http://schemas.microsoft.com/office/drawing/2010/main" xmlns:p14="http://schemas.microsoft.com/office/powerpoint/2010/main" xmlns:a16="http://schemas.microsoft.com/office/drawing/2014/main" xmlns="" w="9525">
                   <a:solidFill>
                     <a:srgbClr val="000000"/>
                   </a:solidFill>
@@ -14973,7 +14973,7 @@
             </a:ln>
             <a:extLst>
               <a:ext uri="{91240B29-F687-4f45-9708-019B960494DF}">
-                <a14:hiddenLine xmlns="" xmlns:a16="http://schemas.microsoft.com/office/drawing/2014/main" xmlns:p14="http://schemas.microsoft.com/office/powerpoint/2010/main" xmlns:a14="http://schemas.microsoft.com/office/drawing/2010/main" w="9525">
+                <a14:hiddenLine xmlns:a14="http://schemas.microsoft.com/office/drawing/2010/main" xmlns:p14="http://schemas.microsoft.com/office/powerpoint/2010/main" xmlns:a16="http://schemas.microsoft.com/office/drawing/2014/main" xmlns="" w="9525">
                   <a:solidFill>
                     <a:srgbClr val="000000"/>
                   </a:solidFill>
@@ -15050,7 +15050,7 @@
             </a:ln>
             <a:extLst>
               <a:ext uri="{91240B29-F687-4f45-9708-019B960494DF}">
-                <a14:hiddenLine xmlns="" xmlns:a16="http://schemas.microsoft.com/office/drawing/2014/main" xmlns:p14="http://schemas.microsoft.com/office/powerpoint/2010/main" xmlns:a14="http://schemas.microsoft.com/office/drawing/2010/main" w="9525">
+                <a14:hiddenLine xmlns:a14="http://schemas.microsoft.com/office/drawing/2010/main" xmlns:p14="http://schemas.microsoft.com/office/powerpoint/2010/main" xmlns:a16="http://schemas.microsoft.com/office/drawing/2014/main" xmlns="" w="9525">
                   <a:solidFill>
                     <a:srgbClr val="000000"/>
                   </a:solidFill>
@@ -15127,7 +15127,7 @@
             </a:ln>
             <a:extLst>
               <a:ext uri="{91240B29-F687-4f45-9708-019B960494DF}">
-                <a14:hiddenLine xmlns="" xmlns:a16="http://schemas.microsoft.com/office/drawing/2014/main" xmlns:p14="http://schemas.microsoft.com/office/powerpoint/2010/main" xmlns:a14="http://schemas.microsoft.com/office/drawing/2010/main" w="9525">
+                <a14:hiddenLine xmlns:a14="http://schemas.microsoft.com/office/drawing/2010/main" xmlns:p14="http://schemas.microsoft.com/office/powerpoint/2010/main" xmlns:a16="http://schemas.microsoft.com/office/drawing/2014/main" xmlns="" w="9525">
                   <a:solidFill>
                     <a:srgbClr val="000000"/>
                   </a:solidFill>
@@ -15232,7 +15232,7 @@
             </a:ln>
             <a:extLst>
               <a:ext uri="{91240B29-F687-4f45-9708-019B960494DF}">
-                <a14:hiddenLine xmlns="" xmlns:a16="http://schemas.microsoft.com/office/drawing/2014/main" xmlns:p14="http://schemas.microsoft.com/office/powerpoint/2010/main" xmlns:a14="http://schemas.microsoft.com/office/drawing/2010/main" w="9525">
+                <a14:hiddenLine xmlns:a14="http://schemas.microsoft.com/office/drawing/2010/main" xmlns:p14="http://schemas.microsoft.com/office/powerpoint/2010/main" xmlns:a16="http://schemas.microsoft.com/office/drawing/2014/main" xmlns="" w="9525">
                   <a:solidFill>
                     <a:srgbClr val="000000"/>
                   </a:solidFill>
@@ -15337,7 +15337,7 @@
             </a:ln>
             <a:extLst>
               <a:ext uri="{91240B29-F687-4f45-9708-019B960494DF}">
-                <a14:hiddenLine xmlns="" xmlns:a16="http://schemas.microsoft.com/office/drawing/2014/main" xmlns:p14="http://schemas.microsoft.com/office/powerpoint/2010/main" xmlns:a14="http://schemas.microsoft.com/office/drawing/2010/main" w="9525">
+                <a14:hiddenLine xmlns:a14="http://schemas.microsoft.com/office/drawing/2010/main" xmlns:p14="http://schemas.microsoft.com/office/powerpoint/2010/main" xmlns:a16="http://schemas.microsoft.com/office/drawing/2014/main" xmlns="" w="9525">
                   <a:solidFill>
                     <a:srgbClr val="000000"/>
                   </a:solidFill>
@@ -15414,7 +15414,7 @@
             </a:ln>
             <a:extLst>
               <a:ext uri="{91240B29-F687-4f45-9708-019B960494DF}">
-                <a14:hiddenLine xmlns="" xmlns:a16="http://schemas.microsoft.com/office/drawing/2014/main" xmlns:p14="http://schemas.microsoft.com/office/powerpoint/2010/main" xmlns:a14="http://schemas.microsoft.com/office/drawing/2010/main" w="9525">
+                <a14:hiddenLine xmlns:a14="http://schemas.microsoft.com/office/drawing/2010/main" xmlns:p14="http://schemas.microsoft.com/office/powerpoint/2010/main" xmlns:a16="http://schemas.microsoft.com/office/drawing/2014/main" xmlns="" w="9525">
                   <a:solidFill>
                     <a:srgbClr val="000000"/>
                   </a:solidFill>
@@ -15539,7 +15539,7 @@
             </a:ln>
             <a:extLst>
               <a:ext uri="{91240B29-F687-4f45-9708-019B960494DF}">
-                <a14:hiddenLine xmlns="" xmlns:a16="http://schemas.microsoft.com/office/drawing/2014/main" xmlns:p14="http://schemas.microsoft.com/office/powerpoint/2010/main" xmlns:a14="http://schemas.microsoft.com/office/drawing/2010/main" w="9525">
+                <a14:hiddenLine xmlns:a14="http://schemas.microsoft.com/office/drawing/2010/main" xmlns:p14="http://schemas.microsoft.com/office/powerpoint/2010/main" xmlns:a16="http://schemas.microsoft.com/office/drawing/2014/main" xmlns="" w="9525">
                   <a:solidFill>
                     <a:srgbClr val="000000"/>
                   </a:solidFill>
@@ -15616,7 +15616,7 @@
             </a:ln>
             <a:extLst>
               <a:ext uri="{91240B29-F687-4f45-9708-019B960494DF}">
-                <a14:hiddenLine xmlns="" xmlns:a16="http://schemas.microsoft.com/office/drawing/2014/main" xmlns:p14="http://schemas.microsoft.com/office/powerpoint/2010/main" xmlns:a14="http://schemas.microsoft.com/office/drawing/2010/main" w="9525">
+                <a14:hiddenLine xmlns:a14="http://schemas.microsoft.com/office/drawing/2010/main" xmlns:p14="http://schemas.microsoft.com/office/powerpoint/2010/main" xmlns:a16="http://schemas.microsoft.com/office/drawing/2014/main" xmlns="" w="9525">
                   <a:solidFill>
                     <a:srgbClr val="000000"/>
                   </a:solidFill>
@@ -15721,7 +15721,7 @@
             </a:ln>
             <a:extLst>
               <a:ext uri="{91240B29-F687-4f45-9708-019B960494DF}">
-                <a14:hiddenLine xmlns="" xmlns:a16="http://schemas.microsoft.com/office/drawing/2014/main" xmlns:p14="http://schemas.microsoft.com/office/powerpoint/2010/main" xmlns:a14="http://schemas.microsoft.com/office/drawing/2010/main" w="9525">
+                <a14:hiddenLine xmlns:a14="http://schemas.microsoft.com/office/drawing/2010/main" xmlns:p14="http://schemas.microsoft.com/office/powerpoint/2010/main" xmlns:a16="http://schemas.microsoft.com/office/drawing/2014/main" xmlns="" w="9525">
                   <a:solidFill>
                     <a:srgbClr val="000000"/>
                   </a:solidFill>
@@ -15826,7 +15826,7 @@
             </a:ln>
             <a:extLst>
               <a:ext uri="{91240B29-F687-4f45-9708-019B960494DF}">
-                <a14:hiddenLine xmlns="" xmlns:a16="http://schemas.microsoft.com/office/drawing/2014/main" xmlns:p14="http://schemas.microsoft.com/office/powerpoint/2010/main" xmlns:a14="http://schemas.microsoft.com/office/drawing/2010/main" w="9525">
+                <a14:hiddenLine xmlns:a14="http://schemas.microsoft.com/office/drawing/2010/main" xmlns:p14="http://schemas.microsoft.com/office/powerpoint/2010/main" xmlns:a16="http://schemas.microsoft.com/office/drawing/2014/main" xmlns="" w="9525">
                   <a:solidFill>
                     <a:srgbClr val="000000"/>
                   </a:solidFill>
@@ -15903,7 +15903,7 @@
             </a:ln>
             <a:extLst>
               <a:ext uri="{91240B29-F687-4f45-9708-019B960494DF}">
-                <a14:hiddenLine xmlns="" xmlns:a16="http://schemas.microsoft.com/office/drawing/2014/main" xmlns:p14="http://schemas.microsoft.com/office/powerpoint/2010/main" xmlns:a14="http://schemas.microsoft.com/office/drawing/2010/main" w="9525">
+                <a14:hiddenLine xmlns:a14="http://schemas.microsoft.com/office/drawing/2010/main" xmlns:p14="http://schemas.microsoft.com/office/powerpoint/2010/main" xmlns:a16="http://schemas.microsoft.com/office/drawing/2014/main" xmlns="" w="9525">
                   <a:solidFill>
                     <a:srgbClr val="000000"/>
                   </a:solidFill>
@@ -16008,7 +16008,7 @@
             </a:ln>
             <a:extLst>
               <a:ext uri="{91240B29-F687-4f45-9708-019B960494DF}">
-                <a14:hiddenLine xmlns="" xmlns:a16="http://schemas.microsoft.com/office/drawing/2014/main" xmlns:p14="http://schemas.microsoft.com/office/powerpoint/2010/main" xmlns:a14="http://schemas.microsoft.com/office/drawing/2010/main" w="9525">
+                <a14:hiddenLine xmlns:a14="http://schemas.microsoft.com/office/drawing/2010/main" xmlns:p14="http://schemas.microsoft.com/office/powerpoint/2010/main" xmlns:a16="http://schemas.microsoft.com/office/drawing/2014/main" xmlns="" w="9525">
                   <a:solidFill>
                     <a:srgbClr val="000000"/>
                   </a:solidFill>
@@ -16113,7 +16113,7 @@
             </a:ln>
             <a:extLst>
               <a:ext uri="{91240B29-F687-4f45-9708-019B960494DF}">
-                <a14:hiddenLine xmlns="" xmlns:a16="http://schemas.microsoft.com/office/drawing/2014/main" xmlns:p14="http://schemas.microsoft.com/office/powerpoint/2010/main" xmlns:a14="http://schemas.microsoft.com/office/drawing/2010/main" w="9525">
+                <a14:hiddenLine xmlns:a14="http://schemas.microsoft.com/office/drawing/2010/main" xmlns:p14="http://schemas.microsoft.com/office/powerpoint/2010/main" xmlns:a16="http://schemas.microsoft.com/office/drawing/2014/main" xmlns="" w="9525">
                   <a:solidFill>
                     <a:srgbClr val="000000"/>
                   </a:solidFill>
@@ -16184,7 +16184,7 @@
             </a:ln>
             <a:extLst>
               <a:ext uri="{91240B29-F687-4f45-9708-019B960494DF}">
-                <a14:hiddenLine xmlns="" xmlns:a16="http://schemas.microsoft.com/office/drawing/2014/main" xmlns:p14="http://schemas.microsoft.com/office/powerpoint/2010/main" xmlns:a14="http://schemas.microsoft.com/office/drawing/2010/main" w="9525">
+                <a14:hiddenLine xmlns:a14="http://schemas.microsoft.com/office/drawing/2010/main" xmlns:p14="http://schemas.microsoft.com/office/powerpoint/2010/main" xmlns:a16="http://schemas.microsoft.com/office/drawing/2014/main" xmlns="" w="9525">
                   <a:solidFill>
                     <a:srgbClr val="000000"/>
                   </a:solidFill>
@@ -16289,7 +16289,7 @@
             </a:ln>
             <a:extLst>
               <a:ext uri="{91240B29-F687-4f45-9708-019B960494DF}">
-                <a14:hiddenLine xmlns="" xmlns:a16="http://schemas.microsoft.com/office/drawing/2014/main" xmlns:p14="http://schemas.microsoft.com/office/powerpoint/2010/main" xmlns:a14="http://schemas.microsoft.com/office/drawing/2010/main" w="9525">
+                <a14:hiddenLine xmlns:a14="http://schemas.microsoft.com/office/drawing/2010/main" xmlns:p14="http://schemas.microsoft.com/office/powerpoint/2010/main" xmlns:a16="http://schemas.microsoft.com/office/drawing/2014/main" xmlns="" w="9525">
                   <a:solidFill>
                     <a:srgbClr val="000000"/>
                   </a:solidFill>
@@ -16360,7 +16360,7 @@
             </a:ln>
             <a:extLst>
               <a:ext uri="{91240B29-F687-4f45-9708-019B960494DF}">
-                <a14:hiddenLine xmlns="" xmlns:a16="http://schemas.microsoft.com/office/drawing/2014/main" xmlns:p14="http://schemas.microsoft.com/office/powerpoint/2010/main" xmlns:a14="http://schemas.microsoft.com/office/drawing/2010/main" w="9525">
+                <a14:hiddenLine xmlns:a14="http://schemas.microsoft.com/office/drawing/2010/main" xmlns:p14="http://schemas.microsoft.com/office/powerpoint/2010/main" xmlns:a16="http://schemas.microsoft.com/office/drawing/2014/main" xmlns="" w="9525">
                   <a:solidFill>
                     <a:srgbClr val="000000"/>
                   </a:solidFill>
@@ -16465,7 +16465,7 @@
             </a:ln>
             <a:extLst>
               <a:ext uri="{91240B29-F687-4f45-9708-019B960494DF}">
-                <a14:hiddenLine xmlns="" xmlns:a16="http://schemas.microsoft.com/office/drawing/2014/main" xmlns:p14="http://schemas.microsoft.com/office/powerpoint/2010/main" xmlns:a14="http://schemas.microsoft.com/office/drawing/2010/main" w="9525">
+                <a14:hiddenLine xmlns:a14="http://schemas.microsoft.com/office/drawing/2010/main" xmlns:p14="http://schemas.microsoft.com/office/powerpoint/2010/main" xmlns:a16="http://schemas.microsoft.com/office/drawing/2014/main" xmlns="" w="9525">
                   <a:solidFill>
                     <a:srgbClr val="000000"/>
                   </a:solidFill>
@@ -16548,7 +16548,7 @@
             </a:ln>
             <a:extLst>
               <a:ext uri="{91240B29-F687-4f45-9708-019B960494DF}">
-                <a14:hiddenLine xmlns="" xmlns:a16="http://schemas.microsoft.com/office/drawing/2014/main" xmlns:p14="http://schemas.microsoft.com/office/powerpoint/2010/main" xmlns:a14="http://schemas.microsoft.com/office/drawing/2010/main" w="9525">
+                <a14:hiddenLine xmlns:a14="http://schemas.microsoft.com/office/drawing/2010/main" xmlns:p14="http://schemas.microsoft.com/office/powerpoint/2010/main" xmlns:a16="http://schemas.microsoft.com/office/drawing/2014/main" xmlns="" w="9525">
                   <a:solidFill>
                     <a:srgbClr val="000000"/>
                   </a:solidFill>
@@ -16653,7 +16653,7 @@
             </a:ln>
             <a:extLst>
               <a:ext uri="{91240B29-F687-4f45-9708-019B960494DF}">
-                <a14:hiddenLine xmlns="" xmlns:a16="http://schemas.microsoft.com/office/drawing/2014/main" xmlns:p14="http://schemas.microsoft.com/office/powerpoint/2010/main" xmlns:a14="http://schemas.microsoft.com/office/drawing/2010/main" w="9525">
+                <a14:hiddenLine xmlns:a14="http://schemas.microsoft.com/office/drawing/2010/main" xmlns:p14="http://schemas.microsoft.com/office/powerpoint/2010/main" xmlns:a16="http://schemas.microsoft.com/office/drawing/2014/main" xmlns="" w="9525">
                   <a:solidFill>
                     <a:srgbClr val="000000"/>
                   </a:solidFill>
@@ -16736,7 +16736,7 @@
             </a:ln>
             <a:extLst>
               <a:ext uri="{91240B29-F687-4f45-9708-019B960494DF}">
-                <a14:hiddenLine xmlns="" xmlns:a16="http://schemas.microsoft.com/office/drawing/2014/main" xmlns:p14="http://schemas.microsoft.com/office/powerpoint/2010/main" xmlns:a14="http://schemas.microsoft.com/office/drawing/2010/main" w="9525">
+                <a14:hiddenLine xmlns:a14="http://schemas.microsoft.com/office/drawing/2010/main" xmlns:p14="http://schemas.microsoft.com/office/powerpoint/2010/main" xmlns:a16="http://schemas.microsoft.com/office/drawing/2014/main" xmlns="" w="9525">
                   <a:solidFill>
                     <a:srgbClr val="000000"/>
                   </a:solidFill>
@@ -16841,7 +16841,7 @@
             </a:ln>
             <a:extLst>
               <a:ext uri="{91240B29-F687-4f45-9708-019B960494DF}">
-                <a14:hiddenLine xmlns="" xmlns:a16="http://schemas.microsoft.com/office/drawing/2014/main" xmlns:p14="http://schemas.microsoft.com/office/powerpoint/2010/main" xmlns:a14="http://schemas.microsoft.com/office/drawing/2010/main" w="9525">
+                <a14:hiddenLine xmlns:a14="http://schemas.microsoft.com/office/drawing/2010/main" xmlns:p14="http://schemas.microsoft.com/office/powerpoint/2010/main" xmlns:a16="http://schemas.microsoft.com/office/drawing/2014/main" xmlns="" w="9525">
                   <a:solidFill>
                     <a:srgbClr val="000000"/>
                   </a:solidFill>
@@ -16890,7 +16890,7 @@
             </a:ln>
             <a:extLst>
               <a:ext uri="{91240B29-F687-4f45-9708-019B960494DF}">
-                <a14:hiddenLine xmlns="" xmlns:a16="http://schemas.microsoft.com/office/drawing/2014/main" xmlns:p14="http://schemas.microsoft.com/office/powerpoint/2010/main" xmlns:a14="http://schemas.microsoft.com/office/drawing/2010/main" w="9525">
+                <a14:hiddenLine xmlns:a14="http://schemas.microsoft.com/office/drawing/2010/main" xmlns:p14="http://schemas.microsoft.com/office/powerpoint/2010/main" xmlns:a16="http://schemas.microsoft.com/office/drawing/2014/main" xmlns="" w="9525">
                   <a:solidFill>
                     <a:srgbClr val="000000"/>
                   </a:solidFill>
@@ -16995,7 +16995,7 @@
             </a:ln>
             <a:extLst>
               <a:ext uri="{91240B29-F687-4f45-9708-019B960494DF}">
-                <a14:hiddenLine xmlns="" xmlns:a16="http://schemas.microsoft.com/office/drawing/2014/main" xmlns:p14="http://schemas.microsoft.com/office/powerpoint/2010/main" xmlns:a14="http://schemas.microsoft.com/office/drawing/2010/main" w="9525">
+                <a14:hiddenLine xmlns:a14="http://schemas.microsoft.com/office/drawing/2010/main" xmlns:p14="http://schemas.microsoft.com/office/powerpoint/2010/main" xmlns:a16="http://schemas.microsoft.com/office/drawing/2014/main" xmlns="" w="9525">
                   <a:solidFill>
                     <a:srgbClr val="000000"/>
                   </a:solidFill>
@@ -17072,7 +17072,7 @@
             </a:ln>
             <a:extLst>
               <a:ext uri="{91240B29-F687-4f45-9708-019B960494DF}">
-                <a14:hiddenLine xmlns="" xmlns:a16="http://schemas.microsoft.com/office/drawing/2014/main" xmlns:p14="http://schemas.microsoft.com/office/powerpoint/2010/main" xmlns:a14="http://schemas.microsoft.com/office/drawing/2010/main" w="9525">
+                <a14:hiddenLine xmlns:a14="http://schemas.microsoft.com/office/drawing/2010/main" xmlns:p14="http://schemas.microsoft.com/office/powerpoint/2010/main" xmlns:a16="http://schemas.microsoft.com/office/drawing/2014/main" xmlns="" w="9525">
                   <a:solidFill>
                     <a:srgbClr val="000000"/>
                   </a:solidFill>
@@ -17149,7 +17149,7 @@
             </a:ln>
             <a:extLst>
               <a:ext uri="{91240B29-F687-4f45-9708-019B960494DF}">
-                <a14:hiddenLine xmlns="" xmlns:a16="http://schemas.microsoft.com/office/drawing/2014/main" xmlns:p14="http://schemas.microsoft.com/office/powerpoint/2010/main" xmlns:a14="http://schemas.microsoft.com/office/drawing/2010/main" w="9525">
+                <a14:hiddenLine xmlns:a14="http://schemas.microsoft.com/office/drawing/2010/main" xmlns:p14="http://schemas.microsoft.com/office/powerpoint/2010/main" xmlns:a16="http://schemas.microsoft.com/office/drawing/2014/main" xmlns="" w="9525">
                   <a:solidFill>
                     <a:srgbClr val="000000"/>
                   </a:solidFill>
@@ -17254,7 +17254,7 @@
             </a:ln>
             <a:extLst>
               <a:ext uri="{91240B29-F687-4f45-9708-019B960494DF}">
-                <a14:hiddenLine xmlns="" xmlns:a16="http://schemas.microsoft.com/office/drawing/2014/main" xmlns:p14="http://schemas.microsoft.com/office/powerpoint/2010/main" xmlns:a14="http://schemas.microsoft.com/office/drawing/2010/main" w="9525">
+                <a14:hiddenLine xmlns:a14="http://schemas.microsoft.com/office/drawing/2010/main" xmlns:p14="http://schemas.microsoft.com/office/powerpoint/2010/main" xmlns:a16="http://schemas.microsoft.com/office/drawing/2014/main" xmlns="" w="9525">
                   <a:solidFill>
                     <a:srgbClr val="000000"/>
                   </a:solidFill>
@@ -17337,7 +17337,7 @@
             </a:ln>
             <a:extLst>
               <a:ext uri="{91240B29-F687-4f45-9708-019B960494DF}">
-                <a14:hiddenLine xmlns="" xmlns:a16="http://schemas.microsoft.com/office/drawing/2014/main" xmlns:p14="http://schemas.microsoft.com/office/powerpoint/2010/main" xmlns:a14="http://schemas.microsoft.com/office/drawing/2010/main" w="9525">
+                <a14:hiddenLine xmlns:a14="http://schemas.microsoft.com/office/drawing/2010/main" xmlns:p14="http://schemas.microsoft.com/office/powerpoint/2010/main" xmlns:a16="http://schemas.microsoft.com/office/drawing/2014/main" xmlns="" w="9525">
                   <a:solidFill>
                     <a:srgbClr val="000000"/>
                   </a:solidFill>
@@ -17414,7 +17414,7 @@
             </a:ln>
             <a:extLst>
               <a:ext uri="{91240B29-F687-4f45-9708-019B960494DF}">
-                <a14:hiddenLine xmlns="" xmlns:a16="http://schemas.microsoft.com/office/drawing/2014/main" xmlns:p14="http://schemas.microsoft.com/office/powerpoint/2010/main" xmlns:a14="http://schemas.microsoft.com/office/drawing/2010/main" w="9525">
+                <a14:hiddenLine xmlns:a14="http://schemas.microsoft.com/office/drawing/2010/main" xmlns:p14="http://schemas.microsoft.com/office/powerpoint/2010/main" xmlns:a16="http://schemas.microsoft.com/office/drawing/2014/main" xmlns="" w="9525">
                   <a:solidFill>
                     <a:srgbClr val="000000"/>
                   </a:solidFill>
@@ -17519,7 +17519,7 @@
             </a:ln>
             <a:extLst>
               <a:ext uri="{91240B29-F687-4f45-9708-019B960494DF}">
-                <a14:hiddenLine xmlns="" xmlns:a16="http://schemas.microsoft.com/office/drawing/2014/main" xmlns:p14="http://schemas.microsoft.com/office/powerpoint/2010/main" xmlns:a14="http://schemas.microsoft.com/office/drawing/2010/main" w="9525">
+                <a14:hiddenLine xmlns:a14="http://schemas.microsoft.com/office/drawing/2010/main" xmlns:p14="http://schemas.microsoft.com/office/powerpoint/2010/main" xmlns:a16="http://schemas.microsoft.com/office/drawing/2014/main" xmlns="" w="9525">
                   <a:solidFill>
                     <a:srgbClr val="000000"/>
                   </a:solidFill>
@@ -17596,7 +17596,7 @@
             </a:ln>
             <a:extLst>
               <a:ext uri="{91240B29-F687-4f45-9708-019B960494DF}">
-                <a14:hiddenLine xmlns="" xmlns:a16="http://schemas.microsoft.com/office/drawing/2014/main" xmlns:p14="http://schemas.microsoft.com/office/powerpoint/2010/main" xmlns:a14="http://schemas.microsoft.com/office/drawing/2010/main" w="9525">
+                <a14:hiddenLine xmlns:a14="http://schemas.microsoft.com/office/drawing/2010/main" xmlns:p14="http://schemas.microsoft.com/office/powerpoint/2010/main" xmlns:a16="http://schemas.microsoft.com/office/drawing/2014/main" xmlns="" w="9525">
                   <a:solidFill>
                     <a:srgbClr val="000000"/>
                   </a:solidFill>
@@ -17701,7 +17701,7 @@
             </a:ln>
             <a:extLst>
               <a:ext uri="{91240B29-F687-4f45-9708-019B960494DF}">
-                <a14:hiddenLine xmlns="" xmlns:a16="http://schemas.microsoft.com/office/drawing/2014/main" xmlns:p14="http://schemas.microsoft.com/office/powerpoint/2010/main" xmlns:a14="http://schemas.microsoft.com/office/drawing/2010/main" w="9525">
+                <a14:hiddenLine xmlns:a14="http://schemas.microsoft.com/office/drawing/2010/main" xmlns:p14="http://schemas.microsoft.com/office/powerpoint/2010/main" xmlns:a16="http://schemas.microsoft.com/office/drawing/2014/main" xmlns="" w="9525">
                   <a:solidFill>
                     <a:srgbClr val="000000"/>
                   </a:solidFill>
@@ -17778,7 +17778,7 @@
             </a:ln>
             <a:extLst>
               <a:ext uri="{91240B29-F687-4f45-9708-019B960494DF}">
-                <a14:hiddenLine xmlns="" xmlns:a16="http://schemas.microsoft.com/office/drawing/2014/main" xmlns:p14="http://schemas.microsoft.com/office/powerpoint/2010/main" xmlns:a14="http://schemas.microsoft.com/office/drawing/2010/main" w="9525">
+                <a14:hiddenLine xmlns:a14="http://schemas.microsoft.com/office/drawing/2010/main" xmlns:p14="http://schemas.microsoft.com/office/powerpoint/2010/main" xmlns:a16="http://schemas.microsoft.com/office/drawing/2014/main" xmlns="" w="9525">
                   <a:solidFill>
                     <a:srgbClr val="000000"/>
                   </a:solidFill>
@@ -17883,7 +17883,7 @@
             </a:ln>
             <a:extLst>
               <a:ext uri="{91240B29-F687-4f45-9708-019B960494DF}">
-                <a14:hiddenLine xmlns="" xmlns:a16="http://schemas.microsoft.com/office/drawing/2014/main" xmlns:p14="http://schemas.microsoft.com/office/powerpoint/2010/main" xmlns:a14="http://schemas.microsoft.com/office/drawing/2010/main" w="9525">
+                <a14:hiddenLine xmlns:a14="http://schemas.microsoft.com/office/drawing/2010/main" xmlns:p14="http://schemas.microsoft.com/office/powerpoint/2010/main" xmlns:a16="http://schemas.microsoft.com/office/drawing/2014/main" xmlns="" w="9525">
                   <a:solidFill>
                     <a:srgbClr val="000000"/>
                   </a:solidFill>
@@ -17932,7 +17932,7 @@
             </a:ln>
             <a:extLst>
               <a:ext uri="{91240B29-F687-4f45-9708-019B960494DF}">
-                <a14:hiddenLine xmlns="" xmlns:a16="http://schemas.microsoft.com/office/drawing/2014/main" xmlns:p14="http://schemas.microsoft.com/office/powerpoint/2010/main" xmlns:a14="http://schemas.microsoft.com/office/drawing/2010/main" w="9525">
+                <a14:hiddenLine xmlns:a14="http://schemas.microsoft.com/office/drawing/2010/main" xmlns:p14="http://schemas.microsoft.com/office/powerpoint/2010/main" xmlns:a16="http://schemas.microsoft.com/office/drawing/2014/main" xmlns="" w="9525">
                   <a:solidFill>
                     <a:srgbClr val="000000"/>
                   </a:solidFill>
@@ -18012,7 +18012,7 @@
             </a:ln>
             <a:extLst>
               <a:ext uri="{91240B29-F687-4f45-9708-019B960494DF}">
-                <a14:hiddenLine xmlns="" xmlns:a16="http://schemas.microsoft.com/office/drawing/2014/main" xmlns:p14="http://schemas.microsoft.com/office/powerpoint/2010/main" xmlns:a14="http://schemas.microsoft.com/office/drawing/2010/main" w="9525">
+                <a14:hiddenLine xmlns:a14="http://schemas.microsoft.com/office/drawing/2010/main" xmlns:p14="http://schemas.microsoft.com/office/powerpoint/2010/main" xmlns:a16="http://schemas.microsoft.com/office/drawing/2014/main" xmlns="" w="9525">
                   <a:solidFill>
                     <a:srgbClr val="000000"/>
                   </a:solidFill>
@@ -18117,7 +18117,7 @@
             </a:ln>
             <a:extLst>
               <a:ext uri="{91240B29-F687-4f45-9708-019B960494DF}">
-                <a14:hiddenLine xmlns="" xmlns:a16="http://schemas.microsoft.com/office/drawing/2014/main" xmlns:p14="http://schemas.microsoft.com/office/powerpoint/2010/main" xmlns:a14="http://schemas.microsoft.com/office/drawing/2010/main" w="9525">
+                <a14:hiddenLine xmlns:a14="http://schemas.microsoft.com/office/drawing/2010/main" xmlns:p14="http://schemas.microsoft.com/office/powerpoint/2010/main" xmlns:a16="http://schemas.microsoft.com/office/drawing/2014/main" xmlns="" w="9525">
                   <a:solidFill>
                     <a:srgbClr val="000000"/>
                   </a:solidFill>
@@ -18194,7 +18194,7 @@
             </a:ln>
             <a:extLst>
               <a:ext uri="{91240B29-F687-4f45-9708-019B960494DF}">
-                <a14:hiddenLine xmlns="" xmlns:a16="http://schemas.microsoft.com/office/drawing/2014/main" xmlns:p14="http://schemas.microsoft.com/office/powerpoint/2010/main" xmlns:a14="http://schemas.microsoft.com/office/drawing/2010/main" w="9525">
+                <a14:hiddenLine xmlns:a14="http://schemas.microsoft.com/office/drawing/2010/main" xmlns:p14="http://schemas.microsoft.com/office/powerpoint/2010/main" xmlns:a16="http://schemas.microsoft.com/office/drawing/2014/main" xmlns="" w="9525">
                   <a:solidFill>
                     <a:srgbClr val="000000"/>
                   </a:solidFill>
@@ -18299,7 +18299,7 @@
             </a:ln>
             <a:extLst>
               <a:ext uri="{91240B29-F687-4f45-9708-019B960494DF}">
-                <a14:hiddenLine xmlns="" xmlns:a16="http://schemas.microsoft.com/office/drawing/2014/main" xmlns:p14="http://schemas.microsoft.com/office/powerpoint/2010/main" xmlns:a14="http://schemas.microsoft.com/office/drawing/2010/main" w="9525">
+                <a14:hiddenLine xmlns:a14="http://schemas.microsoft.com/office/drawing/2010/main" xmlns:p14="http://schemas.microsoft.com/office/powerpoint/2010/main" xmlns:a16="http://schemas.microsoft.com/office/drawing/2014/main" xmlns="" w="9525">
                   <a:solidFill>
                     <a:srgbClr val="000000"/>
                   </a:solidFill>
@@ -18404,7 +18404,7 @@
             </a:ln>
             <a:extLst>
               <a:ext uri="{91240B29-F687-4f45-9708-019B960494DF}">
-                <a14:hiddenLine xmlns="" xmlns:a16="http://schemas.microsoft.com/office/drawing/2014/main" xmlns:p14="http://schemas.microsoft.com/office/powerpoint/2010/main" xmlns:a14="http://schemas.microsoft.com/office/drawing/2010/main" w="9525">
+                <a14:hiddenLine xmlns:a14="http://schemas.microsoft.com/office/drawing/2010/main" xmlns:p14="http://schemas.microsoft.com/office/powerpoint/2010/main" xmlns:a16="http://schemas.microsoft.com/office/drawing/2014/main" xmlns="" w="9525">
                   <a:solidFill>
                     <a:srgbClr val="000000"/>
                   </a:solidFill>
@@ -18484,7 +18484,7 @@
             </a:ln>
             <a:extLst>
               <a:ext uri="{91240B29-F687-4f45-9708-019B960494DF}">
-                <a14:hiddenLine xmlns="" xmlns:a16="http://schemas.microsoft.com/office/drawing/2014/main" xmlns:p14="http://schemas.microsoft.com/office/powerpoint/2010/main" xmlns:a14="http://schemas.microsoft.com/office/drawing/2010/main" w="9525">
+                <a14:hiddenLine xmlns:a14="http://schemas.microsoft.com/office/drawing/2010/main" xmlns:p14="http://schemas.microsoft.com/office/powerpoint/2010/main" xmlns:a16="http://schemas.microsoft.com/office/drawing/2014/main" xmlns="" w="9525">
                   <a:solidFill>
                     <a:srgbClr val="000000"/>
                   </a:solidFill>
@@ -18561,7 +18561,7 @@
             </a:ln>
             <a:extLst>
               <a:ext uri="{91240B29-F687-4f45-9708-019B960494DF}">
-                <a14:hiddenLine xmlns="" xmlns:a16="http://schemas.microsoft.com/office/drawing/2014/main" xmlns:p14="http://schemas.microsoft.com/office/powerpoint/2010/main" xmlns:a14="http://schemas.microsoft.com/office/drawing/2010/main" w="9525">
+                <a14:hiddenLine xmlns:a14="http://schemas.microsoft.com/office/drawing/2010/main" xmlns:p14="http://schemas.microsoft.com/office/powerpoint/2010/main" xmlns:a16="http://schemas.microsoft.com/office/drawing/2014/main" xmlns="" w="9525">
                   <a:solidFill>
                     <a:srgbClr val="000000"/>
                   </a:solidFill>
@@ -18666,7 +18666,7 @@
             </a:ln>
             <a:extLst>
               <a:ext uri="{91240B29-F687-4f45-9708-019B960494DF}">
-                <a14:hiddenLine xmlns="" xmlns:a16="http://schemas.microsoft.com/office/drawing/2014/main" xmlns:p14="http://schemas.microsoft.com/office/powerpoint/2010/main" xmlns:a14="http://schemas.microsoft.com/office/drawing/2010/main" w="9525">
+                <a14:hiddenLine xmlns:a14="http://schemas.microsoft.com/office/drawing/2010/main" xmlns:p14="http://schemas.microsoft.com/office/powerpoint/2010/main" xmlns:a16="http://schemas.microsoft.com/office/drawing/2014/main" xmlns="" w="9525">
                   <a:solidFill>
                     <a:srgbClr val="000000"/>
                   </a:solidFill>
@@ -18771,7 +18771,7 @@
             </a:ln>
             <a:extLst>
               <a:ext uri="{91240B29-F687-4f45-9708-019B960494DF}">
-                <a14:hiddenLine xmlns="" xmlns:a16="http://schemas.microsoft.com/office/drawing/2014/main" xmlns:p14="http://schemas.microsoft.com/office/powerpoint/2010/main" xmlns:a14="http://schemas.microsoft.com/office/drawing/2010/main" w="9525">
+                <a14:hiddenLine xmlns:a14="http://schemas.microsoft.com/office/drawing/2010/main" xmlns:p14="http://schemas.microsoft.com/office/powerpoint/2010/main" xmlns:a16="http://schemas.microsoft.com/office/drawing/2014/main" xmlns="" w="9525">
                   <a:solidFill>
                     <a:srgbClr val="000000"/>
                   </a:solidFill>
@@ -18848,7 +18848,7 @@
             </a:ln>
             <a:extLst>
               <a:ext uri="{91240B29-F687-4f45-9708-019B960494DF}">
-                <a14:hiddenLine xmlns="" xmlns:a16="http://schemas.microsoft.com/office/drawing/2014/main" xmlns:p14="http://schemas.microsoft.com/office/powerpoint/2010/main" xmlns:a14="http://schemas.microsoft.com/office/drawing/2010/main" w="9525">
+                <a14:hiddenLine xmlns:a14="http://schemas.microsoft.com/office/drawing/2010/main" xmlns:p14="http://schemas.microsoft.com/office/powerpoint/2010/main" xmlns:a16="http://schemas.microsoft.com/office/drawing/2014/main" xmlns="" w="9525">
                   <a:solidFill>
                     <a:srgbClr val="000000"/>
                   </a:solidFill>
@@ -18983,7 +18983,7 @@
             </a:ln>
             <a:extLst>
               <a:ext uri="{91240B29-F687-4f45-9708-019B960494DF}">
-                <a14:hiddenLine xmlns="" xmlns:a16="http://schemas.microsoft.com/office/drawing/2014/main" xmlns:p14="http://schemas.microsoft.com/office/powerpoint/2010/main" xmlns:a14="http://schemas.microsoft.com/office/drawing/2010/main" w="9525">
+                <a14:hiddenLine xmlns:a14="http://schemas.microsoft.com/office/drawing/2010/main" xmlns:p14="http://schemas.microsoft.com/office/powerpoint/2010/main" xmlns:a16="http://schemas.microsoft.com/office/drawing/2014/main" xmlns="" w="9525">
                   <a:solidFill>
                     <a:srgbClr val="000000"/>
                   </a:solidFill>
@@ -19066,7 +19066,7 @@
             </a:ln>
             <a:extLst>
               <a:ext uri="{91240B29-F687-4f45-9708-019B960494DF}">
-                <a14:hiddenLine xmlns="" xmlns:a16="http://schemas.microsoft.com/office/drawing/2014/main" xmlns:p14="http://schemas.microsoft.com/office/powerpoint/2010/main" xmlns:a14="http://schemas.microsoft.com/office/drawing/2010/main" w="9525">
+                <a14:hiddenLine xmlns:a14="http://schemas.microsoft.com/office/drawing/2010/main" xmlns:p14="http://schemas.microsoft.com/office/powerpoint/2010/main" xmlns:a16="http://schemas.microsoft.com/office/drawing/2014/main" xmlns="" w="9525">
                   <a:solidFill>
                     <a:srgbClr val="000000"/>
                   </a:solidFill>
@@ -19171,7 +19171,7 @@
             </a:ln>
             <a:extLst>
               <a:ext uri="{91240B29-F687-4f45-9708-019B960494DF}">
-                <a14:hiddenLine xmlns="" xmlns:a16="http://schemas.microsoft.com/office/drawing/2014/main" xmlns:p14="http://schemas.microsoft.com/office/powerpoint/2010/main" xmlns:a14="http://schemas.microsoft.com/office/drawing/2010/main" w="9525">
+                <a14:hiddenLine xmlns:a14="http://schemas.microsoft.com/office/drawing/2010/main" xmlns:p14="http://schemas.microsoft.com/office/powerpoint/2010/main" xmlns:a16="http://schemas.microsoft.com/office/drawing/2014/main" xmlns="" w="9525">
                   <a:solidFill>
                     <a:srgbClr val="000000"/>
                   </a:solidFill>
@@ -19327,7 +19327,7 @@
             </a:ln>
             <a:extLst>
               <a:ext uri="{91240B29-F687-4f45-9708-019B960494DF}">
-                <a14:hiddenLine xmlns="" xmlns:a16="http://schemas.microsoft.com/office/drawing/2014/main" xmlns:p14="http://schemas.microsoft.com/office/powerpoint/2010/main" xmlns:a14="http://schemas.microsoft.com/office/drawing/2010/main" w="9525">
+                <a14:hiddenLine xmlns:a14="http://schemas.microsoft.com/office/drawing/2010/main" xmlns:p14="http://schemas.microsoft.com/office/powerpoint/2010/main" xmlns:a16="http://schemas.microsoft.com/office/drawing/2014/main" xmlns="" w="9525">
                   <a:solidFill>
                     <a:srgbClr val="000000"/>
                   </a:solidFill>
@@ -19432,7 +19432,7 @@
             </a:ln>
             <a:extLst>
               <a:ext uri="{91240B29-F687-4f45-9708-019B960494DF}">
-                <a14:hiddenLine xmlns="" xmlns:a16="http://schemas.microsoft.com/office/drawing/2014/main" xmlns:p14="http://schemas.microsoft.com/office/powerpoint/2010/main" xmlns:a14="http://schemas.microsoft.com/office/drawing/2010/main" w="9525">
+                <a14:hiddenLine xmlns:a14="http://schemas.microsoft.com/office/drawing/2010/main" xmlns:p14="http://schemas.microsoft.com/office/powerpoint/2010/main" xmlns:a16="http://schemas.microsoft.com/office/drawing/2014/main" xmlns="" w="9525">
                   <a:solidFill>
                     <a:srgbClr val="000000"/>
                   </a:solidFill>
@@ -19537,7 +19537,7 @@
             </a:ln>
             <a:extLst>
               <a:ext uri="{91240B29-F687-4f45-9708-019B960494DF}">
-                <a14:hiddenLine xmlns="" xmlns:a16="http://schemas.microsoft.com/office/drawing/2014/main" xmlns:p14="http://schemas.microsoft.com/office/powerpoint/2010/main" xmlns:a14="http://schemas.microsoft.com/office/drawing/2010/main" w="9525">
+                <a14:hiddenLine xmlns:a14="http://schemas.microsoft.com/office/drawing/2010/main" xmlns:p14="http://schemas.microsoft.com/office/powerpoint/2010/main" xmlns:a16="http://schemas.microsoft.com/office/drawing/2014/main" xmlns="" w="9525">
                   <a:solidFill>
                     <a:srgbClr val="000000"/>
                   </a:solidFill>
@@ -19586,7 +19586,7 @@
             </a:ln>
             <a:extLst>
               <a:ext uri="{91240B29-F687-4f45-9708-019B960494DF}">
-                <a14:hiddenLine xmlns="" xmlns:a16="http://schemas.microsoft.com/office/drawing/2014/main" xmlns:p14="http://schemas.microsoft.com/office/powerpoint/2010/main" xmlns:a14="http://schemas.microsoft.com/office/drawing/2010/main" w="9525">
+                <a14:hiddenLine xmlns:a14="http://schemas.microsoft.com/office/drawing/2010/main" xmlns:p14="http://schemas.microsoft.com/office/powerpoint/2010/main" xmlns:a16="http://schemas.microsoft.com/office/drawing/2014/main" xmlns="" w="9525">
                   <a:solidFill>
                     <a:srgbClr val="000000"/>
                   </a:solidFill>
@@ -19691,7 +19691,7 @@
             </a:ln>
             <a:extLst>
               <a:ext uri="{91240B29-F687-4f45-9708-019B960494DF}">
-                <a14:hiddenLine xmlns="" xmlns:a16="http://schemas.microsoft.com/office/drawing/2014/main" xmlns:p14="http://schemas.microsoft.com/office/powerpoint/2010/main" xmlns:a14="http://schemas.microsoft.com/office/drawing/2010/main" w="9525">
+                <a14:hiddenLine xmlns:a14="http://schemas.microsoft.com/office/drawing/2010/main" xmlns:p14="http://schemas.microsoft.com/office/powerpoint/2010/main" xmlns:a16="http://schemas.microsoft.com/office/drawing/2014/main" xmlns="" w="9525">
                   <a:solidFill>
                     <a:srgbClr val="000000"/>
                   </a:solidFill>
@@ -19768,7 +19768,7 @@
             </a:ln>
             <a:extLst>
               <a:ext uri="{91240B29-F687-4f45-9708-019B960494DF}">
-                <a14:hiddenLine xmlns="" xmlns:a16="http://schemas.microsoft.com/office/drawing/2014/main" xmlns:p14="http://schemas.microsoft.com/office/powerpoint/2010/main" xmlns:a14="http://schemas.microsoft.com/office/drawing/2010/main" w="9525">
+                <a14:hiddenLine xmlns:a14="http://schemas.microsoft.com/office/drawing/2010/main" xmlns:p14="http://schemas.microsoft.com/office/powerpoint/2010/main" xmlns:a16="http://schemas.microsoft.com/office/drawing/2014/main" xmlns="" w="9525">
                   <a:solidFill>
                     <a:srgbClr val="000000"/>
                   </a:solidFill>
@@ -19845,7 +19845,7 @@
             </a:ln>
             <a:extLst>
               <a:ext uri="{91240B29-F687-4f45-9708-019B960494DF}">
-                <a14:hiddenLine xmlns="" xmlns:a16="http://schemas.microsoft.com/office/drawing/2014/main" xmlns:p14="http://schemas.microsoft.com/office/powerpoint/2010/main" xmlns:a14="http://schemas.microsoft.com/office/drawing/2010/main" w="9525">
+                <a14:hiddenLine xmlns:a14="http://schemas.microsoft.com/office/drawing/2010/main" xmlns:p14="http://schemas.microsoft.com/office/powerpoint/2010/main" xmlns:a16="http://schemas.microsoft.com/office/drawing/2014/main" xmlns="" w="9525">
                   <a:solidFill>
                     <a:srgbClr val="000000"/>
                   </a:solidFill>
@@ -19950,7 +19950,7 @@
             </a:ln>
             <a:extLst>
               <a:ext uri="{91240B29-F687-4f45-9708-019B960494DF}">
-                <a14:hiddenLine xmlns="" xmlns:a16="http://schemas.microsoft.com/office/drawing/2014/main" xmlns:p14="http://schemas.microsoft.com/office/powerpoint/2010/main" xmlns:a14="http://schemas.microsoft.com/office/drawing/2010/main" w="9525">
+                <a14:hiddenLine xmlns:a14="http://schemas.microsoft.com/office/drawing/2010/main" xmlns:p14="http://schemas.microsoft.com/office/powerpoint/2010/main" xmlns:a16="http://schemas.microsoft.com/office/drawing/2014/main" xmlns="" w="9525">
                   <a:solidFill>
                     <a:srgbClr val="000000"/>
                   </a:solidFill>
@@ -20027,7 +20027,7 @@
             </a:ln>
             <a:extLst>
               <a:ext uri="{91240B29-F687-4f45-9708-019B960494DF}">
-                <a14:hiddenLine xmlns="" xmlns:a16="http://schemas.microsoft.com/office/drawing/2014/main" xmlns:p14="http://schemas.microsoft.com/office/powerpoint/2010/main" xmlns:a14="http://schemas.microsoft.com/office/drawing/2010/main" w="9525">
+                <a14:hiddenLine xmlns:a14="http://schemas.microsoft.com/office/drawing/2010/main" xmlns:p14="http://schemas.microsoft.com/office/powerpoint/2010/main" xmlns:a16="http://schemas.microsoft.com/office/drawing/2014/main" xmlns="" w="9525">
                   <a:solidFill>
                     <a:srgbClr val="000000"/>
                   </a:solidFill>
@@ -20104,7 +20104,7 @@
             </a:ln>
             <a:extLst>
               <a:ext uri="{91240B29-F687-4f45-9708-019B960494DF}">
-                <a14:hiddenLine xmlns="" xmlns:a16="http://schemas.microsoft.com/office/drawing/2014/main" xmlns:p14="http://schemas.microsoft.com/office/powerpoint/2010/main" xmlns:a14="http://schemas.microsoft.com/office/drawing/2010/main" w="9525">
+                <a14:hiddenLine xmlns:a14="http://schemas.microsoft.com/office/drawing/2010/main" xmlns:p14="http://schemas.microsoft.com/office/powerpoint/2010/main" xmlns:a16="http://schemas.microsoft.com/office/drawing/2014/main" xmlns="" w="9525">
                   <a:solidFill>
                     <a:srgbClr val="000000"/>
                   </a:solidFill>
@@ -20209,7 +20209,7 @@
             </a:ln>
             <a:extLst>
               <a:ext uri="{91240B29-F687-4f45-9708-019B960494DF}">
-                <a14:hiddenLine xmlns="" xmlns:a16="http://schemas.microsoft.com/office/drawing/2014/main" xmlns:p14="http://schemas.microsoft.com/office/powerpoint/2010/main" xmlns:a14="http://schemas.microsoft.com/office/drawing/2010/main" w="9525">
+                <a14:hiddenLine xmlns:a14="http://schemas.microsoft.com/office/drawing/2010/main" xmlns:p14="http://schemas.microsoft.com/office/powerpoint/2010/main" xmlns:a16="http://schemas.microsoft.com/office/drawing/2014/main" xmlns="" w="9525">
                   <a:solidFill>
                     <a:srgbClr val="000000"/>
                   </a:solidFill>
@@ -20314,7 +20314,7 @@
             </a:ln>
             <a:extLst>
               <a:ext uri="{91240B29-F687-4f45-9708-019B960494DF}">
-                <a14:hiddenLine xmlns="" xmlns:a16="http://schemas.microsoft.com/office/drawing/2014/main" xmlns:p14="http://schemas.microsoft.com/office/powerpoint/2010/main" xmlns:a14="http://schemas.microsoft.com/office/drawing/2010/main" w="9525">
+                <a14:hiddenLine xmlns:a14="http://schemas.microsoft.com/office/drawing/2010/main" xmlns:p14="http://schemas.microsoft.com/office/powerpoint/2010/main" xmlns:a16="http://schemas.microsoft.com/office/drawing/2014/main" xmlns="" w="9525">
                   <a:solidFill>
                     <a:srgbClr val="000000"/>
                   </a:solidFill>
@@ -20391,7 +20391,7 @@
             </a:ln>
             <a:extLst>
               <a:ext uri="{91240B29-F687-4f45-9708-019B960494DF}">
-                <a14:hiddenLine xmlns="" xmlns:a16="http://schemas.microsoft.com/office/drawing/2014/main" xmlns:p14="http://schemas.microsoft.com/office/powerpoint/2010/main" xmlns:a14="http://schemas.microsoft.com/office/drawing/2010/main" w="9525">
+                <a14:hiddenLine xmlns:a14="http://schemas.microsoft.com/office/drawing/2010/main" xmlns:p14="http://schemas.microsoft.com/office/powerpoint/2010/main" xmlns:a16="http://schemas.microsoft.com/office/drawing/2014/main" xmlns="" w="9525">
                   <a:solidFill>
                     <a:srgbClr val="000000"/>
                   </a:solidFill>
@@ -20516,7 +20516,7 @@
             </a:ln>
             <a:extLst>
               <a:ext uri="{91240B29-F687-4f45-9708-019B960494DF}">
-                <a14:hiddenLine xmlns="" xmlns:a16="http://schemas.microsoft.com/office/drawing/2014/main" xmlns:p14="http://schemas.microsoft.com/office/powerpoint/2010/main" xmlns:a14="http://schemas.microsoft.com/office/drawing/2010/main" w="9525">
+                <a14:hiddenLine xmlns:a14="http://schemas.microsoft.com/office/drawing/2010/main" xmlns:p14="http://schemas.microsoft.com/office/powerpoint/2010/main" xmlns:a16="http://schemas.microsoft.com/office/drawing/2014/main" xmlns="" w="9525">
                   <a:solidFill>
                     <a:srgbClr val="000000"/>
                   </a:solidFill>
@@ -20593,7 +20593,7 @@
             </a:ln>
             <a:extLst>
               <a:ext uri="{91240B29-F687-4f45-9708-019B960494DF}">
-                <a14:hiddenLine xmlns="" xmlns:a16="http://schemas.microsoft.com/office/drawing/2014/main" xmlns:p14="http://schemas.microsoft.com/office/powerpoint/2010/main" xmlns:a14="http://schemas.microsoft.com/office/drawing/2010/main" w="9525">
+                <a14:hiddenLine xmlns:a14="http://schemas.microsoft.com/office/drawing/2010/main" xmlns:p14="http://schemas.microsoft.com/office/powerpoint/2010/main" xmlns:a16="http://schemas.microsoft.com/office/drawing/2014/main" xmlns="" w="9525">
                   <a:solidFill>
                     <a:srgbClr val="000000"/>
                   </a:solidFill>
@@ -20698,7 +20698,7 @@
             </a:ln>
             <a:extLst>
               <a:ext uri="{91240B29-F687-4f45-9708-019B960494DF}">
-                <a14:hiddenLine xmlns="" xmlns:a16="http://schemas.microsoft.com/office/drawing/2014/main" xmlns:p14="http://schemas.microsoft.com/office/powerpoint/2010/main" xmlns:a14="http://schemas.microsoft.com/office/drawing/2010/main" w="9525">
+                <a14:hiddenLine xmlns:a14="http://schemas.microsoft.com/office/drawing/2010/main" xmlns:p14="http://schemas.microsoft.com/office/powerpoint/2010/main" xmlns:a16="http://schemas.microsoft.com/office/drawing/2014/main" xmlns="" w="9525">
                   <a:solidFill>
                     <a:srgbClr val="000000"/>
                   </a:solidFill>
@@ -20803,7 +20803,7 @@
             </a:ln>
             <a:extLst>
               <a:ext uri="{91240B29-F687-4f45-9708-019B960494DF}">
-                <a14:hiddenLine xmlns="" xmlns:a16="http://schemas.microsoft.com/office/drawing/2014/main" xmlns:p14="http://schemas.microsoft.com/office/powerpoint/2010/main" xmlns:a14="http://schemas.microsoft.com/office/drawing/2010/main" w="9525">
+                <a14:hiddenLine xmlns:a14="http://schemas.microsoft.com/office/drawing/2010/main" xmlns:p14="http://schemas.microsoft.com/office/powerpoint/2010/main" xmlns:a16="http://schemas.microsoft.com/office/drawing/2014/main" xmlns="" w="9525">
                   <a:solidFill>
                     <a:srgbClr val="000000"/>
                   </a:solidFill>
@@ -20880,7 +20880,7 @@
             </a:ln>
             <a:extLst>
               <a:ext uri="{91240B29-F687-4f45-9708-019B960494DF}">
-                <a14:hiddenLine xmlns="" xmlns:a16="http://schemas.microsoft.com/office/drawing/2014/main" xmlns:p14="http://schemas.microsoft.com/office/powerpoint/2010/main" xmlns:a14="http://schemas.microsoft.com/office/drawing/2010/main" w="9525">
+                <a14:hiddenLine xmlns:a14="http://schemas.microsoft.com/office/drawing/2010/main" xmlns:p14="http://schemas.microsoft.com/office/powerpoint/2010/main" xmlns:a16="http://schemas.microsoft.com/office/drawing/2014/main" xmlns="" w="9525">
                   <a:solidFill>
                     <a:srgbClr val="000000"/>
                   </a:solidFill>
@@ -20985,7 +20985,7 @@
             </a:ln>
             <a:extLst>
               <a:ext uri="{91240B29-F687-4f45-9708-019B960494DF}">
-                <a14:hiddenLine xmlns="" xmlns:a16="http://schemas.microsoft.com/office/drawing/2014/main" xmlns:p14="http://schemas.microsoft.com/office/powerpoint/2010/main" xmlns:a14="http://schemas.microsoft.com/office/drawing/2010/main" w="9525">
+                <a14:hiddenLine xmlns:a14="http://schemas.microsoft.com/office/drawing/2010/main" xmlns:p14="http://schemas.microsoft.com/office/powerpoint/2010/main" xmlns:a16="http://schemas.microsoft.com/office/drawing/2014/main" xmlns="" w="9525">
                   <a:solidFill>
                     <a:srgbClr val="000000"/>
                   </a:solidFill>
@@ -21090,7 +21090,7 @@
             </a:ln>
             <a:extLst>
               <a:ext uri="{91240B29-F687-4f45-9708-019B960494DF}">
-                <a14:hiddenLine xmlns="" xmlns:a16="http://schemas.microsoft.com/office/drawing/2014/main" xmlns:p14="http://schemas.microsoft.com/office/powerpoint/2010/main" xmlns:a14="http://schemas.microsoft.com/office/drawing/2010/main" w="9525">
+                <a14:hiddenLine xmlns:a14="http://schemas.microsoft.com/office/drawing/2010/main" xmlns:p14="http://schemas.microsoft.com/office/powerpoint/2010/main" xmlns:a16="http://schemas.microsoft.com/office/drawing/2014/main" xmlns="" w="9525">
                   <a:solidFill>
                     <a:srgbClr val="000000"/>
                   </a:solidFill>
@@ -21161,7 +21161,7 @@
             </a:ln>
             <a:extLst>
               <a:ext uri="{91240B29-F687-4f45-9708-019B960494DF}">
-                <a14:hiddenLine xmlns="" xmlns:a16="http://schemas.microsoft.com/office/drawing/2014/main" xmlns:p14="http://schemas.microsoft.com/office/powerpoint/2010/main" xmlns:a14="http://schemas.microsoft.com/office/drawing/2010/main" w="9525">
+                <a14:hiddenLine xmlns:a14="http://schemas.microsoft.com/office/drawing/2010/main" xmlns:p14="http://schemas.microsoft.com/office/powerpoint/2010/main" xmlns:a16="http://schemas.microsoft.com/office/drawing/2014/main" xmlns="" w="9525">
                   <a:solidFill>
                     <a:srgbClr val="000000"/>
                   </a:solidFill>
@@ -21266,7 +21266,7 @@
             </a:ln>
             <a:extLst>
               <a:ext uri="{91240B29-F687-4f45-9708-019B960494DF}">
-                <a14:hiddenLine xmlns="" xmlns:a16="http://schemas.microsoft.com/office/drawing/2014/main" xmlns:p14="http://schemas.microsoft.com/office/powerpoint/2010/main" xmlns:a14="http://schemas.microsoft.com/office/drawing/2010/main" w="9525">
+                <a14:hiddenLine xmlns:a14="http://schemas.microsoft.com/office/drawing/2010/main" xmlns:p14="http://schemas.microsoft.com/office/powerpoint/2010/main" xmlns:a16="http://schemas.microsoft.com/office/drawing/2014/main" xmlns="" w="9525">
                   <a:solidFill>
                     <a:srgbClr val="000000"/>
                   </a:solidFill>
@@ -21337,7 +21337,7 @@
             </a:ln>
             <a:extLst>
               <a:ext uri="{91240B29-F687-4f45-9708-019B960494DF}">
-                <a14:hiddenLine xmlns="" xmlns:a16="http://schemas.microsoft.com/office/drawing/2014/main" xmlns:p14="http://schemas.microsoft.com/office/powerpoint/2010/main" xmlns:a14="http://schemas.microsoft.com/office/drawing/2010/main" w="9525">
+                <a14:hiddenLine xmlns:a14="http://schemas.microsoft.com/office/drawing/2010/main" xmlns:p14="http://schemas.microsoft.com/office/powerpoint/2010/main" xmlns:a16="http://schemas.microsoft.com/office/drawing/2014/main" xmlns="" w="9525">
                   <a:solidFill>
                     <a:srgbClr val="000000"/>
                   </a:solidFill>
@@ -21442,7 +21442,7 @@
             </a:ln>
             <a:extLst>
               <a:ext uri="{91240B29-F687-4f45-9708-019B960494DF}">
-                <a14:hiddenLine xmlns="" xmlns:a16="http://schemas.microsoft.com/office/drawing/2014/main" xmlns:p14="http://schemas.microsoft.com/office/powerpoint/2010/main" xmlns:a14="http://schemas.microsoft.com/office/drawing/2010/main" w="9525">
+                <a14:hiddenLine xmlns:a14="http://schemas.microsoft.com/office/drawing/2010/main" xmlns:p14="http://schemas.microsoft.com/office/powerpoint/2010/main" xmlns:a16="http://schemas.microsoft.com/office/drawing/2014/main" xmlns="" w="9525">
                   <a:solidFill>
                     <a:srgbClr val="000000"/>
                   </a:solidFill>
@@ -21525,7 +21525,7 @@
             </a:ln>
             <a:extLst>
               <a:ext uri="{91240B29-F687-4f45-9708-019B960494DF}">
-                <a14:hiddenLine xmlns="" xmlns:a16="http://schemas.microsoft.com/office/drawing/2014/main" xmlns:p14="http://schemas.microsoft.com/office/powerpoint/2010/main" xmlns:a14="http://schemas.microsoft.com/office/drawing/2010/main" w="9525">
+                <a14:hiddenLine xmlns:a14="http://schemas.microsoft.com/office/drawing/2010/main" xmlns:p14="http://schemas.microsoft.com/office/powerpoint/2010/main" xmlns:a16="http://schemas.microsoft.com/office/drawing/2014/main" xmlns="" w="9525">
                   <a:solidFill>
                     <a:srgbClr val="000000"/>
                   </a:solidFill>
@@ -21630,7 +21630,7 @@
             </a:ln>
             <a:extLst>
               <a:ext uri="{91240B29-F687-4f45-9708-019B960494DF}">
-                <a14:hiddenLine xmlns="" xmlns:a16="http://schemas.microsoft.com/office/drawing/2014/main" xmlns:p14="http://schemas.microsoft.com/office/powerpoint/2010/main" xmlns:a14="http://schemas.microsoft.com/office/drawing/2010/main" w="9525">
+                <a14:hiddenLine xmlns:a14="http://schemas.microsoft.com/office/drawing/2010/main" xmlns:p14="http://schemas.microsoft.com/office/powerpoint/2010/main" xmlns:a16="http://schemas.microsoft.com/office/drawing/2014/main" xmlns="" w="9525">
                   <a:solidFill>
                     <a:srgbClr val="000000"/>
                   </a:solidFill>
@@ -21713,7 +21713,7 @@
             </a:ln>
             <a:extLst>
               <a:ext uri="{91240B29-F687-4f45-9708-019B960494DF}">
-                <a14:hiddenLine xmlns="" xmlns:a16="http://schemas.microsoft.com/office/drawing/2014/main" xmlns:p14="http://schemas.microsoft.com/office/powerpoint/2010/main" xmlns:a14="http://schemas.microsoft.com/office/drawing/2010/main" w="9525">
+                <a14:hiddenLine xmlns:a14="http://schemas.microsoft.com/office/drawing/2010/main" xmlns:p14="http://schemas.microsoft.com/office/powerpoint/2010/main" xmlns:a16="http://schemas.microsoft.com/office/drawing/2014/main" xmlns="" w="9525">
                   <a:solidFill>
                     <a:srgbClr val="000000"/>
                   </a:solidFill>
@@ -21818,7 +21818,7 @@
             </a:ln>
             <a:extLst>
               <a:ext uri="{91240B29-F687-4f45-9708-019B960494DF}">
-                <a14:hiddenLine xmlns="" xmlns:a16="http://schemas.microsoft.com/office/drawing/2014/main" xmlns:p14="http://schemas.microsoft.com/office/powerpoint/2010/main" xmlns:a14="http://schemas.microsoft.com/office/drawing/2010/main" w="9525">
+                <a14:hiddenLine xmlns:a14="http://schemas.microsoft.com/office/drawing/2010/main" xmlns:p14="http://schemas.microsoft.com/office/powerpoint/2010/main" xmlns:a16="http://schemas.microsoft.com/office/drawing/2014/main" xmlns="" w="9525">
                   <a:solidFill>
                     <a:srgbClr val="000000"/>
                   </a:solidFill>
@@ -21867,7 +21867,7 @@
             </a:ln>
             <a:extLst>
               <a:ext uri="{91240B29-F687-4f45-9708-019B960494DF}">
-                <a14:hiddenLine xmlns="" xmlns:a16="http://schemas.microsoft.com/office/drawing/2014/main" xmlns:p14="http://schemas.microsoft.com/office/powerpoint/2010/main" xmlns:a14="http://schemas.microsoft.com/office/drawing/2010/main" w="9525">
+                <a14:hiddenLine xmlns:a14="http://schemas.microsoft.com/office/drawing/2010/main" xmlns:p14="http://schemas.microsoft.com/office/powerpoint/2010/main" xmlns:a16="http://schemas.microsoft.com/office/drawing/2014/main" xmlns="" w="9525">
                   <a:solidFill>
                     <a:srgbClr val="000000"/>
                   </a:solidFill>
@@ -21972,7 +21972,7 @@
             </a:ln>
             <a:extLst>
               <a:ext uri="{91240B29-F687-4f45-9708-019B960494DF}">
-                <a14:hiddenLine xmlns="" xmlns:a16="http://schemas.microsoft.com/office/drawing/2014/main" xmlns:p14="http://schemas.microsoft.com/office/powerpoint/2010/main" xmlns:a14="http://schemas.microsoft.com/office/drawing/2010/main" w="9525">
+                <a14:hiddenLine xmlns:a14="http://schemas.microsoft.com/office/drawing/2010/main" xmlns:p14="http://schemas.microsoft.com/office/powerpoint/2010/main" xmlns:a16="http://schemas.microsoft.com/office/drawing/2014/main" xmlns="" w="9525">
                   <a:solidFill>
                     <a:srgbClr val="000000"/>
                   </a:solidFill>
@@ -22049,7 +22049,7 @@
             </a:ln>
             <a:extLst>
               <a:ext uri="{91240B29-F687-4f45-9708-019B960494DF}">
-                <a14:hiddenLine xmlns="" xmlns:a16="http://schemas.microsoft.com/office/drawing/2014/main" xmlns:p14="http://schemas.microsoft.com/office/powerpoint/2010/main" xmlns:a14="http://schemas.microsoft.com/office/drawing/2010/main" w="9525">
+                <a14:hiddenLine xmlns:a14="http://schemas.microsoft.com/office/drawing/2010/main" xmlns:p14="http://schemas.microsoft.com/office/powerpoint/2010/main" xmlns:a16="http://schemas.microsoft.com/office/drawing/2014/main" xmlns="" w="9525">
                   <a:solidFill>
                     <a:srgbClr val="000000"/>
                   </a:solidFill>
@@ -22126,7 +22126,7 @@
             </a:ln>
             <a:extLst>
               <a:ext uri="{91240B29-F687-4f45-9708-019B960494DF}">
-                <a14:hiddenLine xmlns="" xmlns:a16="http://schemas.microsoft.com/office/drawing/2014/main" xmlns:p14="http://schemas.microsoft.com/office/powerpoint/2010/main" xmlns:a14="http://schemas.microsoft.com/office/drawing/2010/main" w="9525">
+                <a14:hiddenLine xmlns:a14="http://schemas.microsoft.com/office/drawing/2010/main" xmlns:p14="http://schemas.microsoft.com/office/powerpoint/2010/main" xmlns:a16="http://schemas.microsoft.com/office/drawing/2014/main" xmlns="" w="9525">
                   <a:solidFill>
                     <a:srgbClr val="000000"/>
                   </a:solidFill>
@@ -22231,7 +22231,7 @@
             </a:ln>
             <a:extLst>
               <a:ext uri="{91240B29-F687-4f45-9708-019B960494DF}">
-                <a14:hiddenLine xmlns="" xmlns:a16="http://schemas.microsoft.com/office/drawing/2014/main" xmlns:p14="http://schemas.microsoft.com/office/powerpoint/2010/main" xmlns:a14="http://schemas.microsoft.com/office/drawing/2010/main" w="9525">
+                <a14:hiddenLine xmlns:a14="http://schemas.microsoft.com/office/drawing/2010/main" xmlns:p14="http://schemas.microsoft.com/office/powerpoint/2010/main" xmlns:a16="http://schemas.microsoft.com/office/drawing/2014/main" xmlns="" w="9525">
                   <a:solidFill>
                     <a:srgbClr val="000000"/>
                   </a:solidFill>
@@ -22314,7 +22314,7 @@
             </a:ln>
             <a:extLst>
               <a:ext uri="{91240B29-F687-4f45-9708-019B960494DF}">
-                <a14:hiddenLine xmlns="" xmlns:a16="http://schemas.microsoft.com/office/drawing/2014/main" xmlns:p14="http://schemas.microsoft.com/office/powerpoint/2010/main" xmlns:a14="http://schemas.microsoft.com/office/drawing/2010/main" w="9525">
+                <a14:hiddenLine xmlns:a14="http://schemas.microsoft.com/office/drawing/2010/main" xmlns:p14="http://schemas.microsoft.com/office/powerpoint/2010/main" xmlns:a16="http://schemas.microsoft.com/office/drawing/2014/main" xmlns="" w="9525">
                   <a:solidFill>
                     <a:srgbClr val="000000"/>
                   </a:solidFill>
@@ -22391,7 +22391,7 @@
             </a:ln>
             <a:extLst>
               <a:ext uri="{91240B29-F687-4f45-9708-019B960494DF}">
-                <a14:hiddenLine xmlns="" xmlns:a16="http://schemas.microsoft.com/office/drawing/2014/main" xmlns:p14="http://schemas.microsoft.com/office/powerpoint/2010/main" xmlns:a14="http://schemas.microsoft.com/office/drawing/2010/main" w="9525">
+                <a14:hiddenLine xmlns:a14="http://schemas.microsoft.com/office/drawing/2010/main" xmlns:p14="http://schemas.microsoft.com/office/powerpoint/2010/main" xmlns:a16="http://schemas.microsoft.com/office/drawing/2014/main" xmlns="" w="9525">
                   <a:solidFill>
                     <a:srgbClr val="000000"/>
                   </a:solidFill>
@@ -22496,7 +22496,7 @@
             </a:ln>
             <a:extLst>
               <a:ext uri="{91240B29-F687-4f45-9708-019B960494DF}">
-                <a14:hiddenLine xmlns="" xmlns:a16="http://schemas.microsoft.com/office/drawing/2014/main" xmlns:p14="http://schemas.microsoft.com/office/powerpoint/2010/main" xmlns:a14="http://schemas.microsoft.com/office/drawing/2010/main" w="9525">
+                <a14:hiddenLine xmlns:a14="http://schemas.microsoft.com/office/drawing/2010/main" xmlns:p14="http://schemas.microsoft.com/office/powerpoint/2010/main" xmlns:a16="http://schemas.microsoft.com/office/drawing/2014/main" xmlns="" w="9525">
                   <a:solidFill>
                     <a:srgbClr val="000000"/>
                   </a:solidFill>
@@ -22573,7 +22573,7 @@
             </a:ln>
             <a:extLst>
               <a:ext uri="{91240B29-F687-4f45-9708-019B960494DF}">
-                <a14:hiddenLine xmlns="" xmlns:a16="http://schemas.microsoft.com/office/drawing/2014/main" xmlns:p14="http://schemas.microsoft.com/office/powerpoint/2010/main" xmlns:a14="http://schemas.microsoft.com/office/drawing/2010/main" w="9525">
+                <a14:hiddenLine xmlns:a14="http://schemas.microsoft.com/office/drawing/2010/main" xmlns:p14="http://schemas.microsoft.com/office/powerpoint/2010/main" xmlns:a16="http://schemas.microsoft.com/office/drawing/2014/main" xmlns="" w="9525">
                   <a:solidFill>
                     <a:srgbClr val="000000"/>
                   </a:solidFill>
@@ -22678,7 +22678,7 @@
             </a:ln>
             <a:extLst>
               <a:ext uri="{91240B29-F687-4f45-9708-019B960494DF}">
-                <a14:hiddenLine xmlns="" xmlns:a16="http://schemas.microsoft.com/office/drawing/2014/main" xmlns:p14="http://schemas.microsoft.com/office/powerpoint/2010/main" xmlns:a14="http://schemas.microsoft.com/office/drawing/2010/main" w="9525">
+                <a14:hiddenLine xmlns:a14="http://schemas.microsoft.com/office/drawing/2010/main" xmlns:p14="http://schemas.microsoft.com/office/powerpoint/2010/main" xmlns:a16="http://schemas.microsoft.com/office/drawing/2014/main" xmlns="" w="9525">
                   <a:solidFill>
                     <a:srgbClr val="000000"/>
                   </a:solidFill>
@@ -22755,7 +22755,7 @@
             </a:ln>
             <a:extLst>
               <a:ext uri="{91240B29-F687-4f45-9708-019B960494DF}">
-                <a14:hiddenLine xmlns="" xmlns:a16="http://schemas.microsoft.com/office/drawing/2014/main" xmlns:p14="http://schemas.microsoft.com/office/powerpoint/2010/main" xmlns:a14="http://schemas.microsoft.com/office/drawing/2010/main" w="9525">
+                <a14:hiddenLine xmlns:a14="http://schemas.microsoft.com/office/drawing/2010/main" xmlns:p14="http://schemas.microsoft.com/office/powerpoint/2010/main" xmlns:a16="http://schemas.microsoft.com/office/drawing/2014/main" xmlns="" w="9525">
                   <a:solidFill>
                     <a:srgbClr val="000000"/>
                   </a:solidFill>
@@ -22860,7 +22860,7 @@
             </a:ln>
             <a:extLst>
               <a:ext uri="{91240B29-F687-4f45-9708-019B960494DF}">
-                <a14:hiddenLine xmlns="" xmlns:a16="http://schemas.microsoft.com/office/drawing/2014/main" xmlns:p14="http://schemas.microsoft.com/office/powerpoint/2010/main" xmlns:a14="http://schemas.microsoft.com/office/drawing/2010/main" w="9525">
+                <a14:hiddenLine xmlns:a14="http://schemas.microsoft.com/office/drawing/2010/main" xmlns:p14="http://schemas.microsoft.com/office/powerpoint/2010/main" xmlns:a16="http://schemas.microsoft.com/office/drawing/2014/main" xmlns="" w="9525">
                   <a:solidFill>
                     <a:srgbClr val="000000"/>
                   </a:solidFill>
@@ -22909,7 +22909,7 @@
             </a:ln>
             <a:extLst>
               <a:ext uri="{91240B29-F687-4f45-9708-019B960494DF}">
-                <a14:hiddenLine xmlns="" xmlns:a16="http://schemas.microsoft.com/office/drawing/2014/main" xmlns:p14="http://schemas.microsoft.com/office/powerpoint/2010/main" xmlns:a14="http://schemas.microsoft.com/office/drawing/2010/main" w="9525">
+                <a14:hiddenLine xmlns:a14="http://schemas.microsoft.com/office/drawing/2010/main" xmlns:p14="http://schemas.microsoft.com/office/powerpoint/2010/main" xmlns:a16="http://schemas.microsoft.com/office/drawing/2014/main" xmlns="" w="9525">
                   <a:solidFill>
                     <a:srgbClr val="000000"/>
                   </a:solidFill>
@@ -22989,7 +22989,7 @@
             </a:ln>
             <a:extLst>
               <a:ext uri="{91240B29-F687-4f45-9708-019B960494DF}">
-                <a14:hiddenLine xmlns="" xmlns:a16="http://schemas.microsoft.com/office/drawing/2014/main" xmlns:p14="http://schemas.microsoft.com/office/powerpoint/2010/main" xmlns:a14="http://schemas.microsoft.com/office/drawing/2010/main" w="9525">
+                <a14:hiddenLine xmlns:a14="http://schemas.microsoft.com/office/drawing/2010/main" xmlns:p14="http://schemas.microsoft.com/office/powerpoint/2010/main" xmlns:a16="http://schemas.microsoft.com/office/drawing/2014/main" xmlns="" w="9525">
                   <a:solidFill>
                     <a:srgbClr val="000000"/>
                   </a:solidFill>
@@ -23094,7 +23094,7 @@
             </a:ln>
             <a:extLst>
               <a:ext uri="{91240B29-F687-4f45-9708-019B960494DF}">
-                <a14:hiddenLine xmlns="" xmlns:a16="http://schemas.microsoft.com/office/drawing/2014/main" xmlns:p14="http://schemas.microsoft.com/office/powerpoint/2010/main" xmlns:a14="http://schemas.microsoft.com/office/drawing/2010/main" w="9525">
+                <a14:hiddenLine xmlns:a14="http://schemas.microsoft.com/office/drawing/2010/main" xmlns:p14="http://schemas.microsoft.com/office/powerpoint/2010/main" xmlns:a16="http://schemas.microsoft.com/office/drawing/2014/main" xmlns="" w="9525">
                   <a:solidFill>
                     <a:srgbClr val="000000"/>
                   </a:solidFill>
@@ -23171,7 +23171,7 @@
             </a:ln>
             <a:extLst>
               <a:ext uri="{91240B29-F687-4f45-9708-019B960494DF}">
-                <a14:hiddenLine xmlns="" xmlns:a16="http://schemas.microsoft.com/office/drawing/2014/main" xmlns:p14="http://schemas.microsoft.com/office/powerpoint/2010/main" xmlns:a14="http://schemas.microsoft.com/office/drawing/2010/main" w="9525">
+                <a14:hiddenLine xmlns:a14="http://schemas.microsoft.com/office/drawing/2010/main" xmlns:p14="http://schemas.microsoft.com/office/powerpoint/2010/main" xmlns:a16="http://schemas.microsoft.com/office/drawing/2014/main" xmlns="" w="9525">
                   <a:solidFill>
                     <a:srgbClr val="000000"/>
                   </a:solidFill>
@@ -23276,7 +23276,7 @@
             </a:ln>
             <a:extLst>
               <a:ext uri="{91240B29-F687-4f45-9708-019B960494DF}">
-                <a14:hiddenLine xmlns="" xmlns:a16="http://schemas.microsoft.com/office/drawing/2014/main" xmlns:p14="http://schemas.microsoft.com/office/powerpoint/2010/main" xmlns:a14="http://schemas.microsoft.com/office/drawing/2010/main" w="9525">
+                <a14:hiddenLine xmlns:a14="http://schemas.microsoft.com/office/drawing/2010/main" xmlns:p14="http://schemas.microsoft.com/office/powerpoint/2010/main" xmlns:a16="http://schemas.microsoft.com/office/drawing/2014/main" xmlns="" w="9525">
                   <a:solidFill>
                     <a:srgbClr val="000000"/>
                   </a:solidFill>
@@ -23381,7 +23381,7 @@
             </a:ln>
             <a:extLst>
               <a:ext uri="{91240B29-F687-4f45-9708-019B960494DF}">
-                <a14:hiddenLine xmlns="" xmlns:a16="http://schemas.microsoft.com/office/drawing/2014/main" xmlns:p14="http://schemas.microsoft.com/office/powerpoint/2010/main" xmlns:a14="http://schemas.microsoft.com/office/drawing/2010/main" w="9525">
+                <a14:hiddenLine xmlns:a14="http://schemas.microsoft.com/office/drawing/2010/main" xmlns:p14="http://schemas.microsoft.com/office/powerpoint/2010/main" xmlns:a16="http://schemas.microsoft.com/office/drawing/2014/main" xmlns="" w="9525">
                   <a:solidFill>
                     <a:srgbClr val="000000"/>
                   </a:solidFill>
@@ -23461,7 +23461,7 @@
             </a:ln>
             <a:extLst>
               <a:ext uri="{91240B29-F687-4f45-9708-019B960494DF}">
-                <a14:hiddenLine xmlns="" xmlns:a16="http://schemas.microsoft.com/office/drawing/2014/main" xmlns:p14="http://schemas.microsoft.com/office/powerpoint/2010/main" xmlns:a14="http://schemas.microsoft.com/office/drawing/2010/main" w="9525">
+                <a14:hiddenLine xmlns:a14="http://schemas.microsoft.com/office/drawing/2010/main" xmlns:p14="http://schemas.microsoft.com/office/powerpoint/2010/main" xmlns:a16="http://schemas.microsoft.com/office/drawing/2014/main" xmlns="" w="9525">
                   <a:solidFill>
                     <a:srgbClr val="000000"/>
                   </a:solidFill>
@@ -23538,7 +23538,7 @@
             </a:ln>
             <a:extLst>
               <a:ext uri="{91240B29-F687-4f45-9708-019B960494DF}">
-                <a14:hiddenLine xmlns="" xmlns:a16="http://schemas.microsoft.com/office/drawing/2014/main" xmlns:p14="http://schemas.microsoft.com/office/powerpoint/2010/main" xmlns:a14="http://schemas.microsoft.com/office/drawing/2010/main" w="9525">
+                <a14:hiddenLine xmlns:a14="http://schemas.microsoft.com/office/drawing/2010/main" xmlns:p14="http://schemas.microsoft.com/office/powerpoint/2010/main" xmlns:a16="http://schemas.microsoft.com/office/drawing/2014/main" xmlns="" w="9525">
                   <a:solidFill>
                     <a:srgbClr val="000000"/>
                   </a:solidFill>
@@ -23643,7 +23643,7 @@
             </a:ln>
             <a:extLst>
               <a:ext uri="{91240B29-F687-4f45-9708-019B960494DF}">
-                <a14:hiddenLine xmlns="" xmlns:a16="http://schemas.microsoft.com/office/drawing/2014/main" xmlns:p14="http://schemas.microsoft.com/office/powerpoint/2010/main" xmlns:a14="http://schemas.microsoft.com/office/drawing/2010/main" w="9525">
+                <a14:hiddenLine xmlns:a14="http://schemas.microsoft.com/office/drawing/2010/main" xmlns:p14="http://schemas.microsoft.com/office/powerpoint/2010/main" xmlns:a16="http://schemas.microsoft.com/office/drawing/2014/main" xmlns="" w="9525">
                   <a:solidFill>
                     <a:srgbClr val="000000"/>
                   </a:solidFill>
@@ -23748,7 +23748,7 @@
             </a:ln>
             <a:extLst>
               <a:ext uri="{91240B29-F687-4f45-9708-019B960494DF}">
-                <a14:hiddenLine xmlns="" xmlns:a16="http://schemas.microsoft.com/office/drawing/2014/main" xmlns:p14="http://schemas.microsoft.com/office/powerpoint/2010/main" xmlns:a14="http://schemas.microsoft.com/office/drawing/2010/main" w="9525">
+                <a14:hiddenLine xmlns:a14="http://schemas.microsoft.com/office/drawing/2010/main" xmlns:p14="http://schemas.microsoft.com/office/powerpoint/2010/main" xmlns:a16="http://schemas.microsoft.com/office/drawing/2014/main" xmlns="" w="9525">
                   <a:solidFill>
                     <a:srgbClr val="000000"/>
                   </a:solidFill>
@@ -23825,7 +23825,7 @@
             </a:ln>
             <a:extLst>
               <a:ext uri="{91240B29-F687-4f45-9708-019B960494DF}">
-                <a14:hiddenLine xmlns="" xmlns:a16="http://schemas.microsoft.com/office/drawing/2014/main" xmlns:p14="http://schemas.microsoft.com/office/powerpoint/2010/main" xmlns:a14="http://schemas.microsoft.com/office/drawing/2010/main" w="9525">
+                <a14:hiddenLine xmlns:a14="http://schemas.microsoft.com/office/drawing/2010/main" xmlns:p14="http://schemas.microsoft.com/office/powerpoint/2010/main" xmlns:a16="http://schemas.microsoft.com/office/drawing/2014/main" xmlns="" w="9525">
                   <a:solidFill>
                     <a:srgbClr val="000000"/>
                   </a:solidFill>
@@ -23960,7 +23960,7 @@
             </a:ln>
             <a:extLst>
               <a:ext uri="{91240B29-F687-4f45-9708-019B960494DF}">
-                <a14:hiddenLine xmlns="" xmlns:a16="http://schemas.microsoft.com/office/drawing/2014/main" xmlns:p14="http://schemas.microsoft.com/office/powerpoint/2010/main" xmlns:a14="http://schemas.microsoft.com/office/drawing/2010/main" w="9525">
+                <a14:hiddenLine xmlns:a14="http://schemas.microsoft.com/office/drawing/2010/main" xmlns:p14="http://schemas.microsoft.com/office/powerpoint/2010/main" xmlns:a16="http://schemas.microsoft.com/office/drawing/2014/main" xmlns="" w="9525">
                   <a:solidFill>
                     <a:srgbClr val="000000"/>
                   </a:solidFill>
@@ -24043,7 +24043,7 @@
             </a:ln>
             <a:extLst>
               <a:ext uri="{91240B29-F687-4f45-9708-019B960494DF}">
-                <a14:hiddenLine xmlns="" xmlns:a16="http://schemas.microsoft.com/office/drawing/2014/main" xmlns:p14="http://schemas.microsoft.com/office/powerpoint/2010/main" xmlns:a14="http://schemas.microsoft.com/office/drawing/2010/main" w="9525">
+                <a14:hiddenLine xmlns:a14="http://schemas.microsoft.com/office/drawing/2010/main" xmlns:p14="http://schemas.microsoft.com/office/powerpoint/2010/main" xmlns:a16="http://schemas.microsoft.com/office/drawing/2014/main" xmlns="" w="9525">
                   <a:solidFill>
                     <a:srgbClr val="000000"/>
                   </a:solidFill>
@@ -24148,7 +24148,7 @@
             </a:ln>
             <a:extLst>
               <a:ext uri="{91240B29-F687-4f45-9708-019B960494DF}">
-                <a14:hiddenLine xmlns="" xmlns:a16="http://schemas.microsoft.com/office/drawing/2014/main" xmlns:p14="http://schemas.microsoft.com/office/powerpoint/2010/main" xmlns:a14="http://schemas.microsoft.com/office/drawing/2010/main" w="9525">
+                <a14:hiddenLine xmlns:a14="http://schemas.microsoft.com/office/drawing/2010/main" xmlns:p14="http://schemas.microsoft.com/office/powerpoint/2010/main" xmlns:a16="http://schemas.microsoft.com/office/drawing/2014/main" xmlns="" w="9525">
                   <a:solidFill>
                     <a:srgbClr val="000000"/>
                   </a:solidFill>
@@ -24209,7 +24209,7 @@
           <a:noFill/>
           <a:extLst>
             <a:ext uri="{909E8E84-426E-40dd-AFC4-6F175D3DCCD1}">
-              <a14:hiddenFill xmlns="" xmlns:a16="http://schemas.microsoft.com/office/drawing/2014/main" xmlns:p14="http://schemas.microsoft.com/office/powerpoint/2010/main" xmlns:a14="http://schemas.microsoft.com/office/drawing/2010/main">
+              <a14:hiddenFill xmlns:a14="http://schemas.microsoft.com/office/drawing/2010/main" xmlns:p14="http://schemas.microsoft.com/office/powerpoint/2010/main" xmlns:a16="http://schemas.microsoft.com/office/drawing/2014/main" xmlns="">
                 <a:solidFill>
                   <a:srgbClr val="FFFFFF"/>
                 </a:solidFill>
@@ -24480,7 +24480,7 @@
           <a:noFill/>
           <a:extLst>
             <a:ext uri="{909E8E84-426E-40dd-AFC4-6F175D3DCCD1}">
-              <a14:hiddenFill xmlns="" xmlns:a16="http://schemas.microsoft.com/office/drawing/2014/main" xmlns:p14="http://schemas.microsoft.com/office/powerpoint/2010/main" xmlns:a14="http://schemas.microsoft.com/office/drawing/2010/main">
+              <a14:hiddenFill xmlns:a14="http://schemas.microsoft.com/office/drawing/2010/main" xmlns:p14="http://schemas.microsoft.com/office/powerpoint/2010/main" xmlns:a16="http://schemas.microsoft.com/office/drawing/2014/main" xmlns="">
                 <a:solidFill>
                   <a:srgbClr val="FFFFFF"/>
                 </a:solidFill>
@@ -24572,7 +24572,7 @@
             </a:ln>
             <a:extLst>
               <a:ext uri="{91240B29-F687-4f45-9708-019B960494DF}">
-                <a14:hiddenLine xmlns="" xmlns:a16="http://schemas.microsoft.com/office/drawing/2014/main" xmlns:p14="http://schemas.microsoft.com/office/powerpoint/2010/main" xmlns:a14="http://schemas.microsoft.com/office/drawing/2010/main" w="9525">
+                <a14:hiddenLine xmlns:a14="http://schemas.microsoft.com/office/drawing/2010/main" xmlns:p14="http://schemas.microsoft.com/office/powerpoint/2010/main" xmlns:a16="http://schemas.microsoft.com/office/drawing/2014/main" xmlns="" w="9525">
                   <a:solidFill>
                     <a:srgbClr val="000000"/>
                   </a:solidFill>
@@ -24677,7 +24677,7 @@
             </a:ln>
             <a:extLst>
               <a:ext uri="{91240B29-F687-4f45-9708-019B960494DF}">
-                <a14:hiddenLine xmlns="" xmlns:a16="http://schemas.microsoft.com/office/drawing/2014/main" xmlns:p14="http://schemas.microsoft.com/office/powerpoint/2010/main" xmlns:a14="http://schemas.microsoft.com/office/drawing/2010/main" w="9525">
+                <a14:hiddenLine xmlns:a14="http://schemas.microsoft.com/office/drawing/2010/main" xmlns:p14="http://schemas.microsoft.com/office/powerpoint/2010/main" xmlns:a16="http://schemas.microsoft.com/office/drawing/2014/main" xmlns="" w="9525">
                   <a:solidFill>
                     <a:srgbClr val="000000"/>
                   </a:solidFill>
@@ -24782,7 +24782,7 @@
             </a:ln>
             <a:extLst>
               <a:ext uri="{91240B29-F687-4f45-9708-019B960494DF}">
-                <a14:hiddenLine xmlns="" xmlns:a16="http://schemas.microsoft.com/office/drawing/2014/main" xmlns:p14="http://schemas.microsoft.com/office/powerpoint/2010/main" xmlns:a14="http://schemas.microsoft.com/office/drawing/2010/main" w="9525">
+                <a14:hiddenLine xmlns:a14="http://schemas.microsoft.com/office/drawing/2010/main" xmlns:p14="http://schemas.microsoft.com/office/powerpoint/2010/main" xmlns:a16="http://schemas.microsoft.com/office/drawing/2014/main" xmlns="" w="9525">
                   <a:solidFill>
                     <a:srgbClr val="000000"/>
                   </a:solidFill>
@@ -24831,7 +24831,7 @@
             </a:ln>
             <a:extLst>
               <a:ext uri="{91240B29-F687-4f45-9708-019B960494DF}">
-                <a14:hiddenLine xmlns="" xmlns:a16="http://schemas.microsoft.com/office/drawing/2014/main" xmlns:p14="http://schemas.microsoft.com/office/powerpoint/2010/main" xmlns:a14="http://schemas.microsoft.com/office/drawing/2010/main" w="9525">
+                <a14:hiddenLine xmlns:a14="http://schemas.microsoft.com/office/drawing/2010/main" xmlns:p14="http://schemas.microsoft.com/office/powerpoint/2010/main" xmlns:a16="http://schemas.microsoft.com/office/drawing/2014/main" xmlns="" w="9525">
                   <a:solidFill>
                     <a:srgbClr val="000000"/>
                   </a:solidFill>
@@ -24936,7 +24936,7 @@
             </a:ln>
             <a:extLst>
               <a:ext uri="{91240B29-F687-4f45-9708-019B960494DF}">
-                <a14:hiddenLine xmlns="" xmlns:a16="http://schemas.microsoft.com/office/drawing/2014/main" xmlns:p14="http://schemas.microsoft.com/office/powerpoint/2010/main" xmlns:a14="http://schemas.microsoft.com/office/drawing/2010/main" w="9525">
+                <a14:hiddenLine xmlns:a14="http://schemas.microsoft.com/office/drawing/2010/main" xmlns:p14="http://schemas.microsoft.com/office/powerpoint/2010/main" xmlns:a16="http://schemas.microsoft.com/office/drawing/2014/main" xmlns="" w="9525">
                   <a:solidFill>
                     <a:srgbClr val="000000"/>
                   </a:solidFill>
@@ -25013,7 +25013,7 @@
             </a:ln>
             <a:extLst>
               <a:ext uri="{91240B29-F687-4f45-9708-019B960494DF}">
-                <a14:hiddenLine xmlns="" xmlns:a16="http://schemas.microsoft.com/office/drawing/2014/main" xmlns:p14="http://schemas.microsoft.com/office/powerpoint/2010/main" xmlns:a14="http://schemas.microsoft.com/office/drawing/2010/main" w="9525">
+                <a14:hiddenLine xmlns:a14="http://schemas.microsoft.com/office/drawing/2010/main" xmlns:p14="http://schemas.microsoft.com/office/powerpoint/2010/main" xmlns:a16="http://schemas.microsoft.com/office/drawing/2014/main" xmlns="" w="9525">
                   <a:solidFill>
                     <a:srgbClr val="000000"/>
                   </a:solidFill>
@@ -25090,7 +25090,7 @@
             </a:ln>
             <a:extLst>
               <a:ext uri="{91240B29-F687-4f45-9708-019B960494DF}">
-                <a14:hiddenLine xmlns="" xmlns:a16="http://schemas.microsoft.com/office/drawing/2014/main" xmlns:p14="http://schemas.microsoft.com/office/powerpoint/2010/main" xmlns:a14="http://schemas.microsoft.com/office/drawing/2010/main" w="9525">
+                <a14:hiddenLine xmlns:a14="http://schemas.microsoft.com/office/drawing/2010/main" xmlns:p14="http://schemas.microsoft.com/office/powerpoint/2010/main" xmlns:a16="http://schemas.microsoft.com/office/drawing/2014/main" xmlns="" w="9525">
                   <a:solidFill>
                     <a:srgbClr val="000000"/>
                   </a:solidFill>
@@ -25195,7 +25195,7 @@
             </a:ln>
             <a:extLst>
               <a:ext uri="{91240B29-F687-4f45-9708-019B960494DF}">
-                <a14:hiddenLine xmlns="" xmlns:a16="http://schemas.microsoft.com/office/drawing/2014/main" xmlns:p14="http://schemas.microsoft.com/office/powerpoint/2010/main" xmlns:a14="http://schemas.microsoft.com/office/drawing/2010/main" w="9525">
+                <a14:hiddenLine xmlns:a14="http://schemas.microsoft.com/office/drawing/2010/main" xmlns:p14="http://schemas.microsoft.com/office/powerpoint/2010/main" xmlns:a16="http://schemas.microsoft.com/office/drawing/2014/main" xmlns="" w="9525">
                   <a:solidFill>
                     <a:srgbClr val="000000"/>
                   </a:solidFill>
@@ -25272,7 +25272,7 @@
             </a:ln>
             <a:extLst>
               <a:ext uri="{91240B29-F687-4f45-9708-019B960494DF}">
-                <a14:hiddenLine xmlns="" xmlns:a16="http://schemas.microsoft.com/office/drawing/2014/main" xmlns:p14="http://schemas.microsoft.com/office/powerpoint/2010/main" xmlns:a14="http://schemas.microsoft.com/office/drawing/2010/main" w="9525">
+                <a14:hiddenLine xmlns:a14="http://schemas.microsoft.com/office/drawing/2010/main" xmlns:p14="http://schemas.microsoft.com/office/powerpoint/2010/main" xmlns:a16="http://schemas.microsoft.com/office/drawing/2014/main" xmlns="" w="9525">
                   <a:solidFill>
                     <a:srgbClr val="000000"/>
                   </a:solidFill>
@@ -25349,7 +25349,7 @@
             </a:ln>
             <a:extLst>
               <a:ext uri="{91240B29-F687-4f45-9708-019B960494DF}">
-                <a14:hiddenLine xmlns="" xmlns:a16="http://schemas.microsoft.com/office/drawing/2014/main" xmlns:p14="http://schemas.microsoft.com/office/powerpoint/2010/main" xmlns:a14="http://schemas.microsoft.com/office/drawing/2010/main" w="9525">
+                <a14:hiddenLine xmlns:a14="http://schemas.microsoft.com/office/drawing/2010/main" xmlns:p14="http://schemas.microsoft.com/office/powerpoint/2010/main" xmlns:a16="http://schemas.microsoft.com/office/drawing/2014/main" xmlns="" w="9525">
                   <a:solidFill>
                     <a:srgbClr val="000000"/>
                   </a:solidFill>
@@ -25454,7 +25454,7 @@
             </a:ln>
             <a:extLst>
               <a:ext uri="{91240B29-F687-4f45-9708-019B960494DF}">
-                <a14:hiddenLine xmlns="" xmlns:a16="http://schemas.microsoft.com/office/drawing/2014/main" xmlns:p14="http://schemas.microsoft.com/office/powerpoint/2010/main" xmlns:a14="http://schemas.microsoft.com/office/drawing/2010/main" w="9525">
+                <a14:hiddenLine xmlns:a14="http://schemas.microsoft.com/office/drawing/2010/main" xmlns:p14="http://schemas.microsoft.com/office/powerpoint/2010/main" xmlns:a16="http://schemas.microsoft.com/office/drawing/2014/main" xmlns="" w="9525">
                   <a:solidFill>
                     <a:srgbClr val="000000"/>
                   </a:solidFill>
@@ -25559,7 +25559,7 @@
             </a:ln>
             <a:extLst>
               <a:ext uri="{91240B29-F687-4f45-9708-019B960494DF}">
-                <a14:hiddenLine xmlns="" xmlns:a16="http://schemas.microsoft.com/office/drawing/2014/main" xmlns:p14="http://schemas.microsoft.com/office/powerpoint/2010/main" xmlns:a14="http://schemas.microsoft.com/office/drawing/2010/main" w="9525">
+                <a14:hiddenLine xmlns:a14="http://schemas.microsoft.com/office/drawing/2010/main" xmlns:p14="http://schemas.microsoft.com/office/powerpoint/2010/main" xmlns:a16="http://schemas.microsoft.com/office/drawing/2014/main" xmlns="" w="9525">
                   <a:solidFill>
                     <a:srgbClr val="000000"/>
                   </a:solidFill>
@@ -25636,7 +25636,7 @@
             </a:ln>
             <a:extLst>
               <a:ext uri="{91240B29-F687-4f45-9708-019B960494DF}">
-                <a14:hiddenLine xmlns="" xmlns:a16="http://schemas.microsoft.com/office/drawing/2014/main" xmlns:p14="http://schemas.microsoft.com/office/powerpoint/2010/main" xmlns:a14="http://schemas.microsoft.com/office/drawing/2010/main" w="9525">
+                <a14:hiddenLine xmlns:a14="http://schemas.microsoft.com/office/drawing/2010/main" xmlns:p14="http://schemas.microsoft.com/office/powerpoint/2010/main" xmlns:a16="http://schemas.microsoft.com/office/drawing/2014/main" xmlns="" w="9525">
                   <a:solidFill>
                     <a:srgbClr val="000000"/>
                   </a:solidFill>
@@ -25761,7 +25761,7 @@
             </a:ln>
             <a:extLst>
               <a:ext uri="{91240B29-F687-4f45-9708-019B960494DF}">
-                <a14:hiddenLine xmlns="" xmlns:a16="http://schemas.microsoft.com/office/drawing/2014/main" xmlns:p14="http://schemas.microsoft.com/office/powerpoint/2010/main" xmlns:a14="http://schemas.microsoft.com/office/drawing/2010/main" w="9525">
+                <a14:hiddenLine xmlns:a14="http://schemas.microsoft.com/office/drawing/2010/main" xmlns:p14="http://schemas.microsoft.com/office/powerpoint/2010/main" xmlns:a16="http://schemas.microsoft.com/office/drawing/2014/main" xmlns="" w="9525">
                   <a:solidFill>
                     <a:srgbClr val="000000"/>
                   </a:solidFill>
@@ -25838,7 +25838,7 @@
             </a:ln>
             <a:extLst>
               <a:ext uri="{91240B29-F687-4f45-9708-019B960494DF}">
-                <a14:hiddenLine xmlns="" xmlns:a16="http://schemas.microsoft.com/office/drawing/2014/main" xmlns:p14="http://schemas.microsoft.com/office/powerpoint/2010/main" xmlns:a14="http://schemas.microsoft.com/office/drawing/2010/main" w="9525">
+                <a14:hiddenLine xmlns:a14="http://schemas.microsoft.com/office/drawing/2010/main" xmlns:p14="http://schemas.microsoft.com/office/powerpoint/2010/main" xmlns:a16="http://schemas.microsoft.com/office/drawing/2014/main" xmlns="" w="9525">
                   <a:solidFill>
                     <a:srgbClr val="000000"/>
                   </a:solidFill>
@@ -25943,7 +25943,7 @@
             </a:ln>
             <a:extLst>
               <a:ext uri="{91240B29-F687-4f45-9708-019B960494DF}">
-                <a14:hiddenLine xmlns="" xmlns:a16="http://schemas.microsoft.com/office/drawing/2014/main" xmlns:p14="http://schemas.microsoft.com/office/powerpoint/2010/main" xmlns:a14="http://schemas.microsoft.com/office/drawing/2010/main" w="9525">
+                <a14:hiddenLine xmlns:a14="http://schemas.microsoft.com/office/drawing/2010/main" xmlns:p14="http://schemas.microsoft.com/office/powerpoint/2010/main" xmlns:a16="http://schemas.microsoft.com/office/drawing/2014/main" xmlns="" w="9525">
                   <a:solidFill>
                     <a:srgbClr val="000000"/>
                   </a:solidFill>
@@ -26048,7 +26048,7 @@
             </a:ln>
             <a:extLst>
               <a:ext uri="{91240B29-F687-4f45-9708-019B960494DF}">
-                <a14:hiddenLine xmlns="" xmlns:a16="http://schemas.microsoft.com/office/drawing/2014/main" xmlns:p14="http://schemas.microsoft.com/office/powerpoint/2010/main" xmlns:a14="http://schemas.microsoft.com/office/drawing/2010/main" w="9525">
+                <a14:hiddenLine xmlns:a14="http://schemas.microsoft.com/office/drawing/2010/main" xmlns:p14="http://schemas.microsoft.com/office/powerpoint/2010/main" xmlns:a16="http://schemas.microsoft.com/office/drawing/2014/main" xmlns="" w="9525">
                   <a:solidFill>
                     <a:srgbClr val="000000"/>
                   </a:solidFill>
@@ -26125,7 +26125,7 @@
             </a:ln>
             <a:extLst>
               <a:ext uri="{91240B29-F687-4f45-9708-019B960494DF}">
-                <a14:hiddenLine xmlns="" xmlns:a16="http://schemas.microsoft.com/office/drawing/2014/main" xmlns:p14="http://schemas.microsoft.com/office/powerpoint/2010/main" xmlns:a14="http://schemas.microsoft.com/office/drawing/2010/main" w="9525">
+                <a14:hiddenLine xmlns:a14="http://schemas.microsoft.com/office/drawing/2010/main" xmlns:p14="http://schemas.microsoft.com/office/powerpoint/2010/main" xmlns:a16="http://schemas.microsoft.com/office/drawing/2014/main" xmlns="" w="9525">
                   <a:solidFill>
                     <a:srgbClr val="000000"/>
                   </a:solidFill>
@@ -26230,7 +26230,7 @@
             </a:ln>
             <a:extLst>
               <a:ext uri="{91240B29-F687-4f45-9708-019B960494DF}">
-                <a14:hiddenLine xmlns="" xmlns:a16="http://schemas.microsoft.com/office/drawing/2014/main" xmlns:p14="http://schemas.microsoft.com/office/powerpoint/2010/main" xmlns:a14="http://schemas.microsoft.com/office/drawing/2010/main" w="9525">
+                <a14:hiddenLine xmlns:a14="http://schemas.microsoft.com/office/drawing/2010/main" xmlns:p14="http://schemas.microsoft.com/office/powerpoint/2010/main" xmlns:a16="http://schemas.microsoft.com/office/drawing/2014/main" xmlns="" w="9525">
                   <a:solidFill>
                     <a:srgbClr val="000000"/>
                   </a:solidFill>
@@ -26335,7 +26335,7 @@
             </a:ln>
             <a:extLst>
               <a:ext uri="{91240B29-F687-4f45-9708-019B960494DF}">
-                <a14:hiddenLine xmlns="" xmlns:a16="http://schemas.microsoft.com/office/drawing/2014/main" xmlns:p14="http://schemas.microsoft.com/office/powerpoint/2010/main" xmlns:a14="http://schemas.microsoft.com/office/drawing/2010/main" w="9525">
+                <a14:hiddenLine xmlns:a14="http://schemas.microsoft.com/office/drawing/2010/main" xmlns:p14="http://schemas.microsoft.com/office/powerpoint/2010/main" xmlns:a16="http://schemas.microsoft.com/office/drawing/2014/main" xmlns="" w="9525">
                   <a:solidFill>
                     <a:srgbClr val="000000"/>
                   </a:solidFill>
@@ -26406,7 +26406,7 @@
             </a:ln>
             <a:extLst>
               <a:ext uri="{91240B29-F687-4f45-9708-019B960494DF}">
-                <a14:hiddenLine xmlns="" xmlns:a16="http://schemas.microsoft.com/office/drawing/2014/main" xmlns:p14="http://schemas.microsoft.com/office/powerpoint/2010/main" xmlns:a14="http://schemas.microsoft.com/office/drawing/2010/main" w="9525">
+                <a14:hiddenLine xmlns:a14="http://schemas.microsoft.com/office/drawing/2010/main" xmlns:p14="http://schemas.microsoft.com/office/powerpoint/2010/main" xmlns:a16="http://schemas.microsoft.com/office/drawing/2014/main" xmlns="" w="9525">
                   <a:solidFill>
                     <a:srgbClr val="000000"/>
                   </a:solidFill>
@@ -26511,7 +26511,7 @@
             </a:ln>
             <a:extLst>
               <a:ext uri="{91240B29-F687-4f45-9708-019B960494DF}">
-                <a14:hiddenLine xmlns="" xmlns:a16="http://schemas.microsoft.com/office/drawing/2014/main" xmlns:p14="http://schemas.microsoft.com/office/powerpoint/2010/main" xmlns:a14="http://schemas.microsoft.com/office/drawing/2010/main" w="9525">
+                <a14:hiddenLine xmlns:a14="http://schemas.microsoft.com/office/drawing/2010/main" xmlns:p14="http://schemas.microsoft.com/office/powerpoint/2010/main" xmlns:a16="http://schemas.microsoft.com/office/drawing/2014/main" xmlns="" w="9525">
                   <a:solidFill>
                     <a:srgbClr val="000000"/>
                   </a:solidFill>
@@ -26582,7 +26582,7 @@
             </a:ln>
             <a:extLst>
               <a:ext uri="{91240B29-F687-4f45-9708-019B960494DF}">
-                <a14:hiddenLine xmlns="" xmlns:a16="http://schemas.microsoft.com/office/drawing/2014/main" xmlns:p14="http://schemas.microsoft.com/office/powerpoint/2010/main" xmlns:a14="http://schemas.microsoft.com/office/drawing/2010/main" w="9525">
+                <a14:hiddenLine xmlns:a14="http://schemas.microsoft.com/office/drawing/2010/main" xmlns:p14="http://schemas.microsoft.com/office/powerpoint/2010/main" xmlns:a16="http://schemas.microsoft.com/office/drawing/2014/main" xmlns="" w="9525">
                   <a:solidFill>
                     <a:srgbClr val="000000"/>
                   </a:solidFill>
@@ -26687,7 +26687,7 @@
             </a:ln>
             <a:extLst>
               <a:ext uri="{91240B29-F687-4f45-9708-019B960494DF}">
-                <a14:hiddenLine xmlns="" xmlns:a16="http://schemas.microsoft.com/office/drawing/2014/main" xmlns:p14="http://schemas.microsoft.com/office/powerpoint/2010/main" xmlns:a14="http://schemas.microsoft.com/office/drawing/2010/main" w="9525">
+                <a14:hiddenLine xmlns:a14="http://schemas.microsoft.com/office/drawing/2010/main" xmlns:p14="http://schemas.microsoft.com/office/powerpoint/2010/main" xmlns:a16="http://schemas.microsoft.com/office/drawing/2014/main" xmlns="" w="9525">
                   <a:solidFill>
                     <a:srgbClr val="000000"/>
                   </a:solidFill>
@@ -26770,7 +26770,7 @@
             </a:ln>
             <a:extLst>
               <a:ext uri="{91240B29-F687-4f45-9708-019B960494DF}">
-                <a14:hiddenLine xmlns="" xmlns:a16="http://schemas.microsoft.com/office/drawing/2014/main" xmlns:p14="http://schemas.microsoft.com/office/powerpoint/2010/main" xmlns:a14="http://schemas.microsoft.com/office/drawing/2010/main" w="9525">
+                <a14:hiddenLine xmlns:a14="http://schemas.microsoft.com/office/drawing/2010/main" xmlns:p14="http://schemas.microsoft.com/office/powerpoint/2010/main" xmlns:a16="http://schemas.microsoft.com/office/drawing/2014/main" xmlns="" w="9525">
                   <a:solidFill>
                     <a:srgbClr val="000000"/>
                   </a:solidFill>
@@ -26875,7 +26875,7 @@
             </a:ln>
             <a:extLst>
               <a:ext uri="{91240B29-F687-4f45-9708-019B960494DF}">
-                <a14:hiddenLine xmlns="" xmlns:a16="http://schemas.microsoft.com/office/drawing/2014/main" xmlns:p14="http://schemas.microsoft.com/office/powerpoint/2010/main" xmlns:a14="http://schemas.microsoft.com/office/drawing/2010/main" w="9525">
+                <a14:hiddenLine xmlns:a14="http://schemas.microsoft.com/office/drawing/2010/main" xmlns:p14="http://schemas.microsoft.com/office/powerpoint/2010/main" xmlns:a16="http://schemas.microsoft.com/office/drawing/2014/main" xmlns="" w="9525">
                   <a:solidFill>
                     <a:srgbClr val="000000"/>
                   </a:solidFill>
@@ -26958,7 +26958,7 @@
             </a:ln>
             <a:extLst>
               <a:ext uri="{91240B29-F687-4f45-9708-019B960494DF}">
-                <a14:hiddenLine xmlns="" xmlns:a16="http://schemas.microsoft.com/office/drawing/2014/main" xmlns:p14="http://schemas.microsoft.com/office/powerpoint/2010/main" xmlns:a14="http://schemas.microsoft.com/office/drawing/2010/main" w="9525">
+                <a14:hiddenLine xmlns:a14="http://schemas.microsoft.com/office/drawing/2010/main" xmlns:p14="http://schemas.microsoft.com/office/powerpoint/2010/main" xmlns:a16="http://schemas.microsoft.com/office/drawing/2014/main" xmlns="" w="9525">
                   <a:solidFill>
                     <a:srgbClr val="000000"/>
                   </a:solidFill>
@@ -27063,7 +27063,7 @@
             </a:ln>
             <a:extLst>
               <a:ext uri="{91240B29-F687-4f45-9708-019B960494DF}">
-                <a14:hiddenLine xmlns="" xmlns:a16="http://schemas.microsoft.com/office/drawing/2014/main" xmlns:p14="http://schemas.microsoft.com/office/powerpoint/2010/main" xmlns:a14="http://schemas.microsoft.com/office/drawing/2010/main" w="9525">
+                <a14:hiddenLine xmlns:a14="http://schemas.microsoft.com/office/drawing/2010/main" xmlns:p14="http://schemas.microsoft.com/office/powerpoint/2010/main" xmlns:a16="http://schemas.microsoft.com/office/drawing/2014/main" xmlns="" w="9525">
                   <a:solidFill>
                     <a:srgbClr val="000000"/>
                   </a:solidFill>
@@ -27112,7 +27112,7 @@
             </a:ln>
             <a:extLst>
               <a:ext uri="{91240B29-F687-4f45-9708-019B960494DF}">
-                <a14:hiddenLine xmlns="" xmlns:a16="http://schemas.microsoft.com/office/drawing/2014/main" xmlns:p14="http://schemas.microsoft.com/office/powerpoint/2010/main" xmlns:a14="http://schemas.microsoft.com/office/drawing/2010/main" w="9525">
+                <a14:hiddenLine xmlns:a14="http://schemas.microsoft.com/office/drawing/2010/main" xmlns:p14="http://schemas.microsoft.com/office/powerpoint/2010/main" xmlns:a16="http://schemas.microsoft.com/office/drawing/2014/main" xmlns="" w="9525">
                   <a:solidFill>
                     <a:srgbClr val="000000"/>
                   </a:solidFill>
@@ -27217,7 +27217,7 @@
             </a:ln>
             <a:extLst>
               <a:ext uri="{91240B29-F687-4f45-9708-019B960494DF}">
-                <a14:hiddenLine xmlns="" xmlns:a16="http://schemas.microsoft.com/office/drawing/2014/main" xmlns:p14="http://schemas.microsoft.com/office/powerpoint/2010/main" xmlns:a14="http://schemas.microsoft.com/office/drawing/2010/main" w="9525">
+                <a14:hiddenLine xmlns:a14="http://schemas.microsoft.com/office/drawing/2010/main" xmlns:p14="http://schemas.microsoft.com/office/powerpoint/2010/main" xmlns:a16="http://schemas.microsoft.com/office/drawing/2014/main" xmlns="" w="9525">
                   <a:solidFill>
                     <a:srgbClr val="000000"/>
                   </a:solidFill>
@@ -27294,7 +27294,7 @@
             </a:ln>
             <a:extLst>
               <a:ext uri="{91240B29-F687-4f45-9708-019B960494DF}">
-                <a14:hiddenLine xmlns="" xmlns:a16="http://schemas.microsoft.com/office/drawing/2014/main" xmlns:p14="http://schemas.microsoft.com/office/powerpoint/2010/main" xmlns:a14="http://schemas.microsoft.com/office/drawing/2010/main" w="9525">
+                <a14:hiddenLine xmlns:a14="http://schemas.microsoft.com/office/drawing/2010/main" xmlns:p14="http://schemas.microsoft.com/office/powerpoint/2010/main" xmlns:a16="http://schemas.microsoft.com/office/drawing/2014/main" xmlns="" w="9525">
                   <a:solidFill>
                     <a:srgbClr val="000000"/>
                   </a:solidFill>
@@ -27371,7 +27371,7 @@
             </a:ln>
             <a:extLst>
               <a:ext uri="{91240B29-F687-4f45-9708-019B960494DF}">
-                <a14:hiddenLine xmlns="" xmlns:a16="http://schemas.microsoft.com/office/drawing/2014/main" xmlns:p14="http://schemas.microsoft.com/office/powerpoint/2010/main" xmlns:a14="http://schemas.microsoft.com/office/drawing/2010/main" w="9525">
+                <a14:hiddenLine xmlns:a14="http://schemas.microsoft.com/office/drawing/2010/main" xmlns:p14="http://schemas.microsoft.com/office/powerpoint/2010/main" xmlns:a16="http://schemas.microsoft.com/office/drawing/2014/main" xmlns="" w="9525">
                   <a:solidFill>
                     <a:srgbClr val="000000"/>
                   </a:solidFill>
@@ -27476,7 +27476,7 @@
             </a:ln>
             <a:extLst>
               <a:ext uri="{91240B29-F687-4f45-9708-019B960494DF}">
-                <a14:hiddenLine xmlns="" xmlns:a16="http://schemas.microsoft.com/office/drawing/2014/main" xmlns:p14="http://schemas.microsoft.com/office/powerpoint/2010/main" xmlns:a14="http://schemas.microsoft.com/office/drawing/2010/main" w="9525">
+                <a14:hiddenLine xmlns:a14="http://schemas.microsoft.com/office/drawing/2010/main" xmlns:p14="http://schemas.microsoft.com/office/powerpoint/2010/main" xmlns:a16="http://schemas.microsoft.com/office/drawing/2014/main" xmlns="" w="9525">
                   <a:solidFill>
                     <a:srgbClr val="000000"/>
                   </a:solidFill>
@@ -27559,7 +27559,7 @@
             </a:ln>
             <a:extLst>
               <a:ext uri="{91240B29-F687-4f45-9708-019B960494DF}">
-                <a14:hiddenLine xmlns="" xmlns:a16="http://schemas.microsoft.com/office/drawing/2014/main" xmlns:p14="http://schemas.microsoft.com/office/powerpoint/2010/main" xmlns:a14="http://schemas.microsoft.com/office/drawing/2010/main" w="9525">
+                <a14:hiddenLine xmlns:a14="http://schemas.microsoft.com/office/drawing/2010/main" xmlns:p14="http://schemas.microsoft.com/office/powerpoint/2010/main" xmlns:a16="http://schemas.microsoft.com/office/drawing/2014/main" xmlns="" w="9525">
                   <a:solidFill>
                     <a:srgbClr val="000000"/>
                   </a:solidFill>
@@ -27636,7 +27636,7 @@
             </a:ln>
             <a:extLst>
               <a:ext uri="{91240B29-F687-4f45-9708-019B960494DF}">
-                <a14:hiddenLine xmlns="" xmlns:a16="http://schemas.microsoft.com/office/drawing/2014/main" xmlns:p14="http://schemas.microsoft.com/office/powerpoint/2010/main" xmlns:a14="http://schemas.microsoft.com/office/drawing/2010/main" w="9525">
+                <a14:hiddenLine xmlns:a14="http://schemas.microsoft.com/office/drawing/2010/main" xmlns:p14="http://schemas.microsoft.com/office/powerpoint/2010/main" xmlns:a16="http://schemas.microsoft.com/office/drawing/2014/main" xmlns="" w="9525">
                   <a:solidFill>
                     <a:srgbClr val="000000"/>
                   </a:solidFill>
@@ -27741,7 +27741,7 @@
             </a:ln>
             <a:extLst>
               <a:ext uri="{91240B29-F687-4f45-9708-019B960494DF}">
-                <a14:hiddenLine xmlns="" xmlns:a16="http://schemas.microsoft.com/office/drawing/2014/main" xmlns:p14="http://schemas.microsoft.com/office/powerpoint/2010/main" xmlns:a14="http://schemas.microsoft.com/office/drawing/2010/main" w="9525">
+                <a14:hiddenLine xmlns:a14="http://schemas.microsoft.com/office/drawing/2010/main" xmlns:p14="http://schemas.microsoft.com/office/powerpoint/2010/main" xmlns:a16="http://schemas.microsoft.com/office/drawing/2014/main" xmlns="" w="9525">
                   <a:solidFill>
                     <a:srgbClr val="000000"/>
                   </a:solidFill>
@@ -27818,7 +27818,7 @@
             </a:ln>
             <a:extLst>
               <a:ext uri="{91240B29-F687-4f45-9708-019B960494DF}">
-                <a14:hiddenLine xmlns="" xmlns:a16="http://schemas.microsoft.com/office/drawing/2014/main" xmlns:p14="http://schemas.microsoft.com/office/powerpoint/2010/main" xmlns:a14="http://schemas.microsoft.com/office/drawing/2010/main" w="9525">
+                <a14:hiddenLine xmlns:a14="http://schemas.microsoft.com/office/drawing/2010/main" xmlns:p14="http://schemas.microsoft.com/office/powerpoint/2010/main" xmlns:a16="http://schemas.microsoft.com/office/drawing/2014/main" xmlns="" w="9525">
                   <a:solidFill>
                     <a:srgbClr val="000000"/>
                   </a:solidFill>
@@ -27923,7 +27923,7 @@
             </a:ln>
             <a:extLst>
               <a:ext uri="{91240B29-F687-4f45-9708-019B960494DF}">
-                <a14:hiddenLine xmlns="" xmlns:a16="http://schemas.microsoft.com/office/drawing/2014/main" xmlns:p14="http://schemas.microsoft.com/office/powerpoint/2010/main" xmlns:a14="http://schemas.microsoft.com/office/drawing/2010/main" w="9525">
+                <a14:hiddenLine xmlns:a14="http://schemas.microsoft.com/office/drawing/2010/main" xmlns:p14="http://schemas.microsoft.com/office/powerpoint/2010/main" xmlns:a16="http://schemas.microsoft.com/office/drawing/2014/main" xmlns="" w="9525">
                   <a:solidFill>
                     <a:srgbClr val="000000"/>
                   </a:solidFill>
@@ -28000,7 +28000,7 @@
             </a:ln>
             <a:extLst>
               <a:ext uri="{91240B29-F687-4f45-9708-019B960494DF}">
-                <a14:hiddenLine xmlns="" xmlns:a16="http://schemas.microsoft.com/office/drawing/2014/main" xmlns:p14="http://schemas.microsoft.com/office/powerpoint/2010/main" xmlns:a14="http://schemas.microsoft.com/office/drawing/2010/main" w="9525">
+                <a14:hiddenLine xmlns:a14="http://schemas.microsoft.com/office/drawing/2010/main" xmlns:p14="http://schemas.microsoft.com/office/powerpoint/2010/main" xmlns:a16="http://schemas.microsoft.com/office/drawing/2014/main" xmlns="" w="9525">
                   <a:solidFill>
                     <a:srgbClr val="000000"/>
                   </a:solidFill>
@@ -28105,7 +28105,7 @@
             </a:ln>
             <a:extLst>
               <a:ext uri="{91240B29-F687-4f45-9708-019B960494DF}">
-                <a14:hiddenLine xmlns="" xmlns:a16="http://schemas.microsoft.com/office/drawing/2014/main" xmlns:p14="http://schemas.microsoft.com/office/powerpoint/2010/main" xmlns:a14="http://schemas.microsoft.com/office/drawing/2010/main" w="9525">
+                <a14:hiddenLine xmlns:a14="http://schemas.microsoft.com/office/drawing/2010/main" xmlns:p14="http://schemas.microsoft.com/office/powerpoint/2010/main" xmlns:a16="http://schemas.microsoft.com/office/drawing/2014/main" xmlns="" w="9525">
                   <a:solidFill>
                     <a:srgbClr val="000000"/>
                   </a:solidFill>
@@ -28154,7 +28154,7 @@
             </a:ln>
             <a:extLst>
               <a:ext uri="{91240B29-F687-4f45-9708-019B960494DF}">
-                <a14:hiddenLine xmlns="" xmlns:a16="http://schemas.microsoft.com/office/drawing/2014/main" xmlns:p14="http://schemas.microsoft.com/office/powerpoint/2010/main" xmlns:a14="http://schemas.microsoft.com/office/drawing/2010/main" w="9525">
+                <a14:hiddenLine xmlns:a14="http://schemas.microsoft.com/office/drawing/2010/main" xmlns:p14="http://schemas.microsoft.com/office/powerpoint/2010/main" xmlns:a16="http://schemas.microsoft.com/office/drawing/2014/main" xmlns="" w="9525">
                   <a:solidFill>
                     <a:srgbClr val="000000"/>
                   </a:solidFill>
@@ -28234,7 +28234,7 @@
             </a:ln>
             <a:extLst>
               <a:ext uri="{91240B29-F687-4f45-9708-019B960494DF}">
-                <a14:hiddenLine xmlns="" xmlns:a16="http://schemas.microsoft.com/office/drawing/2014/main" xmlns:p14="http://schemas.microsoft.com/office/powerpoint/2010/main" xmlns:a14="http://schemas.microsoft.com/office/drawing/2010/main" w="9525">
+                <a14:hiddenLine xmlns:a14="http://schemas.microsoft.com/office/drawing/2010/main" xmlns:p14="http://schemas.microsoft.com/office/powerpoint/2010/main" xmlns:a16="http://schemas.microsoft.com/office/drawing/2014/main" xmlns="" w="9525">
                   <a:solidFill>
                     <a:srgbClr val="000000"/>
                   </a:solidFill>
@@ -28339,7 +28339,7 @@
             </a:ln>
             <a:extLst>
               <a:ext uri="{91240B29-F687-4f45-9708-019B960494DF}">
-                <a14:hiddenLine xmlns="" xmlns:a16="http://schemas.microsoft.com/office/drawing/2014/main" xmlns:p14="http://schemas.microsoft.com/office/powerpoint/2010/main" xmlns:a14="http://schemas.microsoft.com/office/drawing/2010/main" w="9525">
+                <a14:hiddenLine xmlns:a14="http://schemas.microsoft.com/office/drawing/2010/main" xmlns:p14="http://schemas.microsoft.com/office/powerpoint/2010/main" xmlns:a16="http://schemas.microsoft.com/office/drawing/2014/main" xmlns="" w="9525">
                   <a:solidFill>
                     <a:srgbClr val="000000"/>
                   </a:solidFill>
@@ -28416,7 +28416,7 @@
             </a:ln>
             <a:extLst>
               <a:ext uri="{91240B29-F687-4f45-9708-019B960494DF}">
-                <a14:hiddenLine xmlns="" xmlns:a16="http://schemas.microsoft.com/office/drawing/2014/main" xmlns:p14="http://schemas.microsoft.com/office/powerpoint/2010/main" xmlns:a14="http://schemas.microsoft.com/office/drawing/2010/main" w="9525">
+                <a14:hiddenLine xmlns:a14="http://schemas.microsoft.com/office/drawing/2010/main" xmlns:p14="http://schemas.microsoft.com/office/powerpoint/2010/main" xmlns:a16="http://schemas.microsoft.com/office/drawing/2014/main" xmlns="" w="9525">
                   <a:solidFill>
                     <a:srgbClr val="000000"/>
                   </a:solidFill>
@@ -28521,7 +28521,7 @@
             </a:ln>
             <a:extLst>
               <a:ext uri="{91240B29-F687-4f45-9708-019B960494DF}">
-                <a14:hiddenLine xmlns="" xmlns:a16="http://schemas.microsoft.com/office/drawing/2014/main" xmlns:p14="http://schemas.microsoft.com/office/powerpoint/2010/main" xmlns:a14="http://schemas.microsoft.com/office/drawing/2010/main" w="9525">
+                <a14:hiddenLine xmlns:a14="http://schemas.microsoft.com/office/drawing/2010/main" xmlns:p14="http://schemas.microsoft.com/office/powerpoint/2010/main" xmlns:a16="http://schemas.microsoft.com/office/drawing/2014/main" xmlns="" w="9525">
                   <a:solidFill>
                     <a:srgbClr val="000000"/>
                   </a:solidFill>
@@ -28626,7 +28626,7 @@
             </a:ln>
             <a:extLst>
               <a:ext uri="{91240B29-F687-4f45-9708-019B960494DF}">
-                <a14:hiddenLine xmlns="" xmlns:a16="http://schemas.microsoft.com/office/drawing/2014/main" xmlns:p14="http://schemas.microsoft.com/office/powerpoint/2010/main" xmlns:a14="http://schemas.microsoft.com/office/drawing/2010/main" w="9525">
+                <a14:hiddenLine xmlns:a14="http://schemas.microsoft.com/office/drawing/2010/main" xmlns:p14="http://schemas.microsoft.com/office/powerpoint/2010/main" xmlns:a16="http://schemas.microsoft.com/office/drawing/2014/main" xmlns="" w="9525">
                   <a:solidFill>
                     <a:srgbClr val="000000"/>
                   </a:solidFill>
@@ -28706,7 +28706,7 @@
             </a:ln>
             <a:extLst>
               <a:ext uri="{91240B29-F687-4f45-9708-019B960494DF}">
-                <a14:hiddenLine xmlns="" xmlns:a16="http://schemas.microsoft.com/office/drawing/2014/main" xmlns:p14="http://schemas.microsoft.com/office/powerpoint/2010/main" xmlns:a14="http://schemas.microsoft.com/office/drawing/2010/main" w="9525">
+                <a14:hiddenLine xmlns:a14="http://schemas.microsoft.com/office/drawing/2010/main" xmlns:p14="http://schemas.microsoft.com/office/powerpoint/2010/main" xmlns:a16="http://schemas.microsoft.com/office/drawing/2014/main" xmlns="" w="9525">
                   <a:solidFill>
                     <a:srgbClr val="000000"/>
                   </a:solidFill>
@@ -28783,7 +28783,7 @@
             </a:ln>
             <a:extLst>
               <a:ext uri="{91240B29-F687-4f45-9708-019B960494DF}">
-                <a14:hiddenLine xmlns="" xmlns:a16="http://schemas.microsoft.com/office/drawing/2014/main" xmlns:p14="http://schemas.microsoft.com/office/powerpoint/2010/main" xmlns:a14="http://schemas.microsoft.com/office/drawing/2010/main" w="9525">
+                <a14:hiddenLine xmlns:a14="http://schemas.microsoft.com/office/drawing/2010/main" xmlns:p14="http://schemas.microsoft.com/office/powerpoint/2010/main" xmlns:a16="http://schemas.microsoft.com/office/drawing/2014/main" xmlns="" w="9525">
                   <a:solidFill>
                     <a:srgbClr val="000000"/>
                   </a:solidFill>
@@ -28888,7 +28888,7 @@
             </a:ln>
             <a:extLst>
               <a:ext uri="{91240B29-F687-4f45-9708-019B960494DF}">
-                <a14:hiddenLine xmlns="" xmlns:a16="http://schemas.microsoft.com/office/drawing/2014/main" xmlns:p14="http://schemas.microsoft.com/office/powerpoint/2010/main" xmlns:a14="http://schemas.microsoft.com/office/drawing/2010/main" w="9525">
+                <a14:hiddenLine xmlns:a14="http://schemas.microsoft.com/office/drawing/2010/main" xmlns:p14="http://schemas.microsoft.com/office/powerpoint/2010/main" xmlns:a16="http://schemas.microsoft.com/office/drawing/2014/main" xmlns="" w="9525">
                   <a:solidFill>
                     <a:srgbClr val="000000"/>
                   </a:solidFill>
@@ -28993,7 +28993,7 @@
             </a:ln>
             <a:extLst>
               <a:ext uri="{91240B29-F687-4f45-9708-019B960494DF}">
-                <a14:hiddenLine xmlns="" xmlns:a16="http://schemas.microsoft.com/office/drawing/2014/main" xmlns:p14="http://schemas.microsoft.com/office/powerpoint/2010/main" xmlns:a14="http://schemas.microsoft.com/office/drawing/2010/main" w="9525">
+                <a14:hiddenLine xmlns:a14="http://schemas.microsoft.com/office/drawing/2010/main" xmlns:p14="http://schemas.microsoft.com/office/powerpoint/2010/main" xmlns:a16="http://schemas.microsoft.com/office/drawing/2014/main" xmlns="" w="9525">
                   <a:solidFill>
                     <a:srgbClr val="000000"/>
                   </a:solidFill>
@@ -29070,7 +29070,7 @@
             </a:ln>
             <a:extLst>
               <a:ext uri="{91240B29-F687-4f45-9708-019B960494DF}">
-                <a14:hiddenLine xmlns="" xmlns:a16="http://schemas.microsoft.com/office/drawing/2014/main" xmlns:p14="http://schemas.microsoft.com/office/powerpoint/2010/main" xmlns:a14="http://schemas.microsoft.com/office/drawing/2010/main" w="9525">
+                <a14:hiddenLine xmlns:a14="http://schemas.microsoft.com/office/drawing/2010/main" xmlns:p14="http://schemas.microsoft.com/office/powerpoint/2010/main" xmlns:a16="http://schemas.microsoft.com/office/drawing/2014/main" xmlns="" w="9525">
                   <a:solidFill>
                     <a:srgbClr val="000000"/>
                   </a:solidFill>
@@ -29205,7 +29205,7 @@
             </a:ln>
             <a:extLst>
               <a:ext uri="{91240B29-F687-4f45-9708-019B960494DF}">
-                <a14:hiddenLine xmlns="" xmlns:a16="http://schemas.microsoft.com/office/drawing/2014/main" xmlns:p14="http://schemas.microsoft.com/office/powerpoint/2010/main" xmlns:a14="http://schemas.microsoft.com/office/drawing/2010/main" w="9525">
+                <a14:hiddenLine xmlns:a14="http://schemas.microsoft.com/office/drawing/2010/main" xmlns:p14="http://schemas.microsoft.com/office/powerpoint/2010/main" xmlns:a16="http://schemas.microsoft.com/office/drawing/2014/main" xmlns="" w="9525">
                   <a:solidFill>
                     <a:srgbClr val="000000"/>
                   </a:solidFill>
@@ -29288,7 +29288,7 @@
             </a:ln>
             <a:extLst>
               <a:ext uri="{91240B29-F687-4f45-9708-019B960494DF}">
-                <a14:hiddenLine xmlns="" xmlns:a16="http://schemas.microsoft.com/office/drawing/2014/main" xmlns:p14="http://schemas.microsoft.com/office/powerpoint/2010/main" xmlns:a14="http://schemas.microsoft.com/office/drawing/2010/main" w="9525">
+                <a14:hiddenLine xmlns:a14="http://schemas.microsoft.com/office/drawing/2010/main" xmlns:p14="http://schemas.microsoft.com/office/powerpoint/2010/main" xmlns:a16="http://schemas.microsoft.com/office/drawing/2014/main" xmlns="" w="9525">
                   <a:solidFill>
                     <a:srgbClr val="000000"/>
                   </a:solidFill>
@@ -29393,7 +29393,7 @@
             </a:ln>
             <a:extLst>
               <a:ext uri="{91240B29-F687-4f45-9708-019B960494DF}">
-                <a14:hiddenLine xmlns="" xmlns:a16="http://schemas.microsoft.com/office/drawing/2014/main" xmlns:p14="http://schemas.microsoft.com/office/powerpoint/2010/main" xmlns:a14="http://schemas.microsoft.com/office/drawing/2010/main" w="9525">
+                <a14:hiddenLine xmlns:a14="http://schemas.microsoft.com/office/drawing/2010/main" xmlns:p14="http://schemas.microsoft.com/office/powerpoint/2010/main" xmlns:a16="http://schemas.microsoft.com/office/drawing/2014/main" xmlns="" w="9525">
                   <a:solidFill>
                     <a:srgbClr val="000000"/>
                   </a:solidFill>
@@ -29549,7 +29549,7 @@
             </a:ln>
             <a:extLst>
               <a:ext uri="{91240B29-F687-4f45-9708-019B960494DF}">
-                <a14:hiddenLine xmlns="" xmlns:a16="http://schemas.microsoft.com/office/drawing/2014/main" xmlns:p14="http://schemas.microsoft.com/office/powerpoint/2010/main" xmlns:a14="http://schemas.microsoft.com/office/drawing/2010/main" w="9525">
+                <a14:hiddenLine xmlns:a14="http://schemas.microsoft.com/office/drawing/2010/main" xmlns:p14="http://schemas.microsoft.com/office/powerpoint/2010/main" xmlns:a16="http://schemas.microsoft.com/office/drawing/2014/main" xmlns="" w="9525">
                   <a:solidFill>
                     <a:srgbClr val="000000"/>
                   </a:solidFill>
@@ -29654,7 +29654,7 @@
             </a:ln>
             <a:extLst>
               <a:ext uri="{91240B29-F687-4f45-9708-019B960494DF}">
-                <a14:hiddenLine xmlns="" xmlns:a16="http://schemas.microsoft.com/office/drawing/2014/main" xmlns:p14="http://schemas.microsoft.com/office/powerpoint/2010/main" xmlns:a14="http://schemas.microsoft.com/office/drawing/2010/main" w="9525">
+                <a14:hiddenLine xmlns:a14="http://schemas.microsoft.com/office/drawing/2010/main" xmlns:p14="http://schemas.microsoft.com/office/powerpoint/2010/main" xmlns:a16="http://schemas.microsoft.com/office/drawing/2014/main" xmlns="" w="9525">
                   <a:solidFill>
                     <a:srgbClr val="000000"/>
                   </a:solidFill>
@@ -29759,7 +29759,7 @@
             </a:ln>
             <a:extLst>
               <a:ext uri="{91240B29-F687-4f45-9708-019B960494DF}">
-                <a14:hiddenLine xmlns="" xmlns:a16="http://schemas.microsoft.com/office/drawing/2014/main" xmlns:p14="http://schemas.microsoft.com/office/powerpoint/2010/main" xmlns:a14="http://schemas.microsoft.com/office/drawing/2010/main" w="9525">
+                <a14:hiddenLine xmlns:a14="http://schemas.microsoft.com/office/drawing/2010/main" xmlns:p14="http://schemas.microsoft.com/office/powerpoint/2010/main" xmlns:a16="http://schemas.microsoft.com/office/drawing/2014/main" xmlns="" w="9525">
                   <a:solidFill>
                     <a:srgbClr val="000000"/>
                   </a:solidFill>
@@ -29808,7 +29808,7 @@
             </a:ln>
             <a:extLst>
               <a:ext uri="{91240B29-F687-4f45-9708-019B960494DF}">
-                <a14:hiddenLine xmlns="" xmlns:a16="http://schemas.microsoft.com/office/drawing/2014/main" xmlns:p14="http://schemas.microsoft.com/office/powerpoint/2010/main" xmlns:a14="http://schemas.microsoft.com/office/drawing/2010/main" w="9525">
+                <a14:hiddenLine xmlns:a14="http://schemas.microsoft.com/office/drawing/2010/main" xmlns:p14="http://schemas.microsoft.com/office/powerpoint/2010/main" xmlns:a16="http://schemas.microsoft.com/office/drawing/2014/main" xmlns="" w="9525">
                   <a:solidFill>
                     <a:srgbClr val="000000"/>
                   </a:solidFill>
@@ -29913,7 +29913,7 @@
             </a:ln>
             <a:extLst>
               <a:ext uri="{91240B29-F687-4f45-9708-019B960494DF}">
-                <a14:hiddenLine xmlns="" xmlns:a16="http://schemas.microsoft.com/office/drawing/2014/main" xmlns:p14="http://schemas.microsoft.com/office/powerpoint/2010/main" xmlns:a14="http://schemas.microsoft.com/office/drawing/2010/main" w="9525">
+                <a14:hiddenLine xmlns:a14="http://schemas.microsoft.com/office/drawing/2010/main" xmlns:p14="http://schemas.microsoft.com/office/powerpoint/2010/main" xmlns:a16="http://schemas.microsoft.com/office/drawing/2014/main" xmlns="" w="9525">
                   <a:solidFill>
                     <a:srgbClr val="000000"/>
                   </a:solidFill>
@@ -29990,7 +29990,7 @@
             </a:ln>
             <a:extLst>
               <a:ext uri="{91240B29-F687-4f45-9708-019B960494DF}">
-                <a14:hiddenLine xmlns="" xmlns:a16="http://schemas.microsoft.com/office/drawing/2014/main" xmlns:p14="http://schemas.microsoft.com/office/powerpoint/2010/main" xmlns:a14="http://schemas.microsoft.com/office/drawing/2010/main" w="9525">
+                <a14:hiddenLine xmlns:a14="http://schemas.microsoft.com/office/drawing/2010/main" xmlns:p14="http://schemas.microsoft.com/office/powerpoint/2010/main" xmlns:a16="http://schemas.microsoft.com/office/drawing/2014/main" xmlns="" w="9525">
                   <a:solidFill>
                     <a:srgbClr val="000000"/>
                   </a:solidFill>
@@ -30067,7 +30067,7 @@
             </a:ln>
             <a:extLst>
               <a:ext uri="{91240B29-F687-4f45-9708-019B960494DF}">
-                <a14:hiddenLine xmlns="" xmlns:a16="http://schemas.microsoft.com/office/drawing/2014/main" xmlns:p14="http://schemas.microsoft.com/office/powerpoint/2010/main" xmlns:a14="http://schemas.microsoft.com/office/drawing/2010/main" w="9525">
+                <a14:hiddenLine xmlns:a14="http://schemas.microsoft.com/office/drawing/2010/main" xmlns:p14="http://schemas.microsoft.com/office/powerpoint/2010/main" xmlns:a16="http://schemas.microsoft.com/office/drawing/2014/main" xmlns="" w="9525">
                   <a:solidFill>
                     <a:srgbClr val="000000"/>
                   </a:solidFill>
@@ -30172,7 +30172,7 @@
             </a:ln>
             <a:extLst>
               <a:ext uri="{91240B29-F687-4f45-9708-019B960494DF}">
-                <a14:hiddenLine xmlns="" xmlns:a16="http://schemas.microsoft.com/office/drawing/2014/main" xmlns:p14="http://schemas.microsoft.com/office/powerpoint/2010/main" xmlns:a14="http://schemas.microsoft.com/office/drawing/2010/main" w="9525">
+                <a14:hiddenLine xmlns:a14="http://schemas.microsoft.com/office/drawing/2010/main" xmlns:p14="http://schemas.microsoft.com/office/powerpoint/2010/main" xmlns:a16="http://schemas.microsoft.com/office/drawing/2014/main" xmlns="" w="9525">
                   <a:solidFill>
                     <a:srgbClr val="000000"/>
                   </a:solidFill>
@@ -30249,7 +30249,7 @@
             </a:ln>
             <a:extLst>
               <a:ext uri="{91240B29-F687-4f45-9708-019B960494DF}">
-                <a14:hiddenLine xmlns="" xmlns:a16="http://schemas.microsoft.com/office/drawing/2014/main" xmlns:p14="http://schemas.microsoft.com/office/powerpoint/2010/main" xmlns:a14="http://schemas.microsoft.com/office/drawing/2010/main" w="9525">
+                <a14:hiddenLine xmlns:a14="http://schemas.microsoft.com/office/drawing/2010/main" xmlns:p14="http://schemas.microsoft.com/office/powerpoint/2010/main" xmlns:a16="http://schemas.microsoft.com/office/drawing/2014/main" xmlns="" w="9525">
                   <a:solidFill>
                     <a:srgbClr val="000000"/>
                   </a:solidFill>
@@ -30326,7 +30326,7 @@
             </a:ln>
             <a:extLst>
               <a:ext uri="{91240B29-F687-4f45-9708-019B960494DF}">
-                <a14:hiddenLine xmlns="" xmlns:a16="http://schemas.microsoft.com/office/drawing/2014/main" xmlns:p14="http://schemas.microsoft.com/office/powerpoint/2010/main" xmlns:a14="http://schemas.microsoft.com/office/drawing/2010/main" w="9525">
+                <a14:hiddenLine xmlns:a14="http://schemas.microsoft.com/office/drawing/2010/main" xmlns:p14="http://schemas.microsoft.com/office/powerpoint/2010/main" xmlns:a16="http://schemas.microsoft.com/office/drawing/2014/main" xmlns="" w="9525">
                   <a:solidFill>
                     <a:srgbClr val="000000"/>
                   </a:solidFill>
@@ -30431,7 +30431,7 @@
             </a:ln>
             <a:extLst>
               <a:ext uri="{91240B29-F687-4f45-9708-019B960494DF}">
-                <a14:hiddenLine xmlns="" xmlns:a16="http://schemas.microsoft.com/office/drawing/2014/main" xmlns:p14="http://schemas.microsoft.com/office/powerpoint/2010/main" xmlns:a14="http://schemas.microsoft.com/office/drawing/2010/main" w="9525">
+                <a14:hiddenLine xmlns:a14="http://schemas.microsoft.com/office/drawing/2010/main" xmlns:p14="http://schemas.microsoft.com/office/powerpoint/2010/main" xmlns:a16="http://schemas.microsoft.com/office/drawing/2014/main" xmlns="" w="9525">
                   <a:solidFill>
                     <a:srgbClr val="000000"/>
                   </a:solidFill>
@@ -30536,7 +30536,7 @@
             </a:ln>
             <a:extLst>
               <a:ext uri="{91240B29-F687-4f45-9708-019B960494DF}">
-                <a14:hiddenLine xmlns="" xmlns:a16="http://schemas.microsoft.com/office/drawing/2014/main" xmlns:p14="http://schemas.microsoft.com/office/powerpoint/2010/main" xmlns:a14="http://schemas.microsoft.com/office/drawing/2010/main" w="9525">
+                <a14:hiddenLine xmlns:a14="http://schemas.microsoft.com/office/drawing/2010/main" xmlns:p14="http://schemas.microsoft.com/office/powerpoint/2010/main" xmlns:a16="http://schemas.microsoft.com/office/drawing/2014/main" xmlns="" w="9525">
                   <a:solidFill>
                     <a:srgbClr val="000000"/>
                   </a:solidFill>
@@ -30613,7 +30613,7 @@
             </a:ln>
             <a:extLst>
               <a:ext uri="{91240B29-F687-4f45-9708-019B960494DF}">
-                <a14:hiddenLine xmlns="" xmlns:a16="http://schemas.microsoft.com/office/drawing/2014/main" xmlns:p14="http://schemas.microsoft.com/office/powerpoint/2010/main" xmlns:a14="http://schemas.microsoft.com/office/drawing/2010/main" w="9525">
+                <a14:hiddenLine xmlns:a14="http://schemas.microsoft.com/office/drawing/2010/main" xmlns:p14="http://schemas.microsoft.com/office/powerpoint/2010/main" xmlns:a16="http://schemas.microsoft.com/office/drawing/2014/main" xmlns="" w="9525">
                   <a:solidFill>
                     <a:srgbClr val="000000"/>
                   </a:solidFill>
@@ -30738,7 +30738,7 @@
             </a:ln>
             <a:extLst>
               <a:ext uri="{91240B29-F687-4f45-9708-019B960494DF}">
-                <a14:hiddenLine xmlns="" xmlns:a16="http://schemas.microsoft.com/office/drawing/2014/main" xmlns:p14="http://schemas.microsoft.com/office/powerpoint/2010/main" xmlns:a14="http://schemas.microsoft.com/office/drawing/2010/main" w="9525">
+                <a14:hiddenLine xmlns:a14="http://schemas.microsoft.com/office/drawing/2010/main" xmlns:p14="http://schemas.microsoft.com/office/powerpoint/2010/main" xmlns:a16="http://schemas.microsoft.com/office/drawing/2014/main" xmlns="" w="9525">
                   <a:solidFill>
                     <a:srgbClr val="000000"/>
                   </a:solidFill>
@@ -30815,7 +30815,7 @@
             </a:ln>
             <a:extLst>
               <a:ext uri="{91240B29-F687-4f45-9708-019B960494DF}">
-                <a14:hiddenLine xmlns="" xmlns:a16="http://schemas.microsoft.com/office/drawing/2014/main" xmlns:p14="http://schemas.microsoft.com/office/powerpoint/2010/main" xmlns:a14="http://schemas.microsoft.com/office/drawing/2010/main" w="9525">
+                <a14:hiddenLine xmlns:a14="http://schemas.microsoft.com/office/drawing/2010/main" xmlns:p14="http://schemas.microsoft.com/office/powerpoint/2010/main" xmlns:a16="http://schemas.microsoft.com/office/drawing/2014/main" xmlns="" w="9525">
                   <a:solidFill>
                     <a:srgbClr val="000000"/>
                   </a:solidFill>
@@ -30920,7 +30920,7 @@
             </a:ln>
             <a:extLst>
               <a:ext uri="{91240B29-F687-4f45-9708-019B960494DF}">
-                <a14:hiddenLine xmlns="" xmlns:a16="http://schemas.microsoft.com/office/drawing/2014/main" xmlns:p14="http://schemas.microsoft.com/office/powerpoint/2010/main" xmlns:a14="http://schemas.microsoft.com/office/drawing/2010/main" w="9525">
+                <a14:hiddenLine xmlns:a14="http://schemas.microsoft.com/office/drawing/2010/main" xmlns:p14="http://schemas.microsoft.com/office/powerpoint/2010/main" xmlns:a16="http://schemas.microsoft.com/office/drawing/2014/main" xmlns="" w="9525">
                   <a:solidFill>
                     <a:srgbClr val="000000"/>
                   </a:solidFill>
@@ -31025,7 +31025,7 @@
             </a:ln>
             <a:extLst>
               <a:ext uri="{91240B29-F687-4f45-9708-019B960494DF}">
-                <a14:hiddenLine xmlns="" xmlns:a16="http://schemas.microsoft.com/office/drawing/2014/main" xmlns:p14="http://schemas.microsoft.com/office/powerpoint/2010/main" xmlns:a14="http://schemas.microsoft.com/office/drawing/2010/main" w="9525">
+                <a14:hiddenLine xmlns:a14="http://schemas.microsoft.com/office/drawing/2010/main" xmlns:p14="http://schemas.microsoft.com/office/powerpoint/2010/main" xmlns:a16="http://schemas.microsoft.com/office/drawing/2014/main" xmlns="" w="9525">
                   <a:solidFill>
                     <a:srgbClr val="000000"/>
                   </a:solidFill>
@@ -31102,7 +31102,7 @@
             </a:ln>
             <a:extLst>
               <a:ext uri="{91240B29-F687-4f45-9708-019B960494DF}">
-                <a14:hiddenLine xmlns="" xmlns:a16="http://schemas.microsoft.com/office/drawing/2014/main" xmlns:p14="http://schemas.microsoft.com/office/powerpoint/2010/main" xmlns:a14="http://schemas.microsoft.com/office/drawing/2010/main" w="9525">
+                <a14:hiddenLine xmlns:a14="http://schemas.microsoft.com/office/drawing/2010/main" xmlns:p14="http://schemas.microsoft.com/office/powerpoint/2010/main" xmlns:a16="http://schemas.microsoft.com/office/drawing/2014/main" xmlns="" w="9525">
                   <a:solidFill>
                     <a:srgbClr val="000000"/>
                   </a:solidFill>
@@ -31207,7 +31207,7 @@
             </a:ln>
             <a:extLst>
               <a:ext uri="{91240B29-F687-4f45-9708-019B960494DF}">
-                <a14:hiddenLine xmlns="" xmlns:a16="http://schemas.microsoft.com/office/drawing/2014/main" xmlns:p14="http://schemas.microsoft.com/office/powerpoint/2010/main" xmlns:a14="http://schemas.microsoft.com/office/drawing/2010/main" w="9525">
+                <a14:hiddenLine xmlns:a14="http://schemas.microsoft.com/office/drawing/2010/main" xmlns:p14="http://schemas.microsoft.com/office/powerpoint/2010/main" xmlns:a16="http://schemas.microsoft.com/office/drawing/2014/main" xmlns="" w="9525">
                   <a:solidFill>
                     <a:srgbClr val="000000"/>
                   </a:solidFill>
@@ -31312,7 +31312,7 @@
             </a:ln>
             <a:extLst>
               <a:ext uri="{91240B29-F687-4f45-9708-019B960494DF}">
-                <a14:hiddenLine xmlns="" xmlns:a16="http://schemas.microsoft.com/office/drawing/2014/main" xmlns:p14="http://schemas.microsoft.com/office/powerpoint/2010/main" xmlns:a14="http://schemas.microsoft.com/office/drawing/2010/main" w="9525">
+                <a14:hiddenLine xmlns:a14="http://schemas.microsoft.com/office/drawing/2010/main" xmlns:p14="http://schemas.microsoft.com/office/powerpoint/2010/main" xmlns:a16="http://schemas.microsoft.com/office/drawing/2014/main" xmlns="" w="9525">
                   <a:solidFill>
                     <a:srgbClr val="000000"/>
                   </a:solidFill>
@@ -31383,7 +31383,7 @@
             </a:ln>
             <a:extLst>
               <a:ext uri="{91240B29-F687-4f45-9708-019B960494DF}">
-                <a14:hiddenLine xmlns="" xmlns:a16="http://schemas.microsoft.com/office/drawing/2014/main" xmlns:p14="http://schemas.microsoft.com/office/powerpoint/2010/main" xmlns:a14="http://schemas.microsoft.com/office/drawing/2010/main" w="9525">
+                <a14:hiddenLine xmlns:a14="http://schemas.microsoft.com/office/drawing/2010/main" xmlns:p14="http://schemas.microsoft.com/office/powerpoint/2010/main" xmlns:a16="http://schemas.microsoft.com/office/drawing/2014/main" xmlns="" w="9525">
                   <a:solidFill>
                     <a:srgbClr val="000000"/>
                   </a:solidFill>
@@ -31488,7 +31488,7 @@
             </a:ln>
             <a:extLst>
               <a:ext uri="{91240B29-F687-4f45-9708-019B960494DF}">
-                <a14:hiddenLine xmlns="" xmlns:a16="http://schemas.microsoft.com/office/drawing/2014/main" xmlns:p14="http://schemas.microsoft.com/office/powerpoint/2010/main" xmlns:a14="http://schemas.microsoft.com/office/drawing/2010/main" w="9525">
+                <a14:hiddenLine xmlns:a14="http://schemas.microsoft.com/office/drawing/2010/main" xmlns:p14="http://schemas.microsoft.com/office/powerpoint/2010/main" xmlns:a16="http://schemas.microsoft.com/office/drawing/2014/main" xmlns="" w="9525">
                   <a:solidFill>
                     <a:srgbClr val="000000"/>
                   </a:solidFill>
@@ -31559,7 +31559,7 @@
             </a:ln>
             <a:extLst>
               <a:ext uri="{91240B29-F687-4f45-9708-019B960494DF}">
-                <a14:hiddenLine xmlns="" xmlns:a16="http://schemas.microsoft.com/office/drawing/2014/main" xmlns:p14="http://schemas.microsoft.com/office/powerpoint/2010/main" xmlns:a14="http://schemas.microsoft.com/office/drawing/2010/main" w="9525">
+                <a14:hiddenLine xmlns:a14="http://schemas.microsoft.com/office/drawing/2010/main" xmlns:p14="http://schemas.microsoft.com/office/powerpoint/2010/main" xmlns:a16="http://schemas.microsoft.com/office/drawing/2014/main" xmlns="" w="9525">
                   <a:solidFill>
                     <a:srgbClr val="000000"/>
                   </a:solidFill>
@@ -31664,7 +31664,7 @@
             </a:ln>
             <a:extLst>
               <a:ext uri="{91240B29-F687-4f45-9708-019B960494DF}">
-                <a14:hiddenLine xmlns="" xmlns:a16="http://schemas.microsoft.com/office/drawing/2014/main" xmlns:p14="http://schemas.microsoft.com/office/powerpoint/2010/main" xmlns:a14="http://schemas.microsoft.com/office/drawing/2010/main" w="9525">
+                <a14:hiddenLine xmlns:a14="http://schemas.microsoft.com/office/drawing/2010/main" xmlns:p14="http://schemas.microsoft.com/office/powerpoint/2010/main" xmlns:a16="http://schemas.microsoft.com/office/drawing/2014/main" xmlns="" w="9525">
                   <a:solidFill>
                     <a:srgbClr val="000000"/>
                   </a:solidFill>
@@ -31747,7 +31747,7 @@
             </a:ln>
             <a:extLst>
               <a:ext uri="{91240B29-F687-4f45-9708-019B960494DF}">
-                <a14:hiddenLine xmlns="" xmlns:a16="http://schemas.microsoft.com/office/drawing/2014/main" xmlns:p14="http://schemas.microsoft.com/office/powerpoint/2010/main" xmlns:a14="http://schemas.microsoft.com/office/drawing/2010/main" w="9525">
+                <a14:hiddenLine xmlns:a14="http://schemas.microsoft.com/office/drawing/2010/main" xmlns:p14="http://schemas.microsoft.com/office/powerpoint/2010/main" xmlns:a16="http://schemas.microsoft.com/office/drawing/2014/main" xmlns="" w="9525">
                   <a:solidFill>
                     <a:srgbClr val="000000"/>
                   </a:solidFill>
@@ -31852,7 +31852,7 @@
             </a:ln>
             <a:extLst>
               <a:ext uri="{91240B29-F687-4f45-9708-019B960494DF}">
-                <a14:hiddenLine xmlns="" xmlns:a16="http://schemas.microsoft.com/office/drawing/2014/main" xmlns:p14="http://schemas.microsoft.com/office/powerpoint/2010/main" xmlns:a14="http://schemas.microsoft.com/office/drawing/2010/main" w="9525">
+                <a14:hiddenLine xmlns:a14="http://schemas.microsoft.com/office/drawing/2010/main" xmlns:p14="http://schemas.microsoft.com/office/powerpoint/2010/main" xmlns:a16="http://schemas.microsoft.com/office/drawing/2014/main" xmlns="" w="9525">
                   <a:solidFill>
                     <a:srgbClr val="000000"/>
                   </a:solidFill>
@@ -31935,7 +31935,7 @@
             </a:ln>
             <a:extLst>
               <a:ext uri="{91240B29-F687-4f45-9708-019B960494DF}">
-                <a14:hiddenLine xmlns="" xmlns:a16="http://schemas.microsoft.com/office/drawing/2014/main" xmlns:p14="http://schemas.microsoft.com/office/powerpoint/2010/main" xmlns:a14="http://schemas.microsoft.com/office/drawing/2010/main" w="9525">
+                <a14:hiddenLine xmlns:a14="http://schemas.microsoft.com/office/drawing/2010/main" xmlns:p14="http://schemas.microsoft.com/office/powerpoint/2010/main" xmlns:a16="http://schemas.microsoft.com/office/drawing/2014/main" xmlns="" w="9525">
                   <a:solidFill>
                     <a:srgbClr val="000000"/>
                   </a:solidFill>
@@ -32040,7 +32040,7 @@
             </a:ln>
             <a:extLst>
               <a:ext uri="{91240B29-F687-4f45-9708-019B960494DF}">
-                <a14:hiddenLine xmlns="" xmlns:a16="http://schemas.microsoft.com/office/drawing/2014/main" xmlns:p14="http://schemas.microsoft.com/office/powerpoint/2010/main" xmlns:a14="http://schemas.microsoft.com/office/drawing/2010/main" w="9525">
+                <a14:hiddenLine xmlns:a14="http://schemas.microsoft.com/office/drawing/2010/main" xmlns:p14="http://schemas.microsoft.com/office/powerpoint/2010/main" xmlns:a16="http://schemas.microsoft.com/office/drawing/2014/main" xmlns="" w="9525">
                   <a:solidFill>
                     <a:srgbClr val="000000"/>
                   </a:solidFill>
@@ -32089,7 +32089,7 @@
             </a:ln>
             <a:extLst>
               <a:ext uri="{91240B29-F687-4f45-9708-019B960494DF}">
-                <a14:hiddenLine xmlns="" xmlns:a16="http://schemas.microsoft.com/office/drawing/2014/main" xmlns:p14="http://schemas.microsoft.com/office/powerpoint/2010/main" xmlns:a14="http://schemas.microsoft.com/office/drawing/2010/main" w="9525">
+                <a14:hiddenLine xmlns:a14="http://schemas.microsoft.com/office/drawing/2010/main" xmlns:p14="http://schemas.microsoft.com/office/powerpoint/2010/main" xmlns:a16="http://schemas.microsoft.com/office/drawing/2014/main" xmlns="" w="9525">
                   <a:solidFill>
                     <a:srgbClr val="000000"/>
                   </a:solidFill>
@@ -32194,7 +32194,7 @@
             </a:ln>
             <a:extLst>
               <a:ext uri="{91240B29-F687-4f45-9708-019B960494DF}">
-                <a14:hiddenLine xmlns="" xmlns:a16="http://schemas.microsoft.com/office/drawing/2014/main" xmlns:p14="http://schemas.microsoft.com/office/powerpoint/2010/main" xmlns:a14="http://schemas.microsoft.com/office/drawing/2010/main" w="9525">
+                <a14:hiddenLine xmlns:a14="http://schemas.microsoft.com/office/drawing/2010/main" xmlns:p14="http://schemas.microsoft.com/office/powerpoint/2010/main" xmlns:a16="http://schemas.microsoft.com/office/drawing/2014/main" xmlns="" w="9525">
                   <a:solidFill>
                     <a:srgbClr val="000000"/>
                   </a:solidFill>
@@ -32271,7 +32271,7 @@
             </a:ln>
             <a:extLst>
               <a:ext uri="{91240B29-F687-4f45-9708-019B960494DF}">
-                <a14:hiddenLine xmlns="" xmlns:a16="http://schemas.microsoft.com/office/drawing/2014/main" xmlns:p14="http://schemas.microsoft.com/office/powerpoint/2010/main" xmlns:a14="http://schemas.microsoft.com/office/drawing/2010/main" w="9525">
+                <a14:hiddenLine xmlns:a14="http://schemas.microsoft.com/office/drawing/2010/main" xmlns:p14="http://schemas.microsoft.com/office/powerpoint/2010/main" xmlns:a16="http://schemas.microsoft.com/office/drawing/2014/main" xmlns="" w="9525">
                   <a:solidFill>
                     <a:srgbClr val="000000"/>
                   </a:solidFill>
@@ -32348,7 +32348,7 @@
             </a:ln>
             <a:extLst>
               <a:ext uri="{91240B29-F687-4f45-9708-019B960494DF}">
-                <a14:hiddenLine xmlns="" xmlns:a16="http://schemas.microsoft.com/office/drawing/2014/main" xmlns:p14="http://schemas.microsoft.com/office/powerpoint/2010/main" xmlns:a14="http://schemas.microsoft.com/office/drawing/2010/main" w="9525">
+                <a14:hiddenLine xmlns:a14="http://schemas.microsoft.com/office/drawing/2010/main" xmlns:p14="http://schemas.microsoft.com/office/powerpoint/2010/main" xmlns:a16="http://schemas.microsoft.com/office/drawing/2014/main" xmlns="" w="9525">
                   <a:solidFill>
                     <a:srgbClr val="000000"/>
                   </a:solidFill>
@@ -32453,7 +32453,7 @@
             </a:ln>
             <a:extLst>
               <a:ext uri="{91240B29-F687-4f45-9708-019B960494DF}">
-                <a14:hiddenLine xmlns="" xmlns:a16="http://schemas.microsoft.com/office/drawing/2014/main" xmlns:p14="http://schemas.microsoft.com/office/powerpoint/2010/main" xmlns:a14="http://schemas.microsoft.com/office/drawing/2010/main" w="9525">
+                <a14:hiddenLine xmlns:a14="http://schemas.microsoft.com/office/drawing/2010/main" xmlns:p14="http://schemas.microsoft.com/office/powerpoint/2010/main" xmlns:a16="http://schemas.microsoft.com/office/drawing/2014/main" xmlns="" w="9525">
                   <a:solidFill>
                     <a:srgbClr val="000000"/>
                   </a:solidFill>
@@ -32536,7 +32536,7 @@
             </a:ln>
             <a:extLst>
               <a:ext uri="{91240B29-F687-4f45-9708-019B960494DF}">
-                <a14:hiddenLine xmlns="" xmlns:a16="http://schemas.microsoft.com/office/drawing/2014/main" xmlns:p14="http://schemas.microsoft.com/office/powerpoint/2010/main" xmlns:a14="http://schemas.microsoft.com/office/drawing/2010/main" w="9525">
+                <a14:hiddenLine xmlns:a14="http://schemas.microsoft.com/office/drawing/2010/main" xmlns:p14="http://schemas.microsoft.com/office/powerpoint/2010/main" xmlns:a16="http://schemas.microsoft.com/office/drawing/2014/main" xmlns="" w="9525">
                   <a:solidFill>
                     <a:srgbClr val="000000"/>
                   </a:solidFill>
@@ -32613,7 +32613,7 @@
             </a:ln>
             <a:extLst>
               <a:ext uri="{91240B29-F687-4f45-9708-019B960494DF}">
-                <a14:hiddenLine xmlns="" xmlns:a16="http://schemas.microsoft.com/office/drawing/2014/main" xmlns:p14="http://schemas.microsoft.com/office/powerpoint/2010/main" xmlns:a14="http://schemas.microsoft.com/office/drawing/2010/main" w="9525">
+                <a14:hiddenLine xmlns:a14="http://schemas.microsoft.com/office/drawing/2010/main" xmlns:p14="http://schemas.microsoft.com/office/powerpoint/2010/main" xmlns:a16="http://schemas.microsoft.com/office/drawing/2014/main" xmlns="" w="9525">
                   <a:solidFill>
                     <a:srgbClr val="000000"/>
                   </a:solidFill>
@@ -32718,7 +32718,7 @@
             </a:ln>
             <a:extLst>
               <a:ext uri="{91240B29-F687-4f45-9708-019B960494DF}">
-                <a14:hiddenLine xmlns="" xmlns:a16="http://schemas.microsoft.com/office/drawing/2014/main" xmlns:p14="http://schemas.microsoft.com/office/powerpoint/2010/main" xmlns:a14="http://schemas.microsoft.com/office/drawing/2010/main" w="9525">
+                <a14:hiddenLine xmlns:a14="http://schemas.microsoft.com/office/drawing/2010/main" xmlns:p14="http://schemas.microsoft.com/office/powerpoint/2010/main" xmlns:a16="http://schemas.microsoft.com/office/drawing/2014/main" xmlns="" w="9525">
                   <a:solidFill>
                     <a:srgbClr val="000000"/>
                   </a:solidFill>
@@ -32795,7 +32795,7 @@
             </a:ln>
             <a:extLst>
               <a:ext uri="{91240B29-F687-4f45-9708-019B960494DF}">
-                <a14:hiddenLine xmlns="" xmlns:a16="http://schemas.microsoft.com/office/drawing/2014/main" xmlns:p14="http://schemas.microsoft.com/office/powerpoint/2010/main" xmlns:a14="http://schemas.microsoft.com/office/drawing/2010/main" w="9525">
+                <a14:hiddenLine xmlns:a14="http://schemas.microsoft.com/office/drawing/2010/main" xmlns:p14="http://schemas.microsoft.com/office/powerpoint/2010/main" xmlns:a16="http://schemas.microsoft.com/office/drawing/2014/main" xmlns="" w="9525">
                   <a:solidFill>
                     <a:srgbClr val="000000"/>
                   </a:solidFill>
@@ -32900,7 +32900,7 @@
             </a:ln>
             <a:extLst>
               <a:ext uri="{91240B29-F687-4f45-9708-019B960494DF}">
-                <a14:hiddenLine xmlns="" xmlns:a16="http://schemas.microsoft.com/office/drawing/2014/main" xmlns:p14="http://schemas.microsoft.com/office/powerpoint/2010/main" xmlns:a14="http://schemas.microsoft.com/office/drawing/2010/main" w="9525">
+                <a14:hiddenLine xmlns:a14="http://schemas.microsoft.com/office/drawing/2010/main" xmlns:p14="http://schemas.microsoft.com/office/powerpoint/2010/main" xmlns:a16="http://schemas.microsoft.com/office/drawing/2014/main" xmlns="" w="9525">
                   <a:solidFill>
                     <a:srgbClr val="000000"/>
                   </a:solidFill>
@@ -32977,7 +32977,7 @@
             </a:ln>
             <a:extLst>
               <a:ext uri="{91240B29-F687-4f45-9708-019B960494DF}">
-                <a14:hiddenLine xmlns="" xmlns:a16="http://schemas.microsoft.com/office/drawing/2014/main" xmlns:p14="http://schemas.microsoft.com/office/powerpoint/2010/main" xmlns:a14="http://schemas.microsoft.com/office/drawing/2010/main" w="9525">
+                <a14:hiddenLine xmlns:a14="http://schemas.microsoft.com/office/drawing/2010/main" xmlns:p14="http://schemas.microsoft.com/office/powerpoint/2010/main" xmlns:a16="http://schemas.microsoft.com/office/drawing/2014/main" xmlns="" w="9525">
                   <a:solidFill>
                     <a:srgbClr val="000000"/>
                   </a:solidFill>
@@ -33082,7 +33082,7 @@
             </a:ln>
             <a:extLst>
               <a:ext uri="{91240B29-F687-4f45-9708-019B960494DF}">
-                <a14:hiddenLine xmlns="" xmlns:a16="http://schemas.microsoft.com/office/drawing/2014/main" xmlns:p14="http://schemas.microsoft.com/office/powerpoint/2010/main" xmlns:a14="http://schemas.microsoft.com/office/drawing/2010/main" w="9525">
+                <a14:hiddenLine xmlns:a14="http://schemas.microsoft.com/office/drawing/2010/main" xmlns:p14="http://schemas.microsoft.com/office/powerpoint/2010/main" xmlns:a16="http://schemas.microsoft.com/office/drawing/2014/main" xmlns="" w="9525">
                   <a:solidFill>
                     <a:srgbClr val="000000"/>
                   </a:solidFill>
@@ -33131,7 +33131,7 @@
             </a:ln>
             <a:extLst>
               <a:ext uri="{91240B29-F687-4f45-9708-019B960494DF}">
-                <a14:hiddenLine xmlns="" xmlns:a16="http://schemas.microsoft.com/office/drawing/2014/main" xmlns:p14="http://schemas.microsoft.com/office/powerpoint/2010/main" xmlns:a14="http://schemas.microsoft.com/office/drawing/2010/main" w="9525">
+                <a14:hiddenLine xmlns:a14="http://schemas.microsoft.com/office/drawing/2010/main" xmlns:p14="http://schemas.microsoft.com/office/powerpoint/2010/main" xmlns:a16="http://schemas.microsoft.com/office/drawing/2014/main" xmlns="" w="9525">
                   <a:solidFill>
                     <a:srgbClr val="000000"/>
                   </a:solidFill>
@@ -33211,7 +33211,7 @@
             </a:ln>
             <a:extLst>
               <a:ext uri="{91240B29-F687-4f45-9708-019B960494DF}">
-                <a14:hiddenLine xmlns="" xmlns:a16="http://schemas.microsoft.com/office/drawing/2014/main" xmlns:p14="http://schemas.microsoft.com/office/powerpoint/2010/main" xmlns:a14="http://schemas.microsoft.com/office/drawing/2010/main" w="9525">
+                <a14:hiddenLine xmlns:a14="http://schemas.microsoft.com/office/drawing/2010/main" xmlns:p14="http://schemas.microsoft.com/office/powerpoint/2010/main" xmlns:a16="http://schemas.microsoft.com/office/drawing/2014/main" xmlns="" w="9525">
                   <a:solidFill>
                     <a:srgbClr val="000000"/>
                   </a:solidFill>
@@ -33316,7 +33316,7 @@
             </a:ln>
             <a:extLst>
               <a:ext uri="{91240B29-F687-4f45-9708-019B960494DF}">
-                <a14:hiddenLine xmlns="" xmlns:a16="http://schemas.microsoft.com/office/drawing/2014/main" xmlns:p14="http://schemas.microsoft.com/office/powerpoint/2010/main" xmlns:a14="http://schemas.microsoft.com/office/drawing/2010/main" w="9525">
+                <a14:hiddenLine xmlns:a14="http://schemas.microsoft.com/office/drawing/2010/main" xmlns:p14="http://schemas.microsoft.com/office/powerpoint/2010/main" xmlns:a16="http://schemas.microsoft.com/office/drawing/2014/main" xmlns="" w="9525">
                   <a:solidFill>
                     <a:srgbClr val="000000"/>
                   </a:solidFill>
@@ -33393,7 +33393,7 @@
             </a:ln>
             <a:extLst>
               <a:ext uri="{91240B29-F687-4f45-9708-019B960494DF}">
-                <a14:hiddenLine xmlns="" xmlns:a16="http://schemas.microsoft.com/office/drawing/2014/main" xmlns:p14="http://schemas.microsoft.com/office/powerpoint/2010/main" xmlns:a14="http://schemas.microsoft.com/office/drawing/2010/main" w="9525">
+                <a14:hiddenLine xmlns:a14="http://schemas.microsoft.com/office/drawing/2010/main" xmlns:p14="http://schemas.microsoft.com/office/powerpoint/2010/main" xmlns:a16="http://schemas.microsoft.com/office/drawing/2014/main" xmlns="" w="9525">
                   <a:solidFill>
                     <a:srgbClr val="000000"/>
                   </a:solidFill>
@@ -33498,7 +33498,7 @@
             </a:ln>
             <a:extLst>
               <a:ext uri="{91240B29-F687-4f45-9708-019B960494DF}">
-                <a14:hiddenLine xmlns="" xmlns:a16="http://schemas.microsoft.com/office/drawing/2014/main" xmlns:p14="http://schemas.microsoft.com/office/powerpoint/2010/main" xmlns:a14="http://schemas.microsoft.com/office/drawing/2010/main" w="9525">
+                <a14:hiddenLine xmlns:a14="http://schemas.microsoft.com/office/drawing/2010/main" xmlns:p14="http://schemas.microsoft.com/office/powerpoint/2010/main" xmlns:a16="http://schemas.microsoft.com/office/drawing/2014/main" xmlns="" w="9525">
                   <a:solidFill>
                     <a:srgbClr val="000000"/>
                   </a:solidFill>
@@ -33603,7 +33603,7 @@
             </a:ln>
             <a:extLst>
               <a:ext uri="{91240B29-F687-4f45-9708-019B960494DF}">
-                <a14:hiddenLine xmlns="" xmlns:a16="http://schemas.microsoft.com/office/drawing/2014/main" xmlns:p14="http://schemas.microsoft.com/office/powerpoint/2010/main" xmlns:a14="http://schemas.microsoft.com/office/drawing/2010/main" w="9525">
+                <a14:hiddenLine xmlns:a14="http://schemas.microsoft.com/office/drawing/2010/main" xmlns:p14="http://schemas.microsoft.com/office/powerpoint/2010/main" xmlns:a16="http://schemas.microsoft.com/office/drawing/2014/main" xmlns="" w="9525">
                   <a:solidFill>
                     <a:srgbClr val="000000"/>
                   </a:solidFill>
@@ -33683,7 +33683,7 @@
             </a:ln>
             <a:extLst>
               <a:ext uri="{91240B29-F687-4f45-9708-019B960494DF}">
-                <a14:hiddenLine xmlns="" xmlns:a16="http://schemas.microsoft.com/office/drawing/2014/main" xmlns:p14="http://schemas.microsoft.com/office/powerpoint/2010/main" xmlns:a14="http://schemas.microsoft.com/office/drawing/2010/main" w="9525">
+                <a14:hiddenLine xmlns:a14="http://schemas.microsoft.com/office/drawing/2010/main" xmlns:p14="http://schemas.microsoft.com/office/powerpoint/2010/main" xmlns:a16="http://schemas.microsoft.com/office/drawing/2014/main" xmlns="" w="9525">
                   <a:solidFill>
                     <a:srgbClr val="000000"/>
                   </a:solidFill>
@@ -33760,7 +33760,7 @@
             </a:ln>
             <a:extLst>
               <a:ext uri="{91240B29-F687-4f45-9708-019B960494DF}">
-                <a14:hiddenLine xmlns="" xmlns:a16="http://schemas.microsoft.com/office/drawing/2014/main" xmlns:p14="http://schemas.microsoft.com/office/powerpoint/2010/main" xmlns:a14="http://schemas.microsoft.com/office/drawing/2010/main" w="9525">
+                <a14:hiddenLine xmlns:a14="http://schemas.microsoft.com/office/drawing/2010/main" xmlns:p14="http://schemas.microsoft.com/office/powerpoint/2010/main" xmlns:a16="http://schemas.microsoft.com/office/drawing/2014/main" xmlns="" w="9525">
                   <a:solidFill>
                     <a:srgbClr val="000000"/>
                   </a:solidFill>
@@ -33865,7 +33865,7 @@
             </a:ln>
             <a:extLst>
               <a:ext uri="{91240B29-F687-4f45-9708-019B960494DF}">
-                <a14:hiddenLine xmlns="" xmlns:a16="http://schemas.microsoft.com/office/drawing/2014/main" xmlns:p14="http://schemas.microsoft.com/office/powerpoint/2010/main" xmlns:a14="http://schemas.microsoft.com/office/drawing/2010/main" w="9525">
+                <a14:hiddenLine xmlns:a14="http://schemas.microsoft.com/office/drawing/2010/main" xmlns:p14="http://schemas.microsoft.com/office/powerpoint/2010/main" xmlns:a16="http://schemas.microsoft.com/office/drawing/2014/main" xmlns="" w="9525">
                   <a:solidFill>
                     <a:srgbClr val="000000"/>
                   </a:solidFill>
@@ -33970,7 +33970,7 @@
             </a:ln>
             <a:extLst>
               <a:ext uri="{91240B29-F687-4f45-9708-019B960494DF}">
-                <a14:hiddenLine xmlns="" xmlns:a16="http://schemas.microsoft.com/office/drawing/2014/main" xmlns:p14="http://schemas.microsoft.com/office/powerpoint/2010/main" xmlns:a14="http://schemas.microsoft.com/office/drawing/2010/main" w="9525">
+                <a14:hiddenLine xmlns:a14="http://schemas.microsoft.com/office/drawing/2010/main" xmlns:p14="http://schemas.microsoft.com/office/powerpoint/2010/main" xmlns:a16="http://schemas.microsoft.com/office/drawing/2014/main" xmlns="" w="9525">
                   <a:solidFill>
                     <a:srgbClr val="000000"/>
                   </a:solidFill>
@@ -34047,7 +34047,7 @@
             </a:ln>
             <a:extLst>
               <a:ext uri="{91240B29-F687-4f45-9708-019B960494DF}">
-                <a14:hiddenLine xmlns="" xmlns:a16="http://schemas.microsoft.com/office/drawing/2014/main" xmlns:p14="http://schemas.microsoft.com/office/powerpoint/2010/main" xmlns:a14="http://schemas.microsoft.com/office/drawing/2010/main" w="9525">
+                <a14:hiddenLine xmlns:a14="http://schemas.microsoft.com/office/drawing/2010/main" xmlns:p14="http://schemas.microsoft.com/office/powerpoint/2010/main" xmlns:a16="http://schemas.microsoft.com/office/drawing/2014/main" xmlns="" w="9525">
                   <a:solidFill>
                     <a:srgbClr val="000000"/>
                   </a:solidFill>
@@ -34182,7 +34182,7 @@
             </a:ln>
             <a:extLst>
               <a:ext uri="{91240B29-F687-4f45-9708-019B960494DF}">
-                <a14:hiddenLine xmlns="" xmlns:a16="http://schemas.microsoft.com/office/drawing/2014/main" xmlns:p14="http://schemas.microsoft.com/office/powerpoint/2010/main" xmlns:a14="http://schemas.microsoft.com/office/drawing/2010/main" w="9525">
+                <a14:hiddenLine xmlns:a14="http://schemas.microsoft.com/office/drawing/2010/main" xmlns:p14="http://schemas.microsoft.com/office/powerpoint/2010/main" xmlns:a16="http://schemas.microsoft.com/office/drawing/2014/main" xmlns="" w="9525">
                   <a:solidFill>
                     <a:srgbClr val="000000"/>
                   </a:solidFill>
@@ -34265,7 +34265,7 @@
             </a:ln>
             <a:extLst>
               <a:ext uri="{91240B29-F687-4f45-9708-019B960494DF}">
-                <a14:hiddenLine xmlns="" xmlns:a16="http://schemas.microsoft.com/office/drawing/2014/main" xmlns:p14="http://schemas.microsoft.com/office/powerpoint/2010/main" xmlns:a14="http://schemas.microsoft.com/office/drawing/2010/main" w="9525">
+                <a14:hiddenLine xmlns:a14="http://schemas.microsoft.com/office/drawing/2010/main" xmlns:p14="http://schemas.microsoft.com/office/powerpoint/2010/main" xmlns:a16="http://schemas.microsoft.com/office/drawing/2014/main" xmlns="" w="9525">
                   <a:solidFill>
                     <a:srgbClr val="000000"/>
                   </a:solidFill>
@@ -34370,7 +34370,7 @@
             </a:ln>
             <a:extLst>
               <a:ext uri="{91240B29-F687-4f45-9708-019B960494DF}">
-                <a14:hiddenLine xmlns="" xmlns:a16="http://schemas.microsoft.com/office/drawing/2014/main" xmlns:p14="http://schemas.microsoft.com/office/powerpoint/2010/main" xmlns:a14="http://schemas.microsoft.com/office/drawing/2010/main" w="9525">
+                <a14:hiddenLine xmlns:a14="http://schemas.microsoft.com/office/drawing/2010/main" xmlns:p14="http://schemas.microsoft.com/office/powerpoint/2010/main" xmlns:a16="http://schemas.microsoft.com/office/drawing/2014/main" xmlns="" w="9525">
                   <a:solidFill>
                     <a:srgbClr val="000000"/>
                   </a:solidFill>
@@ -34431,7 +34431,7 @@
           <a:noFill/>
           <a:extLst>
             <a:ext uri="{909E8E84-426E-40dd-AFC4-6F175D3DCCD1}">
-              <a14:hiddenFill xmlns="" xmlns:a16="http://schemas.microsoft.com/office/drawing/2014/main" xmlns:p14="http://schemas.microsoft.com/office/powerpoint/2010/main" xmlns:a14="http://schemas.microsoft.com/office/drawing/2010/main">
+              <a14:hiddenFill xmlns:a14="http://schemas.microsoft.com/office/drawing/2010/main" xmlns:p14="http://schemas.microsoft.com/office/powerpoint/2010/main" xmlns:a16="http://schemas.microsoft.com/office/drawing/2014/main" xmlns="">
                 <a:solidFill>
                   <a:srgbClr val="FFFFFF"/>
                 </a:solidFill>
@@ -34702,7 +34702,7 @@
           <a:noFill/>
           <a:extLst>
             <a:ext uri="{909E8E84-426E-40dd-AFC4-6F175D3DCCD1}">
-              <a14:hiddenFill xmlns:a14="http://schemas.microsoft.com/office/drawing/2010/main" xmlns:a16="http://schemas.microsoft.com/office/drawing/2014/main" xmlns="">
+              <a14:hiddenFill xmlns="" xmlns:a16="http://schemas.microsoft.com/office/drawing/2014/main" xmlns:a14="http://schemas.microsoft.com/office/drawing/2010/main">
                 <a:solidFill>
                   <a:srgbClr val="FFFFFF"/>
                 </a:solidFill>
@@ -34794,7 +34794,7 @@
             </a:ln>
             <a:extLst>
               <a:ext uri="{91240B29-F687-4f45-9708-019B960494DF}">
-                <a14:hiddenLine xmlns:a14="http://schemas.microsoft.com/office/drawing/2010/main" xmlns:a16="http://schemas.microsoft.com/office/drawing/2014/main" xmlns="" w="9525">
+                <a14:hiddenLine xmlns="" xmlns:a16="http://schemas.microsoft.com/office/drawing/2014/main" xmlns:a14="http://schemas.microsoft.com/office/drawing/2010/main" w="9525">
                   <a:solidFill>
                     <a:srgbClr val="000000"/>
                   </a:solidFill>
@@ -34899,7 +34899,7 @@
             </a:ln>
             <a:extLst>
               <a:ext uri="{91240B29-F687-4f45-9708-019B960494DF}">
-                <a14:hiddenLine xmlns:a14="http://schemas.microsoft.com/office/drawing/2010/main" xmlns:a16="http://schemas.microsoft.com/office/drawing/2014/main" xmlns="" w="9525">
+                <a14:hiddenLine xmlns="" xmlns:a16="http://schemas.microsoft.com/office/drawing/2014/main" xmlns:a14="http://schemas.microsoft.com/office/drawing/2010/main" w="9525">
                   <a:solidFill>
                     <a:srgbClr val="000000"/>
                   </a:solidFill>
@@ -35004,7 +35004,7 @@
             </a:ln>
             <a:extLst>
               <a:ext uri="{91240B29-F687-4f45-9708-019B960494DF}">
-                <a14:hiddenLine xmlns:a14="http://schemas.microsoft.com/office/drawing/2010/main" xmlns:a16="http://schemas.microsoft.com/office/drawing/2014/main" xmlns="" w="9525">
+                <a14:hiddenLine xmlns="" xmlns:a16="http://schemas.microsoft.com/office/drawing/2014/main" xmlns:a14="http://schemas.microsoft.com/office/drawing/2010/main" w="9525">
                   <a:solidFill>
                     <a:srgbClr val="000000"/>
                   </a:solidFill>
@@ -35053,7 +35053,7 @@
             </a:ln>
             <a:extLst>
               <a:ext uri="{91240B29-F687-4f45-9708-019B960494DF}">
-                <a14:hiddenLine xmlns:a14="http://schemas.microsoft.com/office/drawing/2010/main" xmlns:a16="http://schemas.microsoft.com/office/drawing/2014/main" xmlns="" w="9525">
+                <a14:hiddenLine xmlns="" xmlns:a16="http://schemas.microsoft.com/office/drawing/2014/main" xmlns:a14="http://schemas.microsoft.com/office/drawing/2010/main" w="9525">
                   <a:solidFill>
                     <a:srgbClr val="000000"/>
                   </a:solidFill>
@@ -35158,7 +35158,7 @@
             </a:ln>
             <a:extLst>
               <a:ext uri="{91240B29-F687-4f45-9708-019B960494DF}">
-                <a14:hiddenLine xmlns:a14="http://schemas.microsoft.com/office/drawing/2010/main" xmlns:a16="http://schemas.microsoft.com/office/drawing/2014/main" xmlns="" w="9525">
+                <a14:hiddenLine xmlns="" xmlns:a16="http://schemas.microsoft.com/office/drawing/2014/main" xmlns:a14="http://schemas.microsoft.com/office/drawing/2010/main" w="9525">
                   <a:solidFill>
                     <a:srgbClr val="000000"/>
                   </a:solidFill>
@@ -35235,7 +35235,7 @@
             </a:ln>
             <a:extLst>
               <a:ext uri="{91240B29-F687-4f45-9708-019B960494DF}">
-                <a14:hiddenLine xmlns:a14="http://schemas.microsoft.com/office/drawing/2010/main" xmlns:a16="http://schemas.microsoft.com/office/drawing/2014/main" xmlns="" w="9525">
+                <a14:hiddenLine xmlns="" xmlns:a16="http://schemas.microsoft.com/office/drawing/2014/main" xmlns:a14="http://schemas.microsoft.com/office/drawing/2010/main" w="9525">
                   <a:solidFill>
                     <a:srgbClr val="000000"/>
                   </a:solidFill>
@@ -35312,7 +35312,7 @@
             </a:ln>
             <a:extLst>
               <a:ext uri="{91240B29-F687-4f45-9708-019B960494DF}">
-                <a14:hiddenLine xmlns:a14="http://schemas.microsoft.com/office/drawing/2010/main" xmlns:a16="http://schemas.microsoft.com/office/drawing/2014/main" xmlns="" w="9525">
+                <a14:hiddenLine xmlns="" xmlns:a16="http://schemas.microsoft.com/office/drawing/2014/main" xmlns:a14="http://schemas.microsoft.com/office/drawing/2010/main" w="9525">
                   <a:solidFill>
                     <a:srgbClr val="000000"/>
                   </a:solidFill>
@@ -35417,7 +35417,7 @@
             </a:ln>
             <a:extLst>
               <a:ext uri="{91240B29-F687-4f45-9708-019B960494DF}">
-                <a14:hiddenLine xmlns:a14="http://schemas.microsoft.com/office/drawing/2010/main" xmlns:a16="http://schemas.microsoft.com/office/drawing/2014/main" xmlns="" w="9525">
+                <a14:hiddenLine xmlns="" xmlns:a16="http://schemas.microsoft.com/office/drawing/2014/main" xmlns:a14="http://schemas.microsoft.com/office/drawing/2010/main" w="9525">
                   <a:solidFill>
                     <a:srgbClr val="000000"/>
                   </a:solidFill>
@@ -35494,7 +35494,7 @@
             </a:ln>
             <a:extLst>
               <a:ext uri="{91240B29-F687-4f45-9708-019B960494DF}">
-                <a14:hiddenLine xmlns:a14="http://schemas.microsoft.com/office/drawing/2010/main" xmlns:a16="http://schemas.microsoft.com/office/drawing/2014/main" xmlns="" w="9525">
+                <a14:hiddenLine xmlns="" xmlns:a16="http://schemas.microsoft.com/office/drawing/2014/main" xmlns:a14="http://schemas.microsoft.com/office/drawing/2010/main" w="9525">
                   <a:solidFill>
                     <a:srgbClr val="000000"/>
                   </a:solidFill>
@@ -35571,7 +35571,7 @@
             </a:ln>
             <a:extLst>
               <a:ext uri="{91240B29-F687-4f45-9708-019B960494DF}">
-                <a14:hiddenLine xmlns:a14="http://schemas.microsoft.com/office/drawing/2010/main" xmlns:a16="http://schemas.microsoft.com/office/drawing/2014/main" xmlns="" w="9525">
+                <a14:hiddenLine xmlns="" xmlns:a16="http://schemas.microsoft.com/office/drawing/2014/main" xmlns:a14="http://schemas.microsoft.com/office/drawing/2010/main" w="9525">
                   <a:solidFill>
                     <a:srgbClr val="000000"/>
                   </a:solidFill>
@@ -35676,7 +35676,7 @@
             </a:ln>
             <a:extLst>
               <a:ext uri="{91240B29-F687-4f45-9708-019B960494DF}">
-                <a14:hiddenLine xmlns:a14="http://schemas.microsoft.com/office/drawing/2010/main" xmlns:a16="http://schemas.microsoft.com/office/drawing/2014/main" xmlns="" w="9525">
+                <a14:hiddenLine xmlns="" xmlns:a16="http://schemas.microsoft.com/office/drawing/2014/main" xmlns:a14="http://schemas.microsoft.com/office/drawing/2010/main" w="9525">
                   <a:solidFill>
                     <a:srgbClr val="000000"/>
                   </a:solidFill>
@@ -35781,7 +35781,7 @@
             </a:ln>
             <a:extLst>
               <a:ext uri="{91240B29-F687-4f45-9708-019B960494DF}">
-                <a14:hiddenLine xmlns:a14="http://schemas.microsoft.com/office/drawing/2010/main" xmlns:a16="http://schemas.microsoft.com/office/drawing/2014/main" xmlns="" w="9525">
+                <a14:hiddenLine xmlns="" xmlns:a16="http://schemas.microsoft.com/office/drawing/2014/main" xmlns:a14="http://schemas.microsoft.com/office/drawing/2010/main" w="9525">
                   <a:solidFill>
                     <a:srgbClr val="000000"/>
                   </a:solidFill>
@@ -35858,7 +35858,7 @@
             </a:ln>
             <a:extLst>
               <a:ext uri="{91240B29-F687-4f45-9708-019B960494DF}">
-                <a14:hiddenLine xmlns:a14="http://schemas.microsoft.com/office/drawing/2010/main" xmlns:a16="http://schemas.microsoft.com/office/drawing/2014/main" xmlns="" w="9525">
+                <a14:hiddenLine xmlns="" xmlns:a16="http://schemas.microsoft.com/office/drawing/2014/main" xmlns:a14="http://schemas.microsoft.com/office/drawing/2010/main" w="9525">
                   <a:solidFill>
                     <a:srgbClr val="000000"/>
                   </a:solidFill>
@@ -35983,7 +35983,7 @@
             </a:ln>
             <a:extLst>
               <a:ext uri="{91240B29-F687-4f45-9708-019B960494DF}">
-                <a14:hiddenLine xmlns:a14="http://schemas.microsoft.com/office/drawing/2010/main" xmlns:a16="http://schemas.microsoft.com/office/drawing/2014/main" xmlns="" w="9525">
+                <a14:hiddenLine xmlns="" xmlns:a16="http://schemas.microsoft.com/office/drawing/2014/main" xmlns:a14="http://schemas.microsoft.com/office/drawing/2010/main" w="9525">
                   <a:solidFill>
                     <a:srgbClr val="000000"/>
                   </a:solidFill>
@@ -36060,7 +36060,7 @@
             </a:ln>
             <a:extLst>
               <a:ext uri="{91240B29-F687-4f45-9708-019B960494DF}">
-                <a14:hiddenLine xmlns:a14="http://schemas.microsoft.com/office/drawing/2010/main" xmlns:a16="http://schemas.microsoft.com/office/drawing/2014/main" xmlns="" w="9525">
+                <a14:hiddenLine xmlns="" xmlns:a16="http://schemas.microsoft.com/office/drawing/2014/main" xmlns:a14="http://schemas.microsoft.com/office/drawing/2010/main" w="9525">
                   <a:solidFill>
                     <a:srgbClr val="000000"/>
                   </a:solidFill>
@@ -36165,7 +36165,7 @@
             </a:ln>
             <a:extLst>
               <a:ext uri="{91240B29-F687-4f45-9708-019B960494DF}">
-                <a14:hiddenLine xmlns:a14="http://schemas.microsoft.com/office/drawing/2010/main" xmlns:a16="http://schemas.microsoft.com/office/drawing/2014/main" xmlns="" w="9525">
+                <a14:hiddenLine xmlns="" xmlns:a16="http://schemas.microsoft.com/office/drawing/2014/main" xmlns:a14="http://schemas.microsoft.com/office/drawing/2010/main" w="9525">
                   <a:solidFill>
                     <a:srgbClr val="000000"/>
                   </a:solidFill>
@@ -36270,7 +36270,7 @@
             </a:ln>
             <a:extLst>
               <a:ext uri="{91240B29-F687-4f45-9708-019B960494DF}">
-                <a14:hiddenLine xmlns:a14="http://schemas.microsoft.com/office/drawing/2010/main" xmlns:a16="http://schemas.microsoft.com/office/drawing/2014/main" xmlns="" w="9525">
+                <a14:hiddenLine xmlns="" xmlns:a16="http://schemas.microsoft.com/office/drawing/2014/main" xmlns:a14="http://schemas.microsoft.com/office/drawing/2010/main" w="9525">
                   <a:solidFill>
                     <a:srgbClr val="000000"/>
                   </a:solidFill>
@@ -36347,7 +36347,7 @@
             </a:ln>
             <a:extLst>
               <a:ext uri="{91240B29-F687-4f45-9708-019B960494DF}">
-                <a14:hiddenLine xmlns:a14="http://schemas.microsoft.com/office/drawing/2010/main" xmlns:a16="http://schemas.microsoft.com/office/drawing/2014/main" xmlns="" w="9525">
+                <a14:hiddenLine xmlns="" xmlns:a16="http://schemas.microsoft.com/office/drawing/2014/main" xmlns:a14="http://schemas.microsoft.com/office/drawing/2010/main" w="9525">
                   <a:solidFill>
                     <a:srgbClr val="000000"/>
                   </a:solidFill>
@@ -36452,7 +36452,7 @@
             </a:ln>
             <a:extLst>
               <a:ext uri="{91240B29-F687-4f45-9708-019B960494DF}">
-                <a14:hiddenLine xmlns:a14="http://schemas.microsoft.com/office/drawing/2010/main" xmlns:a16="http://schemas.microsoft.com/office/drawing/2014/main" xmlns="" w="9525">
+                <a14:hiddenLine xmlns="" xmlns:a16="http://schemas.microsoft.com/office/drawing/2014/main" xmlns:a14="http://schemas.microsoft.com/office/drawing/2010/main" w="9525">
                   <a:solidFill>
                     <a:srgbClr val="000000"/>
                   </a:solidFill>
@@ -36557,7 +36557,7 @@
             </a:ln>
             <a:extLst>
               <a:ext uri="{91240B29-F687-4f45-9708-019B960494DF}">
-                <a14:hiddenLine xmlns:a14="http://schemas.microsoft.com/office/drawing/2010/main" xmlns:a16="http://schemas.microsoft.com/office/drawing/2014/main" xmlns="" w="9525">
+                <a14:hiddenLine xmlns="" xmlns:a16="http://schemas.microsoft.com/office/drawing/2014/main" xmlns:a14="http://schemas.microsoft.com/office/drawing/2010/main" w="9525">
                   <a:solidFill>
                     <a:srgbClr val="000000"/>
                   </a:solidFill>
@@ -36628,7 +36628,7 @@
             </a:ln>
             <a:extLst>
               <a:ext uri="{91240B29-F687-4f45-9708-019B960494DF}">
-                <a14:hiddenLine xmlns:a14="http://schemas.microsoft.com/office/drawing/2010/main" xmlns:a16="http://schemas.microsoft.com/office/drawing/2014/main" xmlns="" w="9525">
+                <a14:hiddenLine xmlns="" xmlns:a16="http://schemas.microsoft.com/office/drawing/2014/main" xmlns:a14="http://schemas.microsoft.com/office/drawing/2010/main" w="9525">
                   <a:solidFill>
                     <a:srgbClr val="000000"/>
                   </a:solidFill>
@@ -36733,7 +36733,7 @@
             </a:ln>
             <a:extLst>
               <a:ext uri="{91240B29-F687-4f45-9708-019B960494DF}">
-                <a14:hiddenLine xmlns:a14="http://schemas.microsoft.com/office/drawing/2010/main" xmlns:a16="http://schemas.microsoft.com/office/drawing/2014/main" xmlns="" w="9525">
+                <a14:hiddenLine xmlns="" xmlns:a16="http://schemas.microsoft.com/office/drawing/2014/main" xmlns:a14="http://schemas.microsoft.com/office/drawing/2010/main" w="9525">
                   <a:solidFill>
                     <a:srgbClr val="000000"/>
                   </a:solidFill>
@@ -36804,7 +36804,7 @@
             </a:ln>
             <a:extLst>
               <a:ext uri="{91240B29-F687-4f45-9708-019B960494DF}">
-                <a14:hiddenLine xmlns:a14="http://schemas.microsoft.com/office/drawing/2010/main" xmlns:a16="http://schemas.microsoft.com/office/drawing/2014/main" xmlns="" w="9525">
+                <a14:hiddenLine xmlns="" xmlns:a16="http://schemas.microsoft.com/office/drawing/2014/main" xmlns:a14="http://schemas.microsoft.com/office/drawing/2010/main" w="9525">
                   <a:solidFill>
                     <a:srgbClr val="000000"/>
                   </a:solidFill>
@@ -36909,7 +36909,7 @@
             </a:ln>
             <a:extLst>
               <a:ext uri="{91240B29-F687-4f45-9708-019B960494DF}">
-                <a14:hiddenLine xmlns:a14="http://schemas.microsoft.com/office/drawing/2010/main" xmlns:a16="http://schemas.microsoft.com/office/drawing/2014/main" xmlns="" w="9525">
+                <a14:hiddenLine xmlns="" xmlns:a16="http://schemas.microsoft.com/office/drawing/2014/main" xmlns:a14="http://schemas.microsoft.com/office/drawing/2010/main" w="9525">
                   <a:solidFill>
                     <a:srgbClr val="000000"/>
                   </a:solidFill>
@@ -36992,7 +36992,7 @@
             </a:ln>
             <a:extLst>
               <a:ext uri="{91240B29-F687-4f45-9708-019B960494DF}">
-                <a14:hiddenLine xmlns:a14="http://schemas.microsoft.com/office/drawing/2010/main" xmlns:a16="http://schemas.microsoft.com/office/drawing/2014/main" xmlns="" w="9525">
+                <a14:hiddenLine xmlns="" xmlns:a16="http://schemas.microsoft.com/office/drawing/2014/main" xmlns:a14="http://schemas.microsoft.com/office/drawing/2010/main" w="9525">
                   <a:solidFill>
                     <a:srgbClr val="000000"/>
                   </a:solidFill>
@@ -37097,7 +37097,7 @@
             </a:ln>
             <a:extLst>
               <a:ext uri="{91240B29-F687-4f45-9708-019B960494DF}">
-                <a14:hiddenLine xmlns:a14="http://schemas.microsoft.com/office/drawing/2010/main" xmlns:a16="http://schemas.microsoft.com/office/drawing/2014/main" xmlns="" w="9525">
+                <a14:hiddenLine xmlns="" xmlns:a16="http://schemas.microsoft.com/office/drawing/2014/main" xmlns:a14="http://schemas.microsoft.com/office/drawing/2010/main" w="9525">
                   <a:solidFill>
                     <a:srgbClr val="000000"/>
                   </a:solidFill>
@@ -37180,7 +37180,7 @@
             </a:ln>
             <a:extLst>
               <a:ext uri="{91240B29-F687-4f45-9708-019B960494DF}">
-                <a14:hiddenLine xmlns:a14="http://schemas.microsoft.com/office/drawing/2010/main" xmlns:a16="http://schemas.microsoft.com/office/drawing/2014/main" xmlns="" w="9525">
+                <a14:hiddenLine xmlns="" xmlns:a16="http://schemas.microsoft.com/office/drawing/2014/main" xmlns:a14="http://schemas.microsoft.com/office/drawing/2010/main" w="9525">
                   <a:solidFill>
                     <a:srgbClr val="000000"/>
                   </a:solidFill>
@@ -37285,7 +37285,7 @@
             </a:ln>
             <a:extLst>
               <a:ext uri="{91240B29-F687-4f45-9708-019B960494DF}">
-                <a14:hiddenLine xmlns:a14="http://schemas.microsoft.com/office/drawing/2010/main" xmlns:a16="http://schemas.microsoft.com/office/drawing/2014/main" xmlns="" w="9525">
+                <a14:hiddenLine xmlns="" xmlns:a16="http://schemas.microsoft.com/office/drawing/2014/main" xmlns:a14="http://schemas.microsoft.com/office/drawing/2010/main" w="9525">
                   <a:solidFill>
                     <a:srgbClr val="000000"/>
                   </a:solidFill>
@@ -37334,7 +37334,7 @@
             </a:ln>
             <a:extLst>
               <a:ext uri="{91240B29-F687-4f45-9708-019B960494DF}">
-                <a14:hiddenLine xmlns:a14="http://schemas.microsoft.com/office/drawing/2010/main" xmlns:a16="http://schemas.microsoft.com/office/drawing/2014/main" xmlns="" w="9525">
+                <a14:hiddenLine xmlns="" xmlns:a16="http://schemas.microsoft.com/office/drawing/2014/main" xmlns:a14="http://schemas.microsoft.com/office/drawing/2010/main" w="9525">
                   <a:solidFill>
                     <a:srgbClr val="000000"/>
                   </a:solidFill>
@@ -37439,7 +37439,7 @@
             </a:ln>
             <a:extLst>
               <a:ext uri="{91240B29-F687-4f45-9708-019B960494DF}">
-                <a14:hiddenLine xmlns:a14="http://schemas.microsoft.com/office/drawing/2010/main" xmlns:a16="http://schemas.microsoft.com/office/drawing/2014/main" xmlns="" w="9525">
+                <a14:hiddenLine xmlns="" xmlns:a16="http://schemas.microsoft.com/office/drawing/2014/main" xmlns:a14="http://schemas.microsoft.com/office/drawing/2010/main" w="9525">
                   <a:solidFill>
                     <a:srgbClr val="000000"/>
                   </a:solidFill>
@@ -37516,7 +37516,7 @@
             </a:ln>
             <a:extLst>
               <a:ext uri="{91240B29-F687-4f45-9708-019B960494DF}">
-                <a14:hiddenLine xmlns:a14="http://schemas.microsoft.com/office/drawing/2010/main" xmlns:a16="http://schemas.microsoft.com/office/drawing/2014/main" xmlns="" w="9525">
+                <a14:hiddenLine xmlns="" xmlns:a16="http://schemas.microsoft.com/office/drawing/2014/main" xmlns:a14="http://schemas.microsoft.com/office/drawing/2010/main" w="9525">
                   <a:solidFill>
                     <a:srgbClr val="000000"/>
                   </a:solidFill>
@@ -37593,7 +37593,7 @@
             </a:ln>
             <a:extLst>
               <a:ext uri="{91240B29-F687-4f45-9708-019B960494DF}">
-                <a14:hiddenLine xmlns:a14="http://schemas.microsoft.com/office/drawing/2010/main" xmlns:a16="http://schemas.microsoft.com/office/drawing/2014/main" xmlns="" w="9525">
+                <a14:hiddenLine xmlns="" xmlns:a16="http://schemas.microsoft.com/office/drawing/2014/main" xmlns:a14="http://schemas.microsoft.com/office/drawing/2010/main" w="9525">
                   <a:solidFill>
                     <a:srgbClr val="000000"/>
                   </a:solidFill>
@@ -37698,7 +37698,7 @@
             </a:ln>
             <a:extLst>
               <a:ext uri="{91240B29-F687-4f45-9708-019B960494DF}">
-                <a14:hiddenLine xmlns:a14="http://schemas.microsoft.com/office/drawing/2010/main" xmlns:a16="http://schemas.microsoft.com/office/drawing/2014/main" xmlns="" w="9525">
+                <a14:hiddenLine xmlns="" xmlns:a16="http://schemas.microsoft.com/office/drawing/2014/main" xmlns:a14="http://schemas.microsoft.com/office/drawing/2010/main" w="9525">
                   <a:solidFill>
                     <a:srgbClr val="000000"/>
                   </a:solidFill>
@@ -37781,7 +37781,7 @@
             </a:ln>
             <a:extLst>
               <a:ext uri="{91240B29-F687-4f45-9708-019B960494DF}">
-                <a14:hiddenLine xmlns:a14="http://schemas.microsoft.com/office/drawing/2010/main" xmlns:a16="http://schemas.microsoft.com/office/drawing/2014/main" xmlns="" w="9525">
+                <a14:hiddenLine xmlns="" xmlns:a16="http://schemas.microsoft.com/office/drawing/2014/main" xmlns:a14="http://schemas.microsoft.com/office/drawing/2010/main" w="9525">
                   <a:solidFill>
                     <a:srgbClr val="000000"/>
                   </a:solidFill>
@@ -37858,7 +37858,7 @@
             </a:ln>
             <a:extLst>
               <a:ext uri="{91240B29-F687-4f45-9708-019B960494DF}">
-                <a14:hiddenLine xmlns:a14="http://schemas.microsoft.com/office/drawing/2010/main" xmlns:a16="http://schemas.microsoft.com/office/drawing/2014/main" xmlns="" w="9525">
+                <a14:hiddenLine xmlns="" xmlns:a16="http://schemas.microsoft.com/office/drawing/2014/main" xmlns:a14="http://schemas.microsoft.com/office/drawing/2010/main" w="9525">
                   <a:solidFill>
                     <a:srgbClr val="000000"/>
                   </a:solidFill>
@@ -37963,7 +37963,7 @@
             </a:ln>
             <a:extLst>
               <a:ext uri="{91240B29-F687-4f45-9708-019B960494DF}">
-                <a14:hiddenLine xmlns:a14="http://schemas.microsoft.com/office/drawing/2010/main" xmlns:a16="http://schemas.microsoft.com/office/drawing/2014/main" xmlns="" w="9525">
+                <a14:hiddenLine xmlns="" xmlns:a16="http://schemas.microsoft.com/office/drawing/2014/main" xmlns:a14="http://schemas.microsoft.com/office/drawing/2010/main" w="9525">
                   <a:solidFill>
                     <a:srgbClr val="000000"/>
                   </a:solidFill>
@@ -38040,7 +38040,7 @@
             </a:ln>
             <a:extLst>
               <a:ext uri="{91240B29-F687-4f45-9708-019B960494DF}">
-                <a14:hiddenLine xmlns:a14="http://schemas.microsoft.com/office/drawing/2010/main" xmlns:a16="http://schemas.microsoft.com/office/drawing/2014/main" xmlns="" w="9525">
+                <a14:hiddenLine xmlns="" xmlns:a16="http://schemas.microsoft.com/office/drawing/2014/main" xmlns:a14="http://schemas.microsoft.com/office/drawing/2010/main" w="9525">
                   <a:solidFill>
                     <a:srgbClr val="000000"/>
                   </a:solidFill>
@@ -38145,7 +38145,7 @@
             </a:ln>
             <a:extLst>
               <a:ext uri="{91240B29-F687-4f45-9708-019B960494DF}">
-                <a14:hiddenLine xmlns:a14="http://schemas.microsoft.com/office/drawing/2010/main" xmlns:a16="http://schemas.microsoft.com/office/drawing/2014/main" xmlns="" w="9525">
+                <a14:hiddenLine xmlns="" xmlns:a16="http://schemas.microsoft.com/office/drawing/2014/main" xmlns:a14="http://schemas.microsoft.com/office/drawing/2010/main" w="9525">
                   <a:solidFill>
                     <a:srgbClr val="000000"/>
                   </a:solidFill>
@@ -38222,7 +38222,7 @@
             </a:ln>
             <a:extLst>
               <a:ext uri="{91240B29-F687-4f45-9708-019B960494DF}">
-                <a14:hiddenLine xmlns:a14="http://schemas.microsoft.com/office/drawing/2010/main" xmlns:a16="http://schemas.microsoft.com/office/drawing/2014/main" xmlns="" w="9525">
+                <a14:hiddenLine xmlns="" xmlns:a16="http://schemas.microsoft.com/office/drawing/2014/main" xmlns:a14="http://schemas.microsoft.com/office/drawing/2010/main" w="9525">
                   <a:solidFill>
                     <a:srgbClr val="000000"/>
                   </a:solidFill>
@@ -38327,7 +38327,7 @@
             </a:ln>
             <a:extLst>
               <a:ext uri="{91240B29-F687-4f45-9708-019B960494DF}">
-                <a14:hiddenLine xmlns:a14="http://schemas.microsoft.com/office/drawing/2010/main" xmlns:a16="http://schemas.microsoft.com/office/drawing/2014/main" xmlns="" w="9525">
+                <a14:hiddenLine xmlns="" xmlns:a16="http://schemas.microsoft.com/office/drawing/2014/main" xmlns:a14="http://schemas.microsoft.com/office/drawing/2010/main" w="9525">
                   <a:solidFill>
                     <a:srgbClr val="000000"/>
                   </a:solidFill>
@@ -38376,7 +38376,7 @@
             </a:ln>
             <a:extLst>
               <a:ext uri="{91240B29-F687-4f45-9708-019B960494DF}">
-                <a14:hiddenLine xmlns:a14="http://schemas.microsoft.com/office/drawing/2010/main" xmlns:a16="http://schemas.microsoft.com/office/drawing/2014/main" xmlns="" w="9525">
+                <a14:hiddenLine xmlns="" xmlns:a16="http://schemas.microsoft.com/office/drawing/2014/main" xmlns:a14="http://schemas.microsoft.com/office/drawing/2010/main" w="9525">
                   <a:solidFill>
                     <a:srgbClr val="000000"/>
                   </a:solidFill>
@@ -38456,7 +38456,7 @@
             </a:ln>
             <a:extLst>
               <a:ext uri="{91240B29-F687-4f45-9708-019B960494DF}">
-                <a14:hiddenLine xmlns:a14="http://schemas.microsoft.com/office/drawing/2010/main" xmlns:a16="http://schemas.microsoft.com/office/drawing/2014/main" xmlns="" w="9525">
+                <a14:hiddenLine xmlns="" xmlns:a16="http://schemas.microsoft.com/office/drawing/2014/main" xmlns:a14="http://schemas.microsoft.com/office/drawing/2010/main" w="9525">
                   <a:solidFill>
                     <a:srgbClr val="000000"/>
                   </a:solidFill>
@@ -38561,7 +38561,7 @@
             </a:ln>
             <a:extLst>
               <a:ext uri="{91240B29-F687-4f45-9708-019B960494DF}">
-                <a14:hiddenLine xmlns:a14="http://schemas.microsoft.com/office/drawing/2010/main" xmlns:a16="http://schemas.microsoft.com/office/drawing/2014/main" xmlns="" w="9525">
+                <a14:hiddenLine xmlns="" xmlns:a16="http://schemas.microsoft.com/office/drawing/2014/main" xmlns:a14="http://schemas.microsoft.com/office/drawing/2010/main" w="9525">
                   <a:solidFill>
                     <a:srgbClr val="000000"/>
                   </a:solidFill>
@@ -38638,7 +38638,7 @@
             </a:ln>
             <a:extLst>
               <a:ext uri="{91240B29-F687-4f45-9708-019B960494DF}">
-                <a14:hiddenLine xmlns:a14="http://schemas.microsoft.com/office/drawing/2010/main" xmlns:a16="http://schemas.microsoft.com/office/drawing/2014/main" xmlns="" w="9525">
+                <a14:hiddenLine xmlns="" xmlns:a16="http://schemas.microsoft.com/office/drawing/2014/main" xmlns:a14="http://schemas.microsoft.com/office/drawing/2010/main" w="9525">
                   <a:solidFill>
                     <a:srgbClr val="000000"/>
                   </a:solidFill>
@@ -38743,7 +38743,7 @@
             </a:ln>
             <a:extLst>
               <a:ext uri="{91240B29-F687-4f45-9708-019B960494DF}">
-                <a14:hiddenLine xmlns:a14="http://schemas.microsoft.com/office/drawing/2010/main" xmlns:a16="http://schemas.microsoft.com/office/drawing/2014/main" xmlns="" w="9525">
+                <a14:hiddenLine xmlns="" xmlns:a16="http://schemas.microsoft.com/office/drawing/2014/main" xmlns:a14="http://schemas.microsoft.com/office/drawing/2010/main" w="9525">
                   <a:solidFill>
                     <a:srgbClr val="000000"/>
                   </a:solidFill>
@@ -38848,7 +38848,7 @@
             </a:ln>
             <a:extLst>
               <a:ext uri="{91240B29-F687-4f45-9708-019B960494DF}">
-                <a14:hiddenLine xmlns:a14="http://schemas.microsoft.com/office/drawing/2010/main" xmlns:a16="http://schemas.microsoft.com/office/drawing/2014/main" xmlns="" w="9525">
+                <a14:hiddenLine xmlns="" xmlns:a16="http://schemas.microsoft.com/office/drawing/2014/main" xmlns:a14="http://schemas.microsoft.com/office/drawing/2010/main" w="9525">
                   <a:solidFill>
                     <a:srgbClr val="000000"/>
                   </a:solidFill>
@@ -38928,7 +38928,7 @@
             </a:ln>
             <a:extLst>
               <a:ext uri="{91240B29-F687-4f45-9708-019B960494DF}">
-                <a14:hiddenLine xmlns:a14="http://schemas.microsoft.com/office/drawing/2010/main" xmlns:a16="http://schemas.microsoft.com/office/drawing/2014/main" xmlns="" w="9525">
+                <a14:hiddenLine xmlns="" xmlns:a16="http://schemas.microsoft.com/office/drawing/2014/main" xmlns:a14="http://schemas.microsoft.com/office/drawing/2010/main" w="9525">
                   <a:solidFill>
                     <a:srgbClr val="000000"/>
                   </a:solidFill>
@@ -39005,7 +39005,7 @@
             </a:ln>
             <a:extLst>
               <a:ext uri="{91240B29-F687-4f45-9708-019B960494DF}">
-                <a14:hiddenLine xmlns:a14="http://schemas.microsoft.com/office/drawing/2010/main" xmlns:a16="http://schemas.microsoft.com/office/drawing/2014/main" xmlns="" w="9525">
+                <a14:hiddenLine xmlns="" xmlns:a16="http://schemas.microsoft.com/office/drawing/2014/main" xmlns:a14="http://schemas.microsoft.com/office/drawing/2010/main" w="9525">
                   <a:solidFill>
                     <a:srgbClr val="000000"/>
                   </a:solidFill>
@@ -39110,7 +39110,7 @@
             </a:ln>
             <a:extLst>
               <a:ext uri="{91240B29-F687-4f45-9708-019B960494DF}">
-                <a14:hiddenLine xmlns:a14="http://schemas.microsoft.com/office/drawing/2010/main" xmlns:a16="http://schemas.microsoft.com/office/drawing/2014/main" xmlns="" w="9525">
+                <a14:hiddenLine xmlns="" xmlns:a16="http://schemas.microsoft.com/office/drawing/2014/main" xmlns:a14="http://schemas.microsoft.com/office/drawing/2010/main" w="9525">
                   <a:solidFill>
                     <a:srgbClr val="000000"/>
                   </a:solidFill>
@@ -39215,7 +39215,7 @@
             </a:ln>
             <a:extLst>
               <a:ext uri="{91240B29-F687-4f45-9708-019B960494DF}">
-                <a14:hiddenLine xmlns:a14="http://schemas.microsoft.com/office/drawing/2010/main" xmlns:a16="http://schemas.microsoft.com/office/drawing/2014/main" xmlns="" w="9525">
+                <a14:hiddenLine xmlns="" xmlns:a16="http://schemas.microsoft.com/office/drawing/2014/main" xmlns:a14="http://schemas.microsoft.com/office/drawing/2010/main" w="9525">
                   <a:solidFill>
                     <a:srgbClr val="000000"/>
                   </a:solidFill>
@@ -39292,7 +39292,7 @@
             </a:ln>
             <a:extLst>
               <a:ext uri="{91240B29-F687-4f45-9708-019B960494DF}">
-                <a14:hiddenLine xmlns:a14="http://schemas.microsoft.com/office/drawing/2010/main" xmlns:a16="http://schemas.microsoft.com/office/drawing/2014/main" xmlns="" w="9525">
+                <a14:hiddenLine xmlns="" xmlns:a16="http://schemas.microsoft.com/office/drawing/2014/main" xmlns:a14="http://schemas.microsoft.com/office/drawing/2010/main" w="9525">
                   <a:solidFill>
                     <a:srgbClr val="000000"/>
                   </a:solidFill>
@@ -39427,7 +39427,7 @@
             </a:ln>
             <a:extLst>
               <a:ext uri="{91240B29-F687-4f45-9708-019B960494DF}">
-                <a14:hiddenLine xmlns:a14="http://schemas.microsoft.com/office/drawing/2010/main" xmlns:a16="http://schemas.microsoft.com/office/drawing/2014/main" xmlns="" w="9525">
+                <a14:hiddenLine xmlns="" xmlns:a16="http://schemas.microsoft.com/office/drawing/2014/main" xmlns:a14="http://schemas.microsoft.com/office/drawing/2010/main" w="9525">
                   <a:solidFill>
                     <a:srgbClr val="000000"/>
                   </a:solidFill>
@@ -39510,7 +39510,7 @@
             </a:ln>
             <a:extLst>
               <a:ext uri="{91240B29-F687-4f45-9708-019B960494DF}">
-                <a14:hiddenLine xmlns:a14="http://schemas.microsoft.com/office/drawing/2010/main" xmlns:a16="http://schemas.microsoft.com/office/drawing/2014/main" xmlns="" w="9525">
+                <a14:hiddenLine xmlns="" xmlns:a16="http://schemas.microsoft.com/office/drawing/2014/main" xmlns:a14="http://schemas.microsoft.com/office/drawing/2010/main" w="9525">
                   <a:solidFill>
                     <a:srgbClr val="000000"/>
                   </a:solidFill>
@@ -39615,7 +39615,7 @@
             </a:ln>
             <a:extLst>
               <a:ext uri="{91240B29-F687-4f45-9708-019B960494DF}">
-                <a14:hiddenLine xmlns:a14="http://schemas.microsoft.com/office/drawing/2010/main" xmlns:a16="http://schemas.microsoft.com/office/drawing/2014/main" xmlns="" w="9525">
+                <a14:hiddenLine xmlns="" xmlns:a16="http://schemas.microsoft.com/office/drawing/2014/main" xmlns:a14="http://schemas.microsoft.com/office/drawing/2010/main" w="9525">
                   <a:solidFill>
                     <a:srgbClr val="000000"/>
                   </a:solidFill>
@@ -39770,7 +39770,7 @@
             </a:ln>
             <a:extLst>
               <a:ext uri="{91240B29-F687-4f45-9708-019B960494DF}">
-                <a14:hiddenLine xmlns:a14="http://schemas.microsoft.com/office/drawing/2010/main" xmlns:p14="http://schemas.microsoft.com/office/powerpoint/2010/main" xmlns:a16="http://schemas.microsoft.com/office/drawing/2014/main" xmlns="" w="9525">
+                <a14:hiddenLine xmlns="" xmlns:a16="http://schemas.microsoft.com/office/drawing/2014/main" xmlns:p14="http://schemas.microsoft.com/office/powerpoint/2010/main" xmlns:a14="http://schemas.microsoft.com/office/drawing/2010/main" w="9525">
                   <a:solidFill>
                     <a:srgbClr val="000000"/>
                   </a:solidFill>
@@ -39875,7 +39875,7 @@
             </a:ln>
             <a:extLst>
               <a:ext uri="{91240B29-F687-4f45-9708-019B960494DF}">
-                <a14:hiddenLine xmlns:a14="http://schemas.microsoft.com/office/drawing/2010/main" xmlns:p14="http://schemas.microsoft.com/office/powerpoint/2010/main" xmlns:a16="http://schemas.microsoft.com/office/drawing/2014/main" xmlns="" w="9525">
+                <a14:hiddenLine xmlns="" xmlns:a16="http://schemas.microsoft.com/office/drawing/2014/main" xmlns:p14="http://schemas.microsoft.com/office/powerpoint/2010/main" xmlns:a14="http://schemas.microsoft.com/office/drawing/2010/main" w="9525">
                   <a:solidFill>
                     <a:srgbClr val="000000"/>
                   </a:solidFill>
@@ -39980,7 +39980,7 @@
             </a:ln>
             <a:extLst>
               <a:ext uri="{91240B29-F687-4f45-9708-019B960494DF}">
-                <a14:hiddenLine xmlns:a14="http://schemas.microsoft.com/office/drawing/2010/main" xmlns:p14="http://schemas.microsoft.com/office/powerpoint/2010/main" xmlns:a16="http://schemas.microsoft.com/office/drawing/2014/main" xmlns="" w="9525">
+                <a14:hiddenLine xmlns="" xmlns:a16="http://schemas.microsoft.com/office/drawing/2014/main" xmlns:p14="http://schemas.microsoft.com/office/powerpoint/2010/main" xmlns:a14="http://schemas.microsoft.com/office/drawing/2010/main" w="9525">
                   <a:solidFill>
                     <a:srgbClr val="000000"/>
                   </a:solidFill>
@@ -40029,7 +40029,7 @@
             </a:ln>
             <a:extLst>
               <a:ext uri="{91240B29-F687-4f45-9708-019B960494DF}">
-                <a14:hiddenLine xmlns:a14="http://schemas.microsoft.com/office/drawing/2010/main" xmlns:p14="http://schemas.microsoft.com/office/powerpoint/2010/main" xmlns:a16="http://schemas.microsoft.com/office/drawing/2014/main" xmlns="" w="9525">
+                <a14:hiddenLine xmlns="" xmlns:a16="http://schemas.microsoft.com/office/drawing/2014/main" xmlns:p14="http://schemas.microsoft.com/office/powerpoint/2010/main" xmlns:a14="http://schemas.microsoft.com/office/drawing/2010/main" w="9525">
                   <a:solidFill>
                     <a:srgbClr val="000000"/>
                   </a:solidFill>
@@ -40134,7 +40134,7 @@
             </a:ln>
             <a:extLst>
               <a:ext uri="{91240B29-F687-4f45-9708-019B960494DF}">
-                <a14:hiddenLine xmlns:a14="http://schemas.microsoft.com/office/drawing/2010/main" xmlns:p14="http://schemas.microsoft.com/office/powerpoint/2010/main" xmlns:a16="http://schemas.microsoft.com/office/drawing/2014/main" xmlns="" w="9525">
+                <a14:hiddenLine xmlns="" xmlns:a16="http://schemas.microsoft.com/office/drawing/2014/main" xmlns:p14="http://schemas.microsoft.com/office/powerpoint/2010/main" xmlns:a14="http://schemas.microsoft.com/office/drawing/2010/main" w="9525">
                   <a:solidFill>
                     <a:srgbClr val="000000"/>
                   </a:solidFill>
@@ -40211,7 +40211,7 @@
             </a:ln>
             <a:extLst>
               <a:ext uri="{91240B29-F687-4f45-9708-019B960494DF}">
-                <a14:hiddenLine xmlns:a14="http://schemas.microsoft.com/office/drawing/2010/main" xmlns:p14="http://schemas.microsoft.com/office/powerpoint/2010/main" xmlns:a16="http://schemas.microsoft.com/office/drawing/2014/main" xmlns="" w="9525">
+                <a14:hiddenLine xmlns="" xmlns:a16="http://schemas.microsoft.com/office/drawing/2014/main" xmlns:p14="http://schemas.microsoft.com/office/powerpoint/2010/main" xmlns:a14="http://schemas.microsoft.com/office/drawing/2010/main" w="9525">
                   <a:solidFill>
                     <a:srgbClr val="000000"/>
                   </a:solidFill>
@@ -40288,7 +40288,7 @@
             </a:ln>
             <a:extLst>
               <a:ext uri="{91240B29-F687-4f45-9708-019B960494DF}">
-                <a14:hiddenLine xmlns:a14="http://schemas.microsoft.com/office/drawing/2010/main" xmlns:p14="http://schemas.microsoft.com/office/powerpoint/2010/main" xmlns:a16="http://schemas.microsoft.com/office/drawing/2014/main" xmlns="" w="9525">
+                <a14:hiddenLine xmlns="" xmlns:a16="http://schemas.microsoft.com/office/drawing/2014/main" xmlns:p14="http://schemas.microsoft.com/office/powerpoint/2010/main" xmlns:a14="http://schemas.microsoft.com/office/drawing/2010/main" w="9525">
                   <a:solidFill>
                     <a:srgbClr val="000000"/>
                   </a:solidFill>
@@ -40393,7 +40393,7 @@
             </a:ln>
             <a:extLst>
               <a:ext uri="{91240B29-F687-4f45-9708-019B960494DF}">
-                <a14:hiddenLine xmlns:a14="http://schemas.microsoft.com/office/drawing/2010/main" xmlns:p14="http://schemas.microsoft.com/office/powerpoint/2010/main" xmlns:a16="http://schemas.microsoft.com/office/drawing/2014/main" xmlns="" w="9525">
+                <a14:hiddenLine xmlns="" xmlns:a16="http://schemas.microsoft.com/office/drawing/2014/main" xmlns:p14="http://schemas.microsoft.com/office/powerpoint/2010/main" xmlns:a14="http://schemas.microsoft.com/office/drawing/2010/main" w="9525">
                   <a:solidFill>
                     <a:srgbClr val="000000"/>
                   </a:solidFill>
@@ -40470,7 +40470,7 @@
             </a:ln>
             <a:extLst>
               <a:ext uri="{91240B29-F687-4f45-9708-019B960494DF}">
-                <a14:hiddenLine xmlns:a14="http://schemas.microsoft.com/office/drawing/2010/main" xmlns:p14="http://schemas.microsoft.com/office/powerpoint/2010/main" xmlns:a16="http://schemas.microsoft.com/office/drawing/2014/main" xmlns="" w="9525">
+                <a14:hiddenLine xmlns="" xmlns:a16="http://schemas.microsoft.com/office/drawing/2014/main" xmlns:p14="http://schemas.microsoft.com/office/powerpoint/2010/main" xmlns:a14="http://schemas.microsoft.com/office/drawing/2010/main" w="9525">
                   <a:solidFill>
                     <a:srgbClr val="000000"/>
                   </a:solidFill>
@@ -40547,7 +40547,7 @@
             </a:ln>
             <a:extLst>
               <a:ext uri="{91240B29-F687-4f45-9708-019B960494DF}">
-                <a14:hiddenLine xmlns:a14="http://schemas.microsoft.com/office/drawing/2010/main" xmlns:p14="http://schemas.microsoft.com/office/powerpoint/2010/main" xmlns:a16="http://schemas.microsoft.com/office/drawing/2014/main" xmlns="" w="9525">
+                <a14:hiddenLine xmlns="" xmlns:a16="http://schemas.microsoft.com/office/drawing/2014/main" xmlns:p14="http://schemas.microsoft.com/office/powerpoint/2010/main" xmlns:a14="http://schemas.microsoft.com/office/drawing/2010/main" w="9525">
                   <a:solidFill>
                     <a:srgbClr val="000000"/>
                   </a:solidFill>
@@ -40652,7 +40652,7 @@
             </a:ln>
             <a:extLst>
               <a:ext uri="{91240B29-F687-4f45-9708-019B960494DF}">
-                <a14:hiddenLine xmlns:a14="http://schemas.microsoft.com/office/drawing/2010/main" xmlns:p14="http://schemas.microsoft.com/office/powerpoint/2010/main" xmlns:a16="http://schemas.microsoft.com/office/drawing/2014/main" xmlns="" w="9525">
+                <a14:hiddenLine xmlns="" xmlns:a16="http://schemas.microsoft.com/office/drawing/2014/main" xmlns:p14="http://schemas.microsoft.com/office/powerpoint/2010/main" xmlns:a14="http://schemas.microsoft.com/office/drawing/2010/main" w="9525">
                   <a:solidFill>
                     <a:srgbClr val="000000"/>
                   </a:solidFill>
@@ -40757,7 +40757,7 @@
             </a:ln>
             <a:extLst>
               <a:ext uri="{91240B29-F687-4f45-9708-019B960494DF}">
-                <a14:hiddenLine xmlns:a14="http://schemas.microsoft.com/office/drawing/2010/main" xmlns:p14="http://schemas.microsoft.com/office/powerpoint/2010/main" xmlns:a16="http://schemas.microsoft.com/office/drawing/2014/main" xmlns="" w="9525">
+                <a14:hiddenLine xmlns="" xmlns:a16="http://schemas.microsoft.com/office/drawing/2014/main" xmlns:p14="http://schemas.microsoft.com/office/powerpoint/2010/main" xmlns:a14="http://schemas.microsoft.com/office/drawing/2010/main" w="9525">
                   <a:solidFill>
                     <a:srgbClr val="000000"/>
                   </a:solidFill>
@@ -40834,7 +40834,7 @@
             </a:ln>
             <a:extLst>
               <a:ext uri="{91240B29-F687-4f45-9708-019B960494DF}">
-                <a14:hiddenLine xmlns:a14="http://schemas.microsoft.com/office/drawing/2010/main" xmlns:p14="http://schemas.microsoft.com/office/powerpoint/2010/main" xmlns:a16="http://schemas.microsoft.com/office/drawing/2014/main" xmlns="" w="9525">
+                <a14:hiddenLine xmlns="" xmlns:a16="http://schemas.microsoft.com/office/drawing/2014/main" xmlns:p14="http://schemas.microsoft.com/office/powerpoint/2010/main" xmlns:a14="http://schemas.microsoft.com/office/drawing/2010/main" w="9525">
                   <a:solidFill>
                     <a:srgbClr val="000000"/>
                   </a:solidFill>
@@ -40959,7 +40959,7 @@
             </a:ln>
             <a:extLst>
               <a:ext uri="{91240B29-F687-4f45-9708-019B960494DF}">
-                <a14:hiddenLine xmlns:a14="http://schemas.microsoft.com/office/drawing/2010/main" xmlns:p14="http://schemas.microsoft.com/office/powerpoint/2010/main" xmlns:a16="http://schemas.microsoft.com/office/drawing/2014/main" xmlns="" w="9525">
+                <a14:hiddenLine xmlns="" xmlns:a16="http://schemas.microsoft.com/office/drawing/2014/main" xmlns:p14="http://schemas.microsoft.com/office/powerpoint/2010/main" xmlns:a14="http://schemas.microsoft.com/office/drawing/2010/main" w="9525">
                   <a:solidFill>
                     <a:srgbClr val="000000"/>
                   </a:solidFill>
@@ -41036,7 +41036,7 @@
             </a:ln>
             <a:extLst>
               <a:ext uri="{91240B29-F687-4f45-9708-019B960494DF}">
-                <a14:hiddenLine xmlns:a14="http://schemas.microsoft.com/office/drawing/2010/main" xmlns:p14="http://schemas.microsoft.com/office/powerpoint/2010/main" xmlns:a16="http://schemas.microsoft.com/office/drawing/2014/main" xmlns="" w="9525">
+                <a14:hiddenLine xmlns="" xmlns:a16="http://schemas.microsoft.com/office/drawing/2014/main" xmlns:p14="http://schemas.microsoft.com/office/powerpoint/2010/main" xmlns:a14="http://schemas.microsoft.com/office/drawing/2010/main" w="9525">
                   <a:solidFill>
                     <a:srgbClr val="000000"/>
                   </a:solidFill>
@@ -41141,7 +41141,7 @@
             </a:ln>
             <a:extLst>
               <a:ext uri="{91240B29-F687-4f45-9708-019B960494DF}">
-                <a14:hiddenLine xmlns:a14="http://schemas.microsoft.com/office/drawing/2010/main" xmlns:p14="http://schemas.microsoft.com/office/powerpoint/2010/main" xmlns:a16="http://schemas.microsoft.com/office/drawing/2014/main" xmlns="" w="9525">
+                <a14:hiddenLine xmlns="" xmlns:a16="http://schemas.microsoft.com/office/drawing/2014/main" xmlns:p14="http://schemas.microsoft.com/office/powerpoint/2010/main" xmlns:a14="http://schemas.microsoft.com/office/drawing/2010/main" w="9525">
                   <a:solidFill>
                     <a:srgbClr val="000000"/>
                   </a:solidFill>
@@ -41246,7 +41246,7 @@
             </a:ln>
             <a:extLst>
               <a:ext uri="{91240B29-F687-4f45-9708-019B960494DF}">
-                <a14:hiddenLine xmlns:a14="http://schemas.microsoft.com/office/drawing/2010/main" xmlns:p14="http://schemas.microsoft.com/office/powerpoint/2010/main" xmlns:a16="http://schemas.microsoft.com/office/drawing/2014/main" xmlns="" w="9525">
+                <a14:hiddenLine xmlns="" xmlns:a16="http://schemas.microsoft.com/office/drawing/2014/main" xmlns:p14="http://schemas.microsoft.com/office/powerpoint/2010/main" xmlns:a14="http://schemas.microsoft.com/office/drawing/2010/main" w="9525">
                   <a:solidFill>
                     <a:srgbClr val="000000"/>
                   </a:solidFill>
@@ -41323,7 +41323,7 @@
             </a:ln>
             <a:extLst>
               <a:ext uri="{91240B29-F687-4f45-9708-019B960494DF}">
-                <a14:hiddenLine xmlns:a14="http://schemas.microsoft.com/office/drawing/2010/main" xmlns:p14="http://schemas.microsoft.com/office/powerpoint/2010/main" xmlns:a16="http://schemas.microsoft.com/office/drawing/2014/main" xmlns="" w="9525">
+                <a14:hiddenLine xmlns="" xmlns:a16="http://schemas.microsoft.com/office/drawing/2014/main" xmlns:p14="http://schemas.microsoft.com/office/powerpoint/2010/main" xmlns:a14="http://schemas.microsoft.com/office/drawing/2010/main" w="9525">
                   <a:solidFill>
                     <a:srgbClr val="000000"/>
                   </a:solidFill>
@@ -41428,7 +41428,7 @@
             </a:ln>
             <a:extLst>
               <a:ext uri="{91240B29-F687-4f45-9708-019B960494DF}">
-                <a14:hiddenLine xmlns:a14="http://schemas.microsoft.com/office/drawing/2010/main" xmlns:p14="http://schemas.microsoft.com/office/powerpoint/2010/main" xmlns:a16="http://schemas.microsoft.com/office/drawing/2014/main" xmlns="" w="9525">
+                <a14:hiddenLine xmlns="" xmlns:a16="http://schemas.microsoft.com/office/drawing/2014/main" xmlns:p14="http://schemas.microsoft.com/office/powerpoint/2010/main" xmlns:a14="http://schemas.microsoft.com/office/drawing/2010/main" w="9525">
                   <a:solidFill>
                     <a:srgbClr val="000000"/>
                   </a:solidFill>
@@ -41533,7 +41533,7 @@
             </a:ln>
             <a:extLst>
               <a:ext uri="{91240B29-F687-4f45-9708-019B960494DF}">
-                <a14:hiddenLine xmlns:a14="http://schemas.microsoft.com/office/drawing/2010/main" xmlns:p14="http://schemas.microsoft.com/office/powerpoint/2010/main" xmlns:a16="http://schemas.microsoft.com/office/drawing/2014/main" xmlns="" w="9525">
+                <a14:hiddenLine xmlns="" xmlns:a16="http://schemas.microsoft.com/office/drawing/2014/main" xmlns:p14="http://schemas.microsoft.com/office/powerpoint/2010/main" xmlns:a14="http://schemas.microsoft.com/office/drawing/2010/main" w="9525">
                   <a:solidFill>
                     <a:srgbClr val="000000"/>
                   </a:solidFill>
@@ -41604,7 +41604,7 @@
             </a:ln>
             <a:extLst>
               <a:ext uri="{91240B29-F687-4f45-9708-019B960494DF}">
-                <a14:hiddenLine xmlns:a14="http://schemas.microsoft.com/office/drawing/2010/main" xmlns:p14="http://schemas.microsoft.com/office/powerpoint/2010/main" xmlns:a16="http://schemas.microsoft.com/office/drawing/2014/main" xmlns="" w="9525">
+                <a14:hiddenLine xmlns="" xmlns:a16="http://schemas.microsoft.com/office/drawing/2014/main" xmlns:p14="http://schemas.microsoft.com/office/powerpoint/2010/main" xmlns:a14="http://schemas.microsoft.com/office/drawing/2010/main" w="9525">
                   <a:solidFill>
                     <a:srgbClr val="000000"/>
                   </a:solidFill>
@@ -41709,7 +41709,7 @@
             </a:ln>
             <a:extLst>
               <a:ext uri="{91240B29-F687-4f45-9708-019B960494DF}">
-                <a14:hiddenLine xmlns:a14="http://schemas.microsoft.com/office/drawing/2010/main" xmlns:p14="http://schemas.microsoft.com/office/powerpoint/2010/main" xmlns:a16="http://schemas.microsoft.com/office/drawing/2014/main" xmlns="" w="9525">
+                <a14:hiddenLine xmlns="" xmlns:a16="http://schemas.microsoft.com/office/drawing/2014/main" xmlns:p14="http://schemas.microsoft.com/office/powerpoint/2010/main" xmlns:a14="http://schemas.microsoft.com/office/drawing/2010/main" w="9525">
                   <a:solidFill>
                     <a:srgbClr val="000000"/>
                   </a:solidFill>
@@ -41780,7 +41780,7 @@
             </a:ln>
             <a:extLst>
               <a:ext uri="{91240B29-F687-4f45-9708-019B960494DF}">
-                <a14:hiddenLine xmlns:a14="http://schemas.microsoft.com/office/drawing/2010/main" xmlns:p14="http://schemas.microsoft.com/office/powerpoint/2010/main" xmlns:a16="http://schemas.microsoft.com/office/drawing/2014/main" xmlns="" w="9525">
+                <a14:hiddenLine xmlns="" xmlns:a16="http://schemas.microsoft.com/office/drawing/2014/main" xmlns:p14="http://schemas.microsoft.com/office/powerpoint/2010/main" xmlns:a14="http://schemas.microsoft.com/office/drawing/2010/main" w="9525">
                   <a:solidFill>
                     <a:srgbClr val="000000"/>
                   </a:solidFill>
@@ -41885,7 +41885,7 @@
             </a:ln>
             <a:extLst>
               <a:ext uri="{91240B29-F687-4f45-9708-019B960494DF}">
-                <a14:hiddenLine xmlns:a14="http://schemas.microsoft.com/office/drawing/2010/main" xmlns:p14="http://schemas.microsoft.com/office/powerpoint/2010/main" xmlns:a16="http://schemas.microsoft.com/office/drawing/2014/main" xmlns="" w="9525">
+                <a14:hiddenLine xmlns="" xmlns:a16="http://schemas.microsoft.com/office/drawing/2014/main" xmlns:p14="http://schemas.microsoft.com/office/powerpoint/2010/main" xmlns:a14="http://schemas.microsoft.com/office/drawing/2010/main" w="9525">
                   <a:solidFill>
                     <a:srgbClr val="000000"/>
                   </a:solidFill>
@@ -41968,7 +41968,7 @@
             </a:ln>
             <a:extLst>
               <a:ext uri="{91240B29-F687-4f45-9708-019B960494DF}">
-                <a14:hiddenLine xmlns:a14="http://schemas.microsoft.com/office/drawing/2010/main" xmlns:p14="http://schemas.microsoft.com/office/powerpoint/2010/main" xmlns:a16="http://schemas.microsoft.com/office/drawing/2014/main" xmlns="" w="9525">
+                <a14:hiddenLine xmlns="" xmlns:a16="http://schemas.microsoft.com/office/drawing/2014/main" xmlns:p14="http://schemas.microsoft.com/office/powerpoint/2010/main" xmlns:a14="http://schemas.microsoft.com/office/drawing/2010/main" w="9525">
                   <a:solidFill>
                     <a:srgbClr val="000000"/>
                   </a:solidFill>
@@ -42073,7 +42073,7 @@
             </a:ln>
             <a:extLst>
               <a:ext uri="{91240B29-F687-4f45-9708-019B960494DF}">
-                <a14:hiddenLine xmlns:a14="http://schemas.microsoft.com/office/drawing/2010/main" xmlns:p14="http://schemas.microsoft.com/office/powerpoint/2010/main" xmlns:a16="http://schemas.microsoft.com/office/drawing/2014/main" xmlns="" w="9525">
+                <a14:hiddenLine xmlns="" xmlns:a16="http://schemas.microsoft.com/office/drawing/2014/main" xmlns:p14="http://schemas.microsoft.com/office/powerpoint/2010/main" xmlns:a14="http://schemas.microsoft.com/office/drawing/2010/main" w="9525">
                   <a:solidFill>
                     <a:srgbClr val="000000"/>
                   </a:solidFill>
@@ -42156,7 +42156,7 @@
             </a:ln>
             <a:extLst>
               <a:ext uri="{91240B29-F687-4f45-9708-019B960494DF}">
-                <a14:hiddenLine xmlns:a14="http://schemas.microsoft.com/office/drawing/2010/main" xmlns:p14="http://schemas.microsoft.com/office/powerpoint/2010/main" xmlns:a16="http://schemas.microsoft.com/office/drawing/2014/main" xmlns="" w="9525">
+                <a14:hiddenLine xmlns="" xmlns:a16="http://schemas.microsoft.com/office/drawing/2014/main" xmlns:p14="http://schemas.microsoft.com/office/powerpoint/2010/main" xmlns:a14="http://schemas.microsoft.com/office/drawing/2010/main" w="9525">
                   <a:solidFill>
                     <a:srgbClr val="000000"/>
                   </a:solidFill>
@@ -42261,7 +42261,7 @@
             </a:ln>
             <a:extLst>
               <a:ext uri="{91240B29-F687-4f45-9708-019B960494DF}">
-                <a14:hiddenLine xmlns:a14="http://schemas.microsoft.com/office/drawing/2010/main" xmlns:p14="http://schemas.microsoft.com/office/powerpoint/2010/main" xmlns:a16="http://schemas.microsoft.com/office/drawing/2014/main" xmlns="" w="9525">
+                <a14:hiddenLine xmlns="" xmlns:a16="http://schemas.microsoft.com/office/drawing/2014/main" xmlns:p14="http://schemas.microsoft.com/office/powerpoint/2010/main" xmlns:a14="http://schemas.microsoft.com/office/drawing/2010/main" w="9525">
                   <a:solidFill>
                     <a:srgbClr val="000000"/>
                   </a:solidFill>
@@ -42310,7 +42310,7 @@
             </a:ln>
             <a:extLst>
               <a:ext uri="{91240B29-F687-4f45-9708-019B960494DF}">
-                <a14:hiddenLine xmlns:a14="http://schemas.microsoft.com/office/drawing/2010/main" xmlns:p14="http://schemas.microsoft.com/office/powerpoint/2010/main" xmlns:a16="http://schemas.microsoft.com/office/drawing/2014/main" xmlns="" w="9525">
+                <a14:hiddenLine xmlns="" xmlns:a16="http://schemas.microsoft.com/office/drawing/2014/main" xmlns:p14="http://schemas.microsoft.com/office/powerpoint/2010/main" xmlns:a14="http://schemas.microsoft.com/office/drawing/2010/main" w="9525">
                   <a:solidFill>
                     <a:srgbClr val="000000"/>
                   </a:solidFill>
@@ -42415,7 +42415,7 @@
             </a:ln>
             <a:extLst>
               <a:ext uri="{91240B29-F687-4f45-9708-019B960494DF}">
-                <a14:hiddenLine xmlns:a14="http://schemas.microsoft.com/office/drawing/2010/main" xmlns:p14="http://schemas.microsoft.com/office/powerpoint/2010/main" xmlns:a16="http://schemas.microsoft.com/office/drawing/2014/main" xmlns="" w="9525">
+                <a14:hiddenLine xmlns="" xmlns:a16="http://schemas.microsoft.com/office/drawing/2014/main" xmlns:p14="http://schemas.microsoft.com/office/powerpoint/2010/main" xmlns:a14="http://schemas.microsoft.com/office/drawing/2010/main" w="9525">
                   <a:solidFill>
                     <a:srgbClr val="000000"/>
                   </a:solidFill>
@@ -42492,7 +42492,7 @@
             </a:ln>
             <a:extLst>
               <a:ext uri="{91240B29-F687-4f45-9708-019B960494DF}">
-                <a14:hiddenLine xmlns:a14="http://schemas.microsoft.com/office/drawing/2010/main" xmlns:p14="http://schemas.microsoft.com/office/powerpoint/2010/main" xmlns:a16="http://schemas.microsoft.com/office/drawing/2014/main" xmlns="" w="9525">
+                <a14:hiddenLine xmlns="" xmlns:a16="http://schemas.microsoft.com/office/drawing/2014/main" xmlns:p14="http://schemas.microsoft.com/office/powerpoint/2010/main" xmlns:a14="http://schemas.microsoft.com/office/drawing/2010/main" w="9525">
                   <a:solidFill>
                     <a:srgbClr val="000000"/>
                   </a:solidFill>
@@ -42569,7 +42569,7 @@
             </a:ln>
             <a:extLst>
               <a:ext uri="{91240B29-F687-4f45-9708-019B960494DF}">
-                <a14:hiddenLine xmlns:a14="http://schemas.microsoft.com/office/drawing/2010/main" xmlns:p14="http://schemas.microsoft.com/office/powerpoint/2010/main" xmlns:a16="http://schemas.microsoft.com/office/drawing/2014/main" xmlns="" w="9525">
+                <a14:hiddenLine xmlns="" xmlns:a16="http://schemas.microsoft.com/office/drawing/2014/main" xmlns:p14="http://schemas.microsoft.com/office/powerpoint/2010/main" xmlns:a14="http://schemas.microsoft.com/office/drawing/2010/main" w="9525">
                   <a:solidFill>
                     <a:srgbClr val="000000"/>
                   </a:solidFill>
@@ -42674,7 +42674,7 @@
             </a:ln>
             <a:extLst>
               <a:ext uri="{91240B29-F687-4f45-9708-019B960494DF}">
-                <a14:hiddenLine xmlns:a14="http://schemas.microsoft.com/office/drawing/2010/main" xmlns:p14="http://schemas.microsoft.com/office/powerpoint/2010/main" xmlns:a16="http://schemas.microsoft.com/office/drawing/2014/main" xmlns="" w="9525">
+                <a14:hiddenLine xmlns="" xmlns:a16="http://schemas.microsoft.com/office/drawing/2014/main" xmlns:p14="http://schemas.microsoft.com/office/powerpoint/2010/main" xmlns:a14="http://schemas.microsoft.com/office/drawing/2010/main" w="9525">
                   <a:solidFill>
                     <a:srgbClr val="000000"/>
                   </a:solidFill>
@@ -42757,7 +42757,7 @@
             </a:ln>
             <a:extLst>
               <a:ext uri="{91240B29-F687-4f45-9708-019B960494DF}">
-                <a14:hiddenLine xmlns:a14="http://schemas.microsoft.com/office/drawing/2010/main" xmlns:p14="http://schemas.microsoft.com/office/powerpoint/2010/main" xmlns:a16="http://schemas.microsoft.com/office/drawing/2014/main" xmlns="" w="9525">
+                <a14:hiddenLine xmlns="" xmlns:a16="http://schemas.microsoft.com/office/drawing/2014/main" xmlns:p14="http://schemas.microsoft.com/office/powerpoint/2010/main" xmlns:a14="http://schemas.microsoft.com/office/drawing/2010/main" w="9525">
                   <a:solidFill>
                     <a:srgbClr val="000000"/>
                   </a:solidFill>
@@ -42834,7 +42834,7 @@
             </a:ln>
             <a:extLst>
               <a:ext uri="{91240B29-F687-4f45-9708-019B960494DF}">
-                <a14:hiddenLine xmlns:a14="http://schemas.microsoft.com/office/drawing/2010/main" xmlns:p14="http://schemas.microsoft.com/office/powerpoint/2010/main" xmlns:a16="http://schemas.microsoft.com/office/drawing/2014/main" xmlns="" w="9525">
+                <a14:hiddenLine xmlns="" xmlns:a16="http://schemas.microsoft.com/office/drawing/2014/main" xmlns:p14="http://schemas.microsoft.com/office/powerpoint/2010/main" xmlns:a14="http://schemas.microsoft.com/office/drawing/2010/main" w="9525">
                   <a:solidFill>
                     <a:srgbClr val="000000"/>
                   </a:solidFill>
@@ -42939,7 +42939,7 @@
             </a:ln>
             <a:extLst>
               <a:ext uri="{91240B29-F687-4f45-9708-019B960494DF}">
-                <a14:hiddenLine xmlns:a14="http://schemas.microsoft.com/office/drawing/2010/main" xmlns:p14="http://schemas.microsoft.com/office/powerpoint/2010/main" xmlns:a16="http://schemas.microsoft.com/office/drawing/2014/main" xmlns="" w="9525">
+                <a14:hiddenLine xmlns="" xmlns:a16="http://schemas.microsoft.com/office/drawing/2014/main" xmlns:p14="http://schemas.microsoft.com/office/powerpoint/2010/main" xmlns:a14="http://schemas.microsoft.com/office/drawing/2010/main" w="9525">
                   <a:solidFill>
                     <a:srgbClr val="000000"/>
                   </a:solidFill>
@@ -43016,7 +43016,7 @@
             </a:ln>
             <a:extLst>
               <a:ext uri="{91240B29-F687-4f45-9708-019B960494DF}">
-                <a14:hiddenLine xmlns:a14="http://schemas.microsoft.com/office/drawing/2010/main" xmlns:p14="http://schemas.microsoft.com/office/powerpoint/2010/main" xmlns:a16="http://schemas.microsoft.com/office/drawing/2014/main" xmlns="" w="9525">
+                <a14:hiddenLine xmlns="" xmlns:a16="http://schemas.microsoft.com/office/drawing/2014/main" xmlns:p14="http://schemas.microsoft.com/office/powerpoint/2010/main" xmlns:a14="http://schemas.microsoft.com/office/drawing/2010/main" w="9525">
                   <a:solidFill>
                     <a:srgbClr val="000000"/>
                   </a:solidFill>
@@ -43121,7 +43121,7 @@
             </a:ln>
             <a:extLst>
               <a:ext uri="{91240B29-F687-4f45-9708-019B960494DF}">
-                <a14:hiddenLine xmlns:a14="http://schemas.microsoft.com/office/drawing/2010/main" xmlns:p14="http://schemas.microsoft.com/office/powerpoint/2010/main" xmlns:a16="http://schemas.microsoft.com/office/drawing/2014/main" xmlns="" w="9525">
+                <a14:hiddenLine xmlns="" xmlns:a16="http://schemas.microsoft.com/office/drawing/2014/main" xmlns:p14="http://schemas.microsoft.com/office/powerpoint/2010/main" xmlns:a14="http://schemas.microsoft.com/office/drawing/2010/main" w="9525">
                   <a:solidFill>
                     <a:srgbClr val="000000"/>
                   </a:solidFill>
@@ -43198,7 +43198,7 @@
             </a:ln>
             <a:extLst>
               <a:ext uri="{91240B29-F687-4f45-9708-019B960494DF}">
-                <a14:hiddenLine xmlns:a14="http://schemas.microsoft.com/office/drawing/2010/main" xmlns:p14="http://schemas.microsoft.com/office/powerpoint/2010/main" xmlns:a16="http://schemas.microsoft.com/office/drawing/2014/main" xmlns="" w="9525">
+                <a14:hiddenLine xmlns="" xmlns:a16="http://schemas.microsoft.com/office/drawing/2014/main" xmlns:p14="http://schemas.microsoft.com/office/powerpoint/2010/main" xmlns:a14="http://schemas.microsoft.com/office/drawing/2010/main" w="9525">
                   <a:solidFill>
                     <a:srgbClr val="000000"/>
                   </a:solidFill>
@@ -43303,7 +43303,7 @@
             </a:ln>
             <a:extLst>
               <a:ext uri="{91240B29-F687-4f45-9708-019B960494DF}">
-                <a14:hiddenLine xmlns:a14="http://schemas.microsoft.com/office/drawing/2010/main" xmlns:p14="http://schemas.microsoft.com/office/powerpoint/2010/main" xmlns:a16="http://schemas.microsoft.com/office/drawing/2014/main" xmlns="" w="9525">
+                <a14:hiddenLine xmlns="" xmlns:a16="http://schemas.microsoft.com/office/drawing/2014/main" xmlns:p14="http://schemas.microsoft.com/office/powerpoint/2010/main" xmlns:a14="http://schemas.microsoft.com/office/drawing/2010/main" w="9525">
                   <a:solidFill>
                     <a:srgbClr val="000000"/>
                   </a:solidFill>
@@ -43352,7 +43352,7 @@
             </a:ln>
             <a:extLst>
               <a:ext uri="{91240B29-F687-4f45-9708-019B960494DF}">
-                <a14:hiddenLine xmlns:a14="http://schemas.microsoft.com/office/drawing/2010/main" xmlns:p14="http://schemas.microsoft.com/office/powerpoint/2010/main" xmlns:a16="http://schemas.microsoft.com/office/drawing/2014/main" xmlns="" w="9525">
+                <a14:hiddenLine xmlns="" xmlns:a16="http://schemas.microsoft.com/office/drawing/2014/main" xmlns:p14="http://schemas.microsoft.com/office/powerpoint/2010/main" xmlns:a14="http://schemas.microsoft.com/office/drawing/2010/main" w="9525">
                   <a:solidFill>
                     <a:srgbClr val="000000"/>
                   </a:solidFill>
@@ -43432,7 +43432,7 @@
             </a:ln>
             <a:extLst>
               <a:ext uri="{91240B29-F687-4f45-9708-019B960494DF}">
-                <a14:hiddenLine xmlns:a14="http://schemas.microsoft.com/office/drawing/2010/main" xmlns:p14="http://schemas.microsoft.com/office/powerpoint/2010/main" xmlns:a16="http://schemas.microsoft.com/office/drawing/2014/main" xmlns="" w="9525">
+                <a14:hiddenLine xmlns="" xmlns:a16="http://schemas.microsoft.com/office/drawing/2014/main" xmlns:p14="http://schemas.microsoft.com/office/powerpoint/2010/main" xmlns:a14="http://schemas.microsoft.com/office/drawing/2010/main" w="9525">
                   <a:solidFill>
                     <a:srgbClr val="000000"/>
                   </a:solidFill>
@@ -43537,7 +43537,7 @@
             </a:ln>
             <a:extLst>
               <a:ext uri="{91240B29-F687-4f45-9708-019B960494DF}">
-                <a14:hiddenLine xmlns:a14="http://schemas.microsoft.com/office/drawing/2010/main" xmlns:p14="http://schemas.microsoft.com/office/powerpoint/2010/main" xmlns:a16="http://schemas.microsoft.com/office/drawing/2014/main" xmlns="" w="9525">
+                <a14:hiddenLine xmlns="" xmlns:a16="http://schemas.microsoft.com/office/drawing/2014/main" xmlns:p14="http://schemas.microsoft.com/office/powerpoint/2010/main" xmlns:a14="http://schemas.microsoft.com/office/drawing/2010/main" w="9525">
                   <a:solidFill>
                     <a:srgbClr val="000000"/>
                   </a:solidFill>
@@ -43614,7 +43614,7 @@
             </a:ln>
             <a:extLst>
               <a:ext uri="{91240B29-F687-4f45-9708-019B960494DF}">
-                <a14:hiddenLine xmlns:a14="http://schemas.microsoft.com/office/drawing/2010/main" xmlns:p14="http://schemas.microsoft.com/office/powerpoint/2010/main" xmlns:a16="http://schemas.microsoft.com/office/drawing/2014/main" xmlns="" w="9525">
+                <a14:hiddenLine xmlns="" xmlns:a16="http://schemas.microsoft.com/office/drawing/2014/main" xmlns:p14="http://schemas.microsoft.com/office/powerpoint/2010/main" xmlns:a14="http://schemas.microsoft.com/office/drawing/2010/main" w="9525">
                   <a:solidFill>
                     <a:srgbClr val="000000"/>
                   </a:solidFill>
@@ -43719,7 +43719,7 @@
             </a:ln>
             <a:extLst>
               <a:ext uri="{91240B29-F687-4f45-9708-019B960494DF}">
-                <a14:hiddenLine xmlns:a14="http://schemas.microsoft.com/office/drawing/2010/main" xmlns:p14="http://schemas.microsoft.com/office/powerpoint/2010/main" xmlns:a16="http://schemas.microsoft.com/office/drawing/2014/main" xmlns="" w="9525">
+                <a14:hiddenLine xmlns="" xmlns:a16="http://schemas.microsoft.com/office/drawing/2014/main" xmlns:p14="http://schemas.microsoft.com/office/powerpoint/2010/main" xmlns:a14="http://schemas.microsoft.com/office/drawing/2010/main" w="9525">
                   <a:solidFill>
                     <a:srgbClr val="000000"/>
                   </a:solidFill>
@@ -43824,7 +43824,7 @@
             </a:ln>
             <a:extLst>
               <a:ext uri="{91240B29-F687-4f45-9708-019B960494DF}">
-                <a14:hiddenLine xmlns:a14="http://schemas.microsoft.com/office/drawing/2010/main" xmlns:p14="http://schemas.microsoft.com/office/powerpoint/2010/main" xmlns:a16="http://schemas.microsoft.com/office/drawing/2014/main" xmlns="" w="9525">
+                <a14:hiddenLine xmlns="" xmlns:a16="http://schemas.microsoft.com/office/drawing/2014/main" xmlns:p14="http://schemas.microsoft.com/office/powerpoint/2010/main" xmlns:a14="http://schemas.microsoft.com/office/drawing/2010/main" w="9525">
                   <a:solidFill>
                     <a:srgbClr val="000000"/>
                   </a:solidFill>
@@ -43904,7 +43904,7 @@
             </a:ln>
             <a:extLst>
               <a:ext uri="{91240B29-F687-4f45-9708-019B960494DF}">
-                <a14:hiddenLine xmlns:a14="http://schemas.microsoft.com/office/drawing/2010/main" xmlns:p14="http://schemas.microsoft.com/office/powerpoint/2010/main" xmlns:a16="http://schemas.microsoft.com/office/drawing/2014/main" xmlns="" w="9525">
+                <a14:hiddenLine xmlns="" xmlns:a16="http://schemas.microsoft.com/office/drawing/2014/main" xmlns:p14="http://schemas.microsoft.com/office/powerpoint/2010/main" xmlns:a14="http://schemas.microsoft.com/office/drawing/2010/main" w="9525">
                   <a:solidFill>
                     <a:srgbClr val="000000"/>
                   </a:solidFill>
@@ -43981,7 +43981,7 @@
             </a:ln>
             <a:extLst>
               <a:ext uri="{91240B29-F687-4f45-9708-019B960494DF}">
-                <a14:hiddenLine xmlns:a14="http://schemas.microsoft.com/office/drawing/2010/main" xmlns:p14="http://schemas.microsoft.com/office/powerpoint/2010/main" xmlns:a16="http://schemas.microsoft.com/office/drawing/2014/main" xmlns="" w="9525">
+                <a14:hiddenLine xmlns="" xmlns:a16="http://schemas.microsoft.com/office/drawing/2014/main" xmlns:p14="http://schemas.microsoft.com/office/powerpoint/2010/main" xmlns:a14="http://schemas.microsoft.com/office/drawing/2010/main" w="9525">
                   <a:solidFill>
                     <a:srgbClr val="000000"/>
                   </a:solidFill>
@@ -44086,7 +44086,7 @@
             </a:ln>
             <a:extLst>
               <a:ext uri="{91240B29-F687-4f45-9708-019B960494DF}">
-                <a14:hiddenLine xmlns:a14="http://schemas.microsoft.com/office/drawing/2010/main" xmlns:p14="http://schemas.microsoft.com/office/powerpoint/2010/main" xmlns:a16="http://schemas.microsoft.com/office/drawing/2014/main" xmlns="" w="9525">
+                <a14:hiddenLine xmlns="" xmlns:a16="http://schemas.microsoft.com/office/drawing/2014/main" xmlns:p14="http://schemas.microsoft.com/office/powerpoint/2010/main" xmlns:a14="http://schemas.microsoft.com/office/drawing/2010/main" w="9525">
                   <a:solidFill>
                     <a:srgbClr val="000000"/>
                   </a:solidFill>
@@ -44191,7 +44191,7 @@
             </a:ln>
             <a:extLst>
               <a:ext uri="{91240B29-F687-4f45-9708-019B960494DF}">
-                <a14:hiddenLine xmlns:a14="http://schemas.microsoft.com/office/drawing/2010/main" xmlns:p14="http://schemas.microsoft.com/office/powerpoint/2010/main" xmlns:a16="http://schemas.microsoft.com/office/drawing/2014/main" xmlns="" w="9525">
+                <a14:hiddenLine xmlns="" xmlns:a16="http://schemas.microsoft.com/office/drawing/2014/main" xmlns:p14="http://schemas.microsoft.com/office/powerpoint/2010/main" xmlns:a14="http://schemas.microsoft.com/office/drawing/2010/main" w="9525">
                   <a:solidFill>
                     <a:srgbClr val="000000"/>
                   </a:solidFill>
@@ -44268,7 +44268,7 @@
             </a:ln>
             <a:extLst>
               <a:ext uri="{91240B29-F687-4f45-9708-019B960494DF}">
-                <a14:hiddenLine xmlns:a14="http://schemas.microsoft.com/office/drawing/2010/main" xmlns:p14="http://schemas.microsoft.com/office/powerpoint/2010/main" xmlns:a16="http://schemas.microsoft.com/office/drawing/2014/main" xmlns="" w="9525">
+                <a14:hiddenLine xmlns="" xmlns:a16="http://schemas.microsoft.com/office/drawing/2014/main" xmlns:p14="http://schemas.microsoft.com/office/powerpoint/2010/main" xmlns:a14="http://schemas.microsoft.com/office/drawing/2010/main" w="9525">
                   <a:solidFill>
                     <a:srgbClr val="000000"/>
                   </a:solidFill>
@@ -44403,7 +44403,7 @@
             </a:ln>
             <a:extLst>
               <a:ext uri="{91240B29-F687-4f45-9708-019B960494DF}">
-                <a14:hiddenLine xmlns:a14="http://schemas.microsoft.com/office/drawing/2010/main" xmlns:p14="http://schemas.microsoft.com/office/powerpoint/2010/main" xmlns:a16="http://schemas.microsoft.com/office/drawing/2014/main" xmlns="" w="9525">
+                <a14:hiddenLine xmlns="" xmlns:a16="http://schemas.microsoft.com/office/drawing/2014/main" xmlns:p14="http://schemas.microsoft.com/office/powerpoint/2010/main" xmlns:a14="http://schemas.microsoft.com/office/drawing/2010/main" w="9525">
                   <a:solidFill>
                     <a:srgbClr val="000000"/>
                   </a:solidFill>
@@ -44486,7 +44486,7 @@
             </a:ln>
             <a:extLst>
               <a:ext uri="{91240B29-F687-4f45-9708-019B960494DF}">
-                <a14:hiddenLine xmlns:a14="http://schemas.microsoft.com/office/drawing/2010/main" xmlns:p14="http://schemas.microsoft.com/office/powerpoint/2010/main" xmlns:a16="http://schemas.microsoft.com/office/drawing/2014/main" xmlns="" w="9525">
+                <a14:hiddenLine xmlns="" xmlns:a16="http://schemas.microsoft.com/office/drawing/2014/main" xmlns:p14="http://schemas.microsoft.com/office/powerpoint/2010/main" xmlns:a14="http://schemas.microsoft.com/office/drawing/2010/main" w="9525">
                   <a:solidFill>
                     <a:srgbClr val="000000"/>
                   </a:solidFill>
@@ -44591,7 +44591,7 @@
             </a:ln>
             <a:extLst>
               <a:ext uri="{91240B29-F687-4f45-9708-019B960494DF}">
-                <a14:hiddenLine xmlns:a14="http://schemas.microsoft.com/office/drawing/2010/main" xmlns:p14="http://schemas.microsoft.com/office/powerpoint/2010/main" xmlns:a16="http://schemas.microsoft.com/office/drawing/2014/main" xmlns="" w="9525">
+                <a14:hiddenLine xmlns="" xmlns:a16="http://schemas.microsoft.com/office/drawing/2014/main" xmlns:p14="http://schemas.microsoft.com/office/powerpoint/2010/main" xmlns:a14="http://schemas.microsoft.com/office/drawing/2010/main" w="9525">
                   <a:solidFill>
                     <a:srgbClr val="000000"/>
                   </a:solidFill>
